--- a/21951468张雨薇/读书报告/仅用深度摄像头改善身体和手部追踪.pptx
+++ b/21951468张雨薇/读书报告/仅用深度摄像头改善身体和手部追踪.pptx
@@ -12,36 +12,38 @@
     <p:sldId id="257" r:id="rId5"/>
     <p:sldId id="290" r:id="rId6"/>
     <p:sldId id="350" r:id="rId7"/>
-    <p:sldId id="351" r:id="rId8"/>
-    <p:sldId id="352" r:id="rId9"/>
-    <p:sldId id="353" r:id="rId10"/>
-    <p:sldId id="354" r:id="rId11"/>
-    <p:sldId id="356" r:id="rId12"/>
-    <p:sldId id="355" r:id="rId13"/>
-    <p:sldId id="259" r:id="rId14"/>
-    <p:sldId id="289" r:id="rId15"/>
+    <p:sldId id="360" r:id="rId8"/>
+    <p:sldId id="351" r:id="rId9"/>
+    <p:sldId id="352" r:id="rId10"/>
+    <p:sldId id="353" r:id="rId11"/>
+    <p:sldId id="361" r:id="rId12"/>
+    <p:sldId id="363" r:id="rId13"/>
+    <p:sldId id="356" r:id="rId14"/>
+    <p:sldId id="355" r:id="rId15"/>
+    <p:sldId id="259" r:id="rId16"/>
+    <p:sldId id="289" r:id="rId17"/>
   </p:sldIdLst>
   <p:sldSz cx="9144000" cy="5143500" type="screen16x9"/>
   <p:notesSz cx="6858000" cy="9144000"/>
   <p:embeddedFontLst>
     <p:embeddedFont>
       <p:font typeface="微软雅黑" panose="020B0503020204020204" pitchFamily="34" charset="-122"/>
-      <p:regular r:id="rId19"/>
+      <p:regular r:id="rId21"/>
     </p:embeddedFont>
     <p:embeddedFont>
       <p:font typeface="方正兰亭细黑_GBK" panose="02000000000000000000" pitchFamily="2" charset="-122"/>
-      <p:regular r:id="rId20"/>
+      <p:regular r:id="rId22"/>
     </p:embeddedFont>
     <p:embeddedFont>
       <p:font typeface="Calibri" panose="020F0502020204030204" charset="0"/>
-      <p:regular r:id="rId21"/>
-      <p:bold r:id="rId22"/>
-      <p:italic r:id="rId23"/>
-      <p:boldItalic r:id="rId24"/>
+      <p:regular r:id="rId23"/>
+      <p:bold r:id="rId24"/>
+      <p:italic r:id="rId25"/>
+      <p:boldItalic r:id="rId26"/>
     </p:embeddedFont>
     <p:embeddedFont>
       <p:font typeface="仿宋" panose="02010609060101010101" charset="-122"/>
-      <p:regular r:id="rId25"/>
+      <p:regular r:id="rId27"/>
     </p:embeddedFont>
   </p:embeddedFontLst>
   <p:defaultTextStyle>
@@ -139,6 +141,11 @@
       </a:defRPr>
     </a:lvl9pPr>
   </p:defaultTextStyle>
+  <p:extLst>
+    <p:ext uri="{505F2C04-C923-438B-8C0F-E0CD2BADF298}">
+      <wppc:fontMiss xmlns:wppc="http://www.wps.cn/officeDocument/PresentationCustomData" type="true"/>
+    </p:ext>
+  </p:extLst>
 </p:presentation>
 </file>
 
@@ -619,6 +626,18 @@
           <a:bodyPr/>
           <a:lstStyle/>
           <a:p>
+            <a:r>
+              <a:rPr lang="zh-CN" altLang="en-US"/>
+              <a:t>当用户面对已确定的有问题的方向时，比如右图(位于两个Kinect之间)，这种方法改进了每个Kinect的权重。此时，用户身后的相机</a:t>
+            </a:r>
+            <a:r>
+              <a:rPr lang="zh-CN" altLang="en-US"/>
+              <a:t>可能对手臂和腿的跟踪状态不是很好，因此当用户达到125度到145度时，从后面向内的权重因子趋于零。例如，与Kinect 1相比，当用户35 - 55度时，Kinect 3和4的权重降至0，在这个方向的数据融合将以来自Kinects 1和2的数据为主。根据面朝方向与相机方向之间的夹角，由这个公式计算权重</a:t>
+            </a:r>
+            <a:r>
+              <a:rPr lang="zh-CN" altLang="en-US"/>
+              <a:t>。</a:t>
+            </a:r>
             <a:endParaRPr lang="zh-CN" altLang="en-US"/>
           </a:p>
         </p:txBody>
@@ -714,23 +733,43 @@
             <p:ph type="body" idx="1"/>
           </p:nvPr>
         </p:nvSpPr>
-        <p:spPr/>
+        <p:spPr>
+          <a:xfrm>
+            <a:off x="685800" y="4343400"/>
+            <a:ext cx="5486400" cy="4114800"/>
+          </a:xfrm>
+          <a:prstGeom prst="rect">
+            <a:avLst/>
+          </a:prstGeom>
+        </p:spPr>
         <p:txBody>
           <a:bodyPr/>
           <a:lstStyle/>
           <a:p>
+            <a:r>
+              <a:rPr lang="zh-CN" altLang="en-US"/>
+              <a:t>Kinect可以检索到拇指，手尖和手张开状态数据，但这些数据的粒度不足以应用于虚拟角色或用于VR中的交互。 而Leap Motion数据可以与融合的骨架集成在一起，以支持丰富的手势和手指运动。但由于硬件限制，</a:t>
+            </a:r>
+            <a:r>
+              <a:rPr lang="en-US" altLang="zh-CN"/>
+              <a:t>Leap Motion</a:t>
+            </a:r>
+            <a:r>
+              <a:rPr lang="zh-CN" altLang="en-US"/>
+              <a:t>跟踪的范围和角度都非常小。所以，用户必须将他们的手放在HMD的前面才能将它们放置在跟踪区域中。为了使其在融合系统中正常工作，我们会自动替换融合骨架系统中的数据。当手处于跟踪区域时，手，手指和手腕的数据来自Leap Motion。否则，我们使用来自融合Kinect的数据。</a:t>
+            </a:r>
             <a:endParaRPr lang="zh-CN" altLang="en-US"/>
           </a:p>
         </p:txBody>
       </p:sp>
       <p:sp>
         <p:nvSpPr>
-          <p:cNvPr id="4" name="灯片编号占位符 3"/>
+          <p:cNvPr id="4" name="日期占位符 3"/>
           <p:cNvSpPr>
             <a:spLocks noGrp="1"/>
           </p:cNvSpPr>
           <p:nvPr>
-            <p:ph type="sldNum" sz="quarter" idx="10"/>
+            <p:ph type="dt" idx="10"/>
           </p:nvPr>
         </p:nvSpPr>
         <p:spPr/>
@@ -738,10 +777,32 @@
           <a:bodyPr/>
           <a:lstStyle/>
           <a:p>
-            <a:fld id="{A8537CBA-0E44-4282-A4F0-C3BCC1A4C2D1}" type="slidenum">
+            <a:fld id="{B859D290-D985-411D-9682-F67D75E8F91D}" type="datetime1">
               <a:rPr lang="zh-CN" altLang="en-US" smtClean="0"/>
             </a:fld>
-            <a:endParaRPr lang="zh-CN" altLang="en-US"/>
+            <a:endParaRPr lang="zh-CN" altLang="en-US" sz="1200"/>
+          </a:p>
+        </p:txBody>
+      </p:sp>
+      <p:sp>
+        <p:nvSpPr>
+          <p:cNvPr id="5" name="灯片编号占位符 4"/>
+          <p:cNvSpPr>
+            <a:spLocks noGrp="1"/>
+          </p:cNvSpPr>
+          <p:nvPr>
+            <p:ph type="sldNum" sz="quarter" idx="11"/>
+          </p:nvPr>
+        </p:nvSpPr>
+        <p:spPr/>
+        <p:txBody>
+          <a:bodyPr/>
+          <a:lstStyle/>
+          <a:p>
+            <a:fld id="{F86BACA0-EB3D-4B88-810F-2A2ECB2CFB33}" type="slidenum">
+              <a:rPr lang="zh-CN" altLang="en-US" smtClean="0"/>
+            </a:fld>
+            <a:endParaRPr lang="zh-CN" altLang="en-US" sz="1200"/>
           </a:p>
         </p:txBody>
       </p:sp>
@@ -811,6 +872,192 @@
       </p:sp>
       <p:sp>
         <p:nvSpPr>
+          <p:cNvPr id="4" name="日期占位符 3"/>
+          <p:cNvSpPr>
+            <a:spLocks noGrp="1"/>
+          </p:cNvSpPr>
+          <p:nvPr>
+            <p:ph type="dt" idx="10"/>
+          </p:nvPr>
+        </p:nvSpPr>
+        <p:spPr/>
+        <p:txBody>
+          <a:bodyPr/>
+          <a:lstStyle/>
+          <a:p>
+            <a:fld id="{B859D290-D985-411D-9682-F67D75E8F91D}" type="datetime1">
+              <a:rPr lang="zh-CN" altLang="en-US" smtClean="0"/>
+            </a:fld>
+            <a:endParaRPr lang="zh-CN" altLang="en-US" sz="1200"/>
+          </a:p>
+        </p:txBody>
+      </p:sp>
+      <p:sp>
+        <p:nvSpPr>
+          <p:cNvPr id="5" name="灯片编号占位符 4"/>
+          <p:cNvSpPr>
+            <a:spLocks noGrp="1"/>
+          </p:cNvSpPr>
+          <p:nvPr>
+            <p:ph type="sldNum" sz="quarter" idx="11"/>
+          </p:nvPr>
+        </p:nvSpPr>
+        <p:spPr/>
+        <p:txBody>
+          <a:bodyPr/>
+          <a:lstStyle/>
+          <a:p>
+            <a:fld id="{F86BACA0-EB3D-4B88-810F-2A2ECB2CFB33}" type="slidenum">
+              <a:rPr lang="zh-CN" altLang="en-US" smtClean="0"/>
+            </a:fld>
+            <a:endParaRPr lang="zh-CN" altLang="en-US" sz="1200"/>
+          </a:p>
+        </p:txBody>
+      </p:sp>
+    </p:spTree>
+  </p:cSld>
+  <p:clrMapOvr>
+    <a:masterClrMapping/>
+  </p:clrMapOvr>
+</p:notes>
+</file>
+
+<file path=ppt/notesSlides/notesSlide13.xml><?xml version="1.0" encoding="utf-8"?>
+<p:notes xmlns:a="http://schemas.openxmlformats.org/drawingml/2006/main" xmlns:r="http://schemas.openxmlformats.org/officeDocument/2006/relationships" xmlns:p="http://schemas.openxmlformats.org/presentationml/2006/main">
+  <p:cSld>
+    <p:spTree>
+      <p:nvGrpSpPr>
+        <p:cNvPr id="1" name=""/>
+        <p:cNvGrpSpPr/>
+        <p:nvPr/>
+      </p:nvGrpSpPr>
+      <p:grpSpPr>
+        <a:xfrm>
+          <a:off x="0" y="0"/>
+          <a:ext cx="0" cy="0"/>
+          <a:chOff x="0" y="0"/>
+          <a:chExt cx="0" cy="0"/>
+        </a:xfrm>
+      </p:grpSpPr>
+      <p:sp>
+        <p:nvSpPr>
+          <p:cNvPr id="2" name="幻灯片图像占位符 1"/>
+          <p:cNvSpPr>
+            <a:spLocks noGrp="1" noRot="1" noChangeAspect="1"/>
+          </p:cNvSpPr>
+          <p:nvPr>
+            <p:ph type="sldImg"/>
+          </p:nvPr>
+        </p:nvSpPr>
+        <p:spPr/>
+      </p:sp>
+      <p:sp>
+        <p:nvSpPr>
+          <p:cNvPr id="3" name="备注占位符 2"/>
+          <p:cNvSpPr>
+            <a:spLocks noGrp="1"/>
+          </p:cNvSpPr>
+          <p:nvPr>
+            <p:ph type="body" idx="1"/>
+          </p:nvPr>
+        </p:nvSpPr>
+        <p:spPr/>
+        <p:txBody>
+          <a:bodyPr/>
+          <a:lstStyle/>
+          <a:p>
+            <a:endParaRPr lang="zh-CN" altLang="en-US"/>
+          </a:p>
+        </p:txBody>
+      </p:sp>
+      <p:sp>
+        <p:nvSpPr>
+          <p:cNvPr id="4" name="灯片编号占位符 3"/>
+          <p:cNvSpPr>
+            <a:spLocks noGrp="1"/>
+          </p:cNvSpPr>
+          <p:nvPr>
+            <p:ph type="sldNum" sz="quarter" idx="10"/>
+          </p:nvPr>
+        </p:nvSpPr>
+        <p:spPr/>
+        <p:txBody>
+          <a:bodyPr/>
+          <a:lstStyle/>
+          <a:p>
+            <a:fld id="{A8537CBA-0E44-4282-A4F0-C3BCC1A4C2D1}" type="slidenum">
+              <a:rPr lang="zh-CN" altLang="en-US" smtClean="0"/>
+            </a:fld>
+            <a:endParaRPr lang="zh-CN" altLang="en-US"/>
+          </a:p>
+        </p:txBody>
+      </p:sp>
+    </p:spTree>
+  </p:cSld>
+  <p:clrMapOvr>
+    <a:masterClrMapping/>
+  </p:clrMapOvr>
+</p:notes>
+</file>
+
+<file path=ppt/notesSlides/notesSlide14.xml><?xml version="1.0" encoding="utf-8"?>
+<p:notes xmlns:a="http://schemas.openxmlformats.org/drawingml/2006/main" xmlns:r="http://schemas.openxmlformats.org/officeDocument/2006/relationships" xmlns:p="http://schemas.openxmlformats.org/presentationml/2006/main">
+  <p:cSld>
+    <p:spTree>
+      <p:nvGrpSpPr>
+        <p:cNvPr id="1" name=""/>
+        <p:cNvGrpSpPr/>
+        <p:nvPr/>
+      </p:nvGrpSpPr>
+      <p:grpSpPr>
+        <a:xfrm>
+          <a:off x="0" y="0"/>
+          <a:ext cx="0" cy="0"/>
+          <a:chOff x="0" y="0"/>
+          <a:chExt cx="0" cy="0"/>
+        </a:xfrm>
+      </p:grpSpPr>
+      <p:sp>
+        <p:nvSpPr>
+          <p:cNvPr id="2" name="幻灯片图像占位符 1"/>
+          <p:cNvSpPr>
+            <a:spLocks noGrp="1" noRot="1" noChangeAspect="1"/>
+          </p:cNvSpPr>
+          <p:nvPr>
+            <p:ph type="sldImg"/>
+          </p:nvPr>
+        </p:nvSpPr>
+        <p:spPr/>
+      </p:sp>
+      <p:sp>
+        <p:nvSpPr>
+          <p:cNvPr id="3" name="备注占位符 2"/>
+          <p:cNvSpPr>
+            <a:spLocks noGrp="1"/>
+          </p:cNvSpPr>
+          <p:nvPr>
+            <p:ph type="body" idx="1"/>
+          </p:nvPr>
+        </p:nvSpPr>
+        <p:spPr>
+          <a:xfrm>
+            <a:off x="685800" y="4343400"/>
+            <a:ext cx="5486400" cy="4114800"/>
+          </a:xfrm>
+          <a:prstGeom prst="rect">
+            <a:avLst/>
+          </a:prstGeom>
+        </p:spPr>
+        <p:txBody>
+          <a:bodyPr/>
+          <a:lstStyle/>
+          <a:p>
+            <a:endParaRPr lang="zh-CN" altLang="en-US"/>
+          </a:p>
+        </p:txBody>
+      </p:sp>
+      <p:sp>
+        <p:nvSpPr>
           <p:cNvPr id="4" name="灯片编号占位符 3"/>
           <p:cNvSpPr>
             <a:spLocks noGrp="1"/>
@@ -1185,6 +1432,50 @@
           <a:bodyPr/>
           <a:lstStyle/>
           <a:p>
+            <a:r>
+              <a:rPr lang="zh-CN" altLang="en-US"/>
+              <a:t>解决方案提出</a:t>
+            </a:r>
+            <a:r>
+              <a:rPr lang="zh-CN" altLang="en-US"/>
+              <a:t>一种用于</a:t>
+            </a:r>
+            <a:r>
+              <a:rPr lang="en-US" altLang="zh-CN"/>
+              <a:t>VR</a:t>
+            </a:r>
+            <a:r>
+              <a:rPr lang="zh-CN" altLang="en-US"/>
+              <a:t>用户的关节式全身跟踪系统，包括手指运动。</a:t>
+            </a:r>
+            <a:r>
+              <a:rPr lang="en-US" altLang="zh-CN"/>
+              <a:t>Kinect</a:t>
+            </a:r>
+            <a:r>
+              <a:rPr lang="zh-CN" altLang="en-US"/>
+              <a:t>和</a:t>
+            </a:r>
+            <a:r>
+              <a:rPr lang="en-US" altLang="zh-CN"/>
+              <a:t>Leap motion</a:t>
+            </a:r>
+            <a:r>
+              <a:rPr lang="zh-CN" altLang="en-US"/>
+              <a:t>都是基于深度相机的运动捕捉设备。在身体跟踪方面，使用四个Kinect来扩大跟踪区域。每个</a:t>
+            </a:r>
+            <a:r>
+              <a:rPr lang="en-US" altLang="zh-CN"/>
+              <a:t>Kinect</a:t>
+            </a:r>
+            <a:r>
+              <a:rPr lang="zh-CN" altLang="en-US"/>
+              <a:t>连接一个客户机，客户端使用Kinect检索骨架数据并</a:t>
+            </a:r>
+            <a:r>
+              <a:rPr lang="zh-CN" altLang="en-US"/>
+              <a:t>将数据发送给服务器，服务器处理这些数据，然后将其可视化。</a:t>
+            </a:r>
             <a:endParaRPr lang="zh-CN" altLang="en-US"/>
           </a:p>
         </p:txBody>
@@ -1617,6 +1908,33 @@
           <a:bodyPr/>
           <a:lstStyle/>
           <a:p>
+            <a:r>
+              <a:rPr lang="zh-CN" altLang="en-US"/>
+              <a:t>对Kinect的所有数据应用相同的权重是不合理的，因为某些身体部位可能会被遮挡，而其他部位仍然可见。因此需要考虑每个</a:t>
+            </a:r>
+            <a:r>
+              <a:rPr lang="en-US" altLang="zh-CN"/>
+              <a:t>Kinect</a:t>
+            </a:r>
+            <a:r>
+              <a:rPr lang="zh-CN" altLang="en-US"/>
+              <a:t>的相机权重。解决这个问题有两种方法。</a:t>
+            </a:r>
+            <a:endParaRPr lang="zh-CN" altLang="en-US"/>
+          </a:p>
+          <a:p>
+            <a:r>
+              <a:rPr lang="zh-CN" altLang="en-US"/>
+              <a:t>身体右侧面向Kinect 2，来自Kinect 4的数据应该分配给右臂较低的权重，因为左侧身体部分遮挡了右侧部分。右臂融合的Kinects 1,2,3的相机权重</a:t>
+            </a:r>
+            <a:r>
+              <a:rPr lang="zh-CN" altLang="en-US"/>
+              <a:t>应该是主要的数据来源，因为它是清晰可见的。重量计算公式如下</a:t>
+            </a:r>
+            <a:r>
+              <a:rPr lang="zh-CN" altLang="en-US"/>
+              <a:t>，式中表示身体向量(左右肩对)与相机方向的夹角:</a:t>
+            </a:r>
             <a:endParaRPr lang="zh-CN" altLang="en-US"/>
           </a:p>
         </p:txBody>
@@ -5655,7 +5973,41 @@
                 <a:latin typeface="宋体" panose="02010600030101010101" pitchFamily="2" charset="-122"/>
                 <a:ea typeface="宋体" panose="02010600030101010101" pitchFamily="2" charset="-122"/>
               </a:rPr>
-              <a:t>仅使用深度摄像头改善身体和手部追踪</a:t>
+              <a:t>仅使用深度</a:t>
+            </a:r>
+            <a:r>
+              <a:rPr lang="zh-CN" sz="2400" b="1" dirty="0">
+                <a:solidFill>
+                  <a:schemeClr val="bg1"/>
+                </a:solidFill>
+                <a:effectLst>
+                  <a:outerShdw blurRad="50800" dist="38100" dir="10800000" algn="r" rotWithShape="0">
+                    <a:prstClr val="black">
+                      <a:alpha val="40000"/>
+                    </a:prstClr>
+                  </a:outerShdw>
+                </a:effectLst>
+                <a:latin typeface="宋体" panose="02010600030101010101" pitchFamily="2" charset="-122"/>
+                <a:ea typeface="宋体" panose="02010600030101010101" pitchFamily="2" charset="-122"/>
+              </a:rPr>
+              <a:t>相机</a:t>
+            </a:r>
+            <a:r>
+              <a:rPr sz="2400" b="1" dirty="0">
+                <a:solidFill>
+                  <a:schemeClr val="bg1"/>
+                </a:solidFill>
+                <a:effectLst>
+                  <a:outerShdw blurRad="50800" dist="38100" dir="10800000" algn="r" rotWithShape="0">
+                    <a:prstClr val="black">
+                      <a:alpha val="40000"/>
+                    </a:prstClr>
+                  </a:outerShdw>
+                </a:effectLst>
+                <a:latin typeface="宋体" panose="02010600030101010101" pitchFamily="2" charset="-122"/>
+                <a:ea typeface="宋体" panose="02010600030101010101" pitchFamily="2" charset="-122"/>
+              </a:rPr>
+              <a:t>改善身体和手部追踪</a:t>
             </a:r>
             <a:endParaRPr sz="2400" b="1" dirty="0">
               <a:solidFill>
@@ -6354,7 +6706,7 @@
         </p:nvSpPr>
         <p:spPr>
           <a:xfrm>
-            <a:off x="3275965" y="3505200"/>
+            <a:off x="3576955" y="3738245"/>
             <a:ext cx="2925445" cy="337185"/>
           </a:xfrm>
           <a:prstGeom prst="rect">
@@ -6376,52 +6728,19 @@
                 <a:latin typeface="微软雅黑" panose="020B0503020204020204" pitchFamily="34" charset="-122"/>
                 <a:ea typeface="微软雅黑" panose="020B0503020204020204" pitchFamily="34" charset="-122"/>
               </a:rPr>
-              <a:t>软件学院    软件工程    张雨薇</a:t>
-            </a:r>
-            <a:endParaRPr lang="zh-CN" altLang="en-US" sz="1600" dirty="0" smtClean="0">
-              <a:solidFill>
-                <a:schemeClr val="bg1"/>
-              </a:solidFill>
-              <a:latin typeface="微软雅黑" panose="020B0503020204020204" pitchFamily="34" charset="-122"/>
-              <a:ea typeface="微软雅黑" panose="020B0503020204020204" pitchFamily="34" charset="-122"/>
-            </a:endParaRPr>
-          </a:p>
-        </p:txBody>
-      </p:sp>
-      <p:sp>
-        <p:nvSpPr>
-          <p:cNvPr id="6" name="TextBox 5"/>
-          <p:cNvSpPr txBox="1"/>
-          <p:nvPr/>
-        </p:nvSpPr>
-        <p:spPr>
-          <a:xfrm>
-            <a:off x="3071246" y="3865424"/>
-            <a:ext cx="3335269" cy="337185"/>
-          </a:xfrm>
-          <a:prstGeom prst="rect">
-            <a:avLst/>
-          </a:prstGeom>
-          <a:noFill/>
-        </p:spPr>
-        <p:txBody>
-          <a:bodyPr wrap="square" rtlCol="0">
-            <a:spAutoFit/>
-          </a:bodyPr>
-          <a:lstStyle/>
-          <a:p>
-            <a:pPr algn="ctr"/>
-            <a:r>
-              <a:rPr lang="zh-CN" altLang="en-US" sz="1600" dirty="0" smtClean="0">
+              <a:t>    张雨薇   </a:t>
+            </a:r>
+            <a:r>
+              <a:rPr lang="en-US" altLang="zh-CN" sz="1600" dirty="0" smtClean="0">
                 <a:solidFill>
                   <a:schemeClr val="bg1"/>
                 </a:solidFill>
                 <a:latin typeface="微软雅黑" panose="020B0503020204020204" pitchFamily="34" charset="-122"/>
                 <a:ea typeface="微软雅黑" panose="020B0503020204020204" pitchFamily="34" charset="-122"/>
               </a:rPr>
-              <a:t>指导教师：李启雷</a:t>
-            </a:r>
-            <a:endParaRPr lang="zh-CN" altLang="en-US" sz="1600" dirty="0" smtClean="0">
+              <a:t>21951468</a:t>
+            </a:r>
+            <a:endParaRPr lang="en-US" altLang="zh-CN" sz="1600" dirty="0" smtClean="0">
               <a:solidFill>
                 <a:schemeClr val="bg1"/>
               </a:solidFill>
@@ -6716,8 +7035,122 @@
         </p:nvSpPr>
         <p:spPr>
           <a:xfrm>
-            <a:off x="1027430" y="180340"/>
-            <a:ext cx="1454785" cy="398780"/>
+            <a:off x="922020" y="737235"/>
+            <a:ext cx="5080000" cy="337185"/>
+          </a:xfrm>
+          <a:prstGeom prst="rect">
+            <a:avLst/>
+          </a:prstGeom>
+          <a:noFill/>
+          <a:ln w="9525">
+            <a:noFill/>
+          </a:ln>
+        </p:spPr>
+        <p:txBody>
+          <a:bodyPr>
+            <a:spAutoFit/>
+          </a:bodyPr>
+          <a:p>
+            <a:pPr indent="0"/>
+            <a:r>
+              <a:rPr lang="en-US" altLang="zh-CN" sz="1600" b="0">
+                <a:latin typeface="微软雅黑" panose="020B0503020204020204" pitchFamily="34" charset="-122"/>
+                <a:ea typeface="微软雅黑" panose="020B0503020204020204" pitchFamily="34" charset="-122"/>
+                <a:cs typeface="宋体" panose="02010600030101010101" pitchFamily="2" charset="-122"/>
+              </a:rPr>
+              <a:t>2.3 </a:t>
+            </a:r>
+            <a:r>
+              <a:rPr lang="zh-CN" altLang="en-US" sz="1600" b="0">
+                <a:latin typeface="微软雅黑" panose="020B0503020204020204" pitchFamily="34" charset="-122"/>
+                <a:ea typeface="微软雅黑" panose="020B0503020204020204" pitchFamily="34" charset="-122"/>
+                <a:cs typeface="宋体" panose="02010600030101010101" pitchFamily="2" charset="-122"/>
+              </a:rPr>
+              <a:t>数据融合  </a:t>
+            </a:r>
+            <a:endParaRPr lang="zh-CN" altLang="en-US" sz="1600" b="0">
+              <a:latin typeface="微软雅黑" panose="020B0503020204020204" pitchFamily="34" charset="-122"/>
+              <a:ea typeface="微软雅黑" panose="020B0503020204020204" pitchFamily="34" charset="-122"/>
+              <a:cs typeface="宋体" panose="02010600030101010101" pitchFamily="2" charset="-122"/>
+            </a:endParaRPr>
+          </a:p>
+        </p:txBody>
+      </p:sp>
+      <p:sp>
+        <p:nvSpPr>
+          <p:cNvPr id="100" name="文本框 99"/>
+          <p:cNvSpPr txBox="1"/>
+          <p:nvPr/>
+        </p:nvSpPr>
+        <p:spPr>
+          <a:xfrm>
+            <a:off x="836295" y="1074420"/>
+            <a:ext cx="7628890" cy="681355"/>
+          </a:xfrm>
+          <a:prstGeom prst="rect">
+            <a:avLst/>
+          </a:prstGeom>
+          <a:noFill/>
+          <a:ln w="9525">
+            <a:noFill/>
+          </a:ln>
+        </p:spPr>
+        <p:txBody>
+          <a:bodyPr wrap="square">
+            <a:spAutoFit/>
+          </a:bodyPr>
+          <a:p>
+            <a:pPr indent="0">
+              <a:lnSpc>
+                <a:spcPct val="120000"/>
+              </a:lnSpc>
+            </a:pPr>
+            <a:r>
+              <a:rPr lang="en-US" altLang="zh-CN" sz="1600" b="0">
+                <a:latin typeface="仿宋" panose="02010609060101010101" charset="-122"/>
+                <a:ea typeface="仿宋" panose="02010609060101010101" charset="-122"/>
+                <a:cs typeface="仿宋" panose="02010609060101010101" charset="-122"/>
+              </a:rPr>
+              <a:t>   </a:t>
+            </a:r>
+            <a:r>
+              <a:rPr lang="zh-CN" altLang="en-US" sz="1600" b="0">
+                <a:latin typeface="微软雅黑" panose="020B0503020204020204" pitchFamily="34" charset="-122"/>
+                <a:ea typeface="微软雅黑" panose="020B0503020204020204" pitchFamily="34" charset="-122"/>
+                <a:cs typeface="仿宋" panose="02010609060101010101" charset="-122"/>
+              </a:rPr>
+              <a:t>改进数据融合的加权因子：</a:t>
+            </a:r>
+            <a:endParaRPr lang="zh-CN" altLang="en-US" sz="1600" b="0">
+              <a:latin typeface="微软雅黑" panose="020B0503020204020204" pitchFamily="34" charset="-122"/>
+              <a:ea typeface="微软雅黑" panose="020B0503020204020204" pitchFamily="34" charset="-122"/>
+              <a:cs typeface="仿宋" panose="02010609060101010101" charset="-122"/>
+            </a:endParaRPr>
+          </a:p>
+          <a:p>
+            <a:pPr indent="0">
+              <a:lnSpc>
+                <a:spcPct val="120000"/>
+              </a:lnSpc>
+            </a:pPr>
+            <a:endParaRPr lang="zh-CN" altLang="en-US" sz="1600" b="0">
+              <a:latin typeface="微软雅黑" panose="020B0503020204020204" pitchFamily="34" charset="-122"/>
+              <a:ea typeface="微软雅黑" panose="020B0503020204020204" pitchFamily="34" charset="-122"/>
+              <a:cs typeface="仿宋" panose="02010609060101010101" charset="-122"/>
+            </a:endParaRPr>
+          </a:p>
+        </p:txBody>
+      </p:sp>
+      <p:sp>
+        <p:nvSpPr>
+          <p:cNvPr id="9" name="文本框 8"/>
+          <p:cNvSpPr txBox="1"/>
+          <p:nvPr/>
+        </p:nvSpPr>
+        <p:spPr>
+          <a:xfrm>
+            <a:off x="922020" y="179705"/>
+            <a:ext cx="3590290" cy="398780"/>
           </a:xfrm>
           <a:prstGeom prst="rect">
             <a:avLst/>
@@ -6725,34 +7158,36 @@
           <a:noFill/>
         </p:spPr>
         <p:txBody>
-          <a:bodyPr wrap="square" rtlCol="0">
+          <a:bodyPr wrap="square" rtlCol="0" anchor="t">
             <a:spAutoFit/>
           </a:bodyPr>
           <a:p>
             <a:r>
-              <a:rPr lang="zh-CN" altLang="en-US" sz="2000">
-                <a:latin typeface="微软雅黑" panose="020B0503020204020204" pitchFamily="34" charset="-122"/>
-                <a:ea typeface="微软雅黑" panose="020B0503020204020204" pitchFamily="34" charset="-122"/>
-              </a:rPr>
-              <a:t>应用</a:t>
-            </a:r>
-            <a:endParaRPr lang="zh-CN" altLang="en-US" sz="2000">
+              <a:rPr lang="zh-CN" altLang="en-US" sz="2000" spc="300" dirty="0">
+                <a:latin typeface="微软雅黑" panose="020B0503020204020204" pitchFamily="34" charset="-122"/>
+                <a:ea typeface="微软雅黑" panose="020B0503020204020204" pitchFamily="34" charset="-122"/>
+                <a:sym typeface="+mn-ea"/>
+              </a:rPr>
+              <a:t>解决方案</a:t>
+            </a:r>
+            <a:endParaRPr lang="zh-CN" altLang="en-US" sz="2000" spc="300" dirty="0">
               <a:latin typeface="微软雅黑" panose="020B0503020204020204" pitchFamily="34" charset="-122"/>
               <a:ea typeface="微软雅黑" panose="020B0503020204020204" pitchFamily="34" charset="-122"/>
+              <a:sym typeface="+mn-ea"/>
             </a:endParaRPr>
           </a:p>
         </p:txBody>
       </p:sp>
       <p:sp>
         <p:nvSpPr>
-          <p:cNvPr id="3" name="文本框 2"/>
+          <p:cNvPr id="11" name="文本框 10"/>
           <p:cNvSpPr txBox="1"/>
           <p:nvPr/>
         </p:nvSpPr>
         <p:spPr>
           <a:xfrm>
-            <a:off x="833120" y="875030"/>
-            <a:ext cx="7015480" cy="368300"/>
+            <a:off x="698500" y="1437005"/>
+            <a:ext cx="7745730" cy="583565"/>
           </a:xfrm>
           <a:prstGeom prst="rect">
             <a:avLst/>
@@ -6765,33 +7200,69 @@
           </a:bodyPr>
           <a:p>
             <a:r>
-              <a:rPr lang="en-US" altLang="zh-CN"/>
-              <a:t>    </a:t>
-            </a:r>
-            <a:r>
-              <a:rPr lang="zh-CN" altLang="en-US">
-                <a:latin typeface="微软雅黑" panose="020B0503020204020204" pitchFamily="34" charset="-122"/>
-                <a:ea typeface="微软雅黑" panose="020B0503020204020204" pitchFamily="34" charset="-122"/>
-              </a:rPr>
-              <a:t>全身跟踪系统可用于许多领域：</a:t>
-            </a:r>
-            <a:endParaRPr lang="zh-CN" altLang="en-US">
+              <a:rPr lang="zh-CN" altLang="en-US" sz="1600">
+                <a:latin typeface="微软雅黑" panose="020B0503020204020204" pitchFamily="34" charset="-122"/>
+                <a:ea typeface="微软雅黑" panose="020B0503020204020204" pitchFamily="34" charset="-122"/>
+                <a:cs typeface="仿宋" panose="02010609060101010101" charset="-122"/>
+                <a:sym typeface="+mn-ea"/>
+              </a:rPr>
+              <a:t>方法</a:t>
+            </a:r>
+            <a:r>
+              <a:rPr lang="en-US" altLang="zh-CN" sz="1600">
+                <a:latin typeface="微软雅黑" panose="020B0503020204020204" pitchFamily="34" charset="-122"/>
+                <a:ea typeface="微软雅黑" panose="020B0503020204020204" pitchFamily="34" charset="-122"/>
+                <a:cs typeface="仿宋" panose="02010609060101010101" charset="-122"/>
+                <a:sym typeface="+mn-ea"/>
+              </a:rPr>
+              <a:t>2</a:t>
+            </a:r>
+            <a:r>
+              <a:rPr lang="zh-CN" altLang="en-US" sz="1600">
+                <a:latin typeface="微软雅黑" panose="020B0503020204020204" pitchFamily="34" charset="-122"/>
+                <a:ea typeface="微软雅黑" panose="020B0503020204020204" pitchFamily="34" charset="-122"/>
+                <a:cs typeface="仿宋" panose="02010609060101010101" charset="-122"/>
+                <a:sym typeface="+mn-ea"/>
+              </a:rPr>
+              <a:t>：</a:t>
+            </a:r>
+            <a:r>
+              <a:rPr lang="zh-CN" altLang="en-US" sz="1600">
+                <a:latin typeface="微软雅黑" panose="020B0503020204020204" pitchFamily="34" charset="-122"/>
+                <a:ea typeface="微软雅黑" panose="020B0503020204020204" pitchFamily="34" charset="-122"/>
+                <a:cs typeface="仿宋" panose="02010609060101010101" charset="-122"/>
+                <a:sym typeface="+mn-ea"/>
+              </a:rPr>
+              <a:t>减轻用户后置相机</a:t>
+            </a:r>
+            <a:r>
+              <a:rPr lang="zh-CN" altLang="en-US" sz="1600">
+                <a:latin typeface="微软雅黑" panose="020B0503020204020204" pitchFamily="34" charset="-122"/>
+                <a:ea typeface="微软雅黑" panose="020B0503020204020204" pitchFamily="34" charset="-122"/>
+                <a:cs typeface="仿宋" panose="02010609060101010101" charset="-122"/>
+                <a:sym typeface="+mn-ea"/>
+              </a:rPr>
+              <a:t>的重量，以使好的跟踪装置（正视图）有较大的贡献，即改进的自适应权重计算（改进的AWC）</a:t>
+            </a:r>
+            <a:endParaRPr lang="zh-CN" altLang="en-US" sz="1600">
               <a:latin typeface="微软雅黑" panose="020B0503020204020204" pitchFamily="34" charset="-122"/>
               <a:ea typeface="微软雅黑" panose="020B0503020204020204" pitchFamily="34" charset="-122"/>
+              <a:cs typeface="仿宋" panose="02010609060101010101" charset="-122"/>
+              <a:sym typeface="+mn-ea"/>
             </a:endParaRPr>
           </a:p>
         </p:txBody>
       </p:sp>
       <p:sp>
         <p:nvSpPr>
-          <p:cNvPr id="4" name="文本框 3"/>
+          <p:cNvPr id="14" name="文本框 13"/>
           <p:cNvSpPr txBox="1"/>
           <p:nvPr/>
         </p:nvSpPr>
         <p:spPr>
           <a:xfrm>
-            <a:off x="1616075" y="1487805"/>
-            <a:ext cx="4091305" cy="1170305"/>
+            <a:off x="647065" y="2020570"/>
+            <a:ext cx="4220210" cy="1568450"/>
           </a:xfrm>
           <a:prstGeom prst="rect">
             <a:avLst/>
@@ -6803,119 +7274,102 @@
             <a:spAutoFit/>
           </a:bodyPr>
           <a:p>
-            <a:pPr marL="342900" indent="-342900">
-              <a:lnSpc>
-                <a:spcPct val="130000"/>
-              </a:lnSpc>
-              <a:buAutoNum type="arabicPeriod"/>
-            </a:pPr>
-            <a:r>
-              <a:rPr lang="zh-CN" altLang="en-US">
+            <a:r>
+              <a:rPr lang="en-US" altLang="zh-CN" sz="1600">
                 <a:latin typeface="微软雅黑" panose="020B0503020204020204" pitchFamily="34" charset="-122"/>
                 <a:ea typeface="微软雅黑" panose="020B0503020204020204" pitchFamily="34" charset="-122"/>
                 <a:cs typeface="微软雅黑" panose="020B0503020204020204" pitchFamily="34" charset="-122"/>
               </a:rPr>
-              <a:t>运动和医学训练</a:t>
-            </a:r>
-            <a:endParaRPr lang="zh-CN" altLang="en-US">
+              <a:t>      </a:t>
+            </a:r>
+            <a:r>
+              <a:rPr lang="zh-CN" altLang="en-US" sz="1600">
+                <a:latin typeface="微软雅黑" panose="020B0503020204020204" pitchFamily="34" charset="-122"/>
+                <a:ea typeface="微软雅黑" panose="020B0503020204020204" pitchFamily="34" charset="-122"/>
+                <a:cs typeface="微软雅黑" panose="020B0503020204020204" pitchFamily="34" charset="-122"/>
+              </a:rPr>
+              <a:t>用户位于两个</a:t>
+            </a:r>
+            <a:r>
+              <a:rPr lang="en-US" altLang="zh-CN" sz="1600">
+                <a:latin typeface="微软雅黑" panose="020B0503020204020204" pitchFamily="34" charset="-122"/>
+                <a:ea typeface="微软雅黑" panose="020B0503020204020204" pitchFamily="34" charset="-122"/>
+                <a:cs typeface="微软雅黑" panose="020B0503020204020204" pitchFamily="34" charset="-122"/>
+              </a:rPr>
+              <a:t>Kinect</a:t>
+            </a:r>
+            <a:r>
+              <a:rPr lang="zh-CN" altLang="en-US" sz="1600">
+                <a:latin typeface="微软雅黑" panose="020B0503020204020204" pitchFamily="34" charset="-122"/>
+                <a:ea typeface="微软雅黑" panose="020B0503020204020204" pitchFamily="34" charset="-122"/>
+                <a:cs typeface="微软雅黑" panose="020B0503020204020204" pitchFamily="34" charset="-122"/>
+              </a:rPr>
+              <a:t>之间时，当用户达到125度到145度时，从后面向内的权重因子趋于零。例如，与Kinect 1相比，当用户35 - 55度时，Kinect 3和4的权重降至0，在这个方向的数据融合将以来自Kinects 1和2的数据为主。权重</a:t>
+            </a:r>
+            <a:r>
+              <a:rPr lang="zh-CN" altLang="en-US" sz="1600">
+                <a:latin typeface="微软雅黑" panose="020B0503020204020204" pitchFamily="34" charset="-122"/>
+                <a:ea typeface="微软雅黑" panose="020B0503020204020204" pitchFamily="34" charset="-122"/>
+                <a:cs typeface="微软雅黑" panose="020B0503020204020204" pitchFamily="34" charset="-122"/>
+              </a:rPr>
+              <a:t>计算公式如下：</a:t>
+            </a:r>
+            <a:endParaRPr lang="zh-CN" altLang="en-US" sz="1600">
               <a:latin typeface="微软雅黑" panose="020B0503020204020204" pitchFamily="34" charset="-122"/>
               <a:ea typeface="微软雅黑" panose="020B0503020204020204" pitchFamily="34" charset="-122"/>
               <a:cs typeface="微软雅黑" panose="020B0503020204020204" pitchFamily="34" charset="-122"/>
             </a:endParaRPr>
           </a:p>
-          <a:p>
-            <a:pPr marL="342900" indent="-342900">
-              <a:lnSpc>
-                <a:spcPct val="130000"/>
-              </a:lnSpc>
-              <a:buAutoNum type="arabicPeriod"/>
-            </a:pPr>
-            <a:r>
-              <a:rPr lang="en-US" altLang="zh-CN">
-                <a:latin typeface="微软雅黑" panose="020B0503020204020204" pitchFamily="34" charset="-122"/>
-                <a:ea typeface="微软雅黑" panose="020B0503020204020204" pitchFamily="34" charset="-122"/>
-                <a:cs typeface="微软雅黑" panose="020B0503020204020204" pitchFamily="34" charset="-122"/>
-              </a:rPr>
-              <a:t>VR</a:t>
-            </a:r>
-            <a:r>
-              <a:rPr lang="zh-CN" altLang="en-US">
-                <a:latin typeface="微软雅黑" panose="020B0503020204020204" pitchFamily="34" charset="-122"/>
-                <a:ea typeface="微软雅黑" panose="020B0503020204020204" pitchFamily="34" charset="-122"/>
-                <a:cs typeface="微软雅黑" panose="020B0503020204020204" pitchFamily="34" charset="-122"/>
-              </a:rPr>
-              <a:t>教育方面</a:t>
-            </a:r>
-            <a:endParaRPr lang="zh-CN" altLang="en-US">
-              <a:latin typeface="微软雅黑" panose="020B0503020204020204" pitchFamily="34" charset="-122"/>
-              <a:ea typeface="微软雅黑" panose="020B0503020204020204" pitchFamily="34" charset="-122"/>
-              <a:cs typeface="微软雅黑" panose="020B0503020204020204" pitchFamily="34" charset="-122"/>
-            </a:endParaRPr>
-          </a:p>
-          <a:p>
-            <a:pPr marL="342900" indent="-342900">
-              <a:lnSpc>
-                <a:spcPct val="130000"/>
-              </a:lnSpc>
-              <a:buAutoNum type="arabicPeriod"/>
-            </a:pPr>
-            <a:r>
-              <a:rPr lang="zh-CN" altLang="en-US">
-                <a:latin typeface="微软雅黑" panose="020B0503020204020204" pitchFamily="34" charset="-122"/>
-                <a:ea typeface="微软雅黑" panose="020B0503020204020204" pitchFamily="34" charset="-122"/>
-                <a:cs typeface="微软雅黑" panose="020B0503020204020204" pitchFamily="34" charset="-122"/>
-              </a:rPr>
-              <a:t>休闲娱乐，如格斗游戏</a:t>
-            </a:r>
-            <a:endParaRPr lang="zh-CN" altLang="en-US">
-              <a:latin typeface="微软雅黑" panose="020B0503020204020204" pitchFamily="34" charset="-122"/>
-              <a:ea typeface="微软雅黑" panose="020B0503020204020204" pitchFamily="34" charset="-122"/>
-              <a:cs typeface="微软雅黑" panose="020B0503020204020204" pitchFamily="34" charset="-122"/>
-            </a:endParaRPr>
-          </a:p>
-        </p:txBody>
-      </p:sp>
-      <p:sp>
-        <p:nvSpPr>
-          <p:cNvPr id="5" name="文本框 4"/>
-          <p:cNvSpPr txBox="1"/>
+        </p:txBody>
+      </p:sp>
+      <p:pic>
+        <p:nvPicPr>
+          <p:cNvPr id="3" name="图片 2"/>
+          <p:cNvPicPr>
+            <a:picLocks noChangeAspect="1"/>
+          </p:cNvPicPr>
           <p:nvPr/>
-        </p:nvSpPr>
+        </p:nvPicPr>
+        <p:blipFill>
+          <a:blip r:embed="rId1"/>
+          <a:stretch>
+            <a:fillRect/>
+          </a:stretch>
+        </p:blipFill>
         <p:spPr>
           <a:xfrm>
-            <a:off x="1162685" y="3005455"/>
-            <a:ext cx="5389245" cy="922020"/>
+            <a:off x="5723255" y="2020570"/>
+            <a:ext cx="2741930" cy="2543175"/>
           </a:xfrm>
           <a:prstGeom prst="rect">
             <a:avLst/>
           </a:prstGeom>
-          <a:noFill/>
         </p:spPr>
-        <p:txBody>
-          <a:bodyPr wrap="square" rtlCol="0">
-            <a:spAutoFit/>
-          </a:bodyPr>
-          <a:p>
-            <a:r>
-              <a:rPr lang="en-US" altLang="zh-CN"/>
-              <a:t>        </a:t>
-            </a:r>
-            <a:r>
-              <a:rPr lang="zh-CN" altLang="en-US">
-                <a:latin typeface="微软雅黑" panose="020B0503020204020204" pitchFamily="34" charset="-122"/>
-                <a:ea typeface="微软雅黑" panose="020B0503020204020204" pitchFamily="34" charset="-122"/>
-                <a:cs typeface="微软雅黑" panose="020B0503020204020204" pitchFamily="34" charset="-122"/>
-              </a:rPr>
-              <a:t>来自身体和手部的跟踪数据已准备好支持定制的3D化身模型，该模型可以通过相互交互增强社交VR和协作工作等应用中的身临其境的体验</a:t>
-            </a:r>
-            <a:endParaRPr lang="zh-CN" altLang="en-US">
-              <a:latin typeface="微软雅黑" panose="020B0503020204020204" pitchFamily="34" charset="-122"/>
-              <a:ea typeface="微软雅黑" panose="020B0503020204020204" pitchFamily="34" charset="-122"/>
-              <a:cs typeface="微软雅黑" panose="020B0503020204020204" pitchFamily="34" charset="-122"/>
-            </a:endParaRPr>
-          </a:p>
-        </p:txBody>
-      </p:sp>
+      </p:pic>
+      <p:pic>
+        <p:nvPicPr>
+          <p:cNvPr id="4" name="图片 3"/>
+          <p:cNvPicPr>
+            <a:picLocks noChangeAspect="1"/>
+          </p:cNvPicPr>
+          <p:nvPr/>
+        </p:nvPicPr>
+        <p:blipFill>
+          <a:blip r:embed="rId2"/>
+          <a:stretch>
+            <a:fillRect/>
+          </a:stretch>
+        </p:blipFill>
+        <p:spPr>
+          <a:xfrm>
+            <a:off x="1289050" y="3589020"/>
+            <a:ext cx="3787140" cy="1348740"/>
+          </a:xfrm>
+          <a:prstGeom prst="rect">
+            <a:avLst/>
+          </a:prstGeom>
+        </p:spPr>
+      </p:pic>
     </p:spTree>
   </p:cSld>
   <p:clrMapOvr>
@@ -6954,7 +7408,7 @@
       </p:grpSpPr>
       <p:cxnSp>
         <p:nvCxnSpPr>
-          <p:cNvPr id="24" name="直接连接符 23"/>
+          <p:cNvPr id="33" name="直接连接符 32"/>
           <p:cNvCxnSpPr/>
           <p:nvPr/>
         </p:nvCxnSpPr>
@@ -6990,7 +7444,7 @@
       </p:cxnSp>
       <p:sp>
         <p:nvSpPr>
-          <p:cNvPr id="25" name="椭圆 24"/>
+          <p:cNvPr id="34" name="椭圆 33"/>
           <p:cNvSpPr/>
           <p:nvPr/>
         </p:nvSpPr>
@@ -7043,43 +7497,7 @@
       </p:sp>
       <p:sp>
         <p:nvSpPr>
-          <p:cNvPr id="26" name="TextBox 25"/>
-          <p:cNvSpPr txBox="1"/>
-          <p:nvPr/>
-        </p:nvSpPr>
-        <p:spPr>
-          <a:xfrm>
-            <a:off x="908957" y="206330"/>
-            <a:ext cx="1351280" cy="398780"/>
-          </a:xfrm>
-          <a:prstGeom prst="rect">
-            <a:avLst/>
-          </a:prstGeom>
-          <a:noFill/>
-        </p:spPr>
-        <p:txBody>
-          <a:bodyPr wrap="none" rtlCol="0">
-            <a:spAutoFit/>
-          </a:bodyPr>
-          <a:lstStyle/>
-          <a:p>
-            <a:r>
-              <a:rPr lang="zh-CN" altLang="en-US" sz="2000" spc="300" dirty="0">
-                <a:latin typeface="微软雅黑" panose="020B0503020204020204" pitchFamily="34" charset="-122"/>
-                <a:ea typeface="微软雅黑" panose="020B0503020204020204" pitchFamily="34" charset="-122"/>
-              </a:rPr>
-              <a:t>研究结论</a:t>
-            </a:r>
-            <a:endParaRPr lang="zh-CN" altLang="en-US" sz="2000" spc="300" dirty="0">
-              <a:latin typeface="微软雅黑" panose="020B0503020204020204" pitchFamily="34" charset="-122"/>
-              <a:ea typeface="微软雅黑" panose="020B0503020204020204" pitchFamily="34" charset="-122"/>
-            </a:endParaRPr>
-          </a:p>
-        </p:txBody>
-      </p:sp>
-      <p:sp>
-        <p:nvSpPr>
-          <p:cNvPr id="11" name="灯片编号占位符 1"/>
+          <p:cNvPr id="6" name="灯片编号占位符 1"/>
           <p:cNvSpPr>
             <a:spLocks noGrp="1"/>
           </p:cNvSpPr>
@@ -7087,7 +7505,7 @@
         </p:nvSpPr>
         <p:spPr>
           <a:xfrm>
-            <a:off x="6494780" y="4691063"/>
+            <a:off x="6658610" y="4767263"/>
             <a:ext cx="2133600" cy="273844"/>
           </a:xfrm>
           <a:prstGeom prst="rect">
@@ -7203,14 +7621,14 @@
       </p:sp>
       <p:sp>
         <p:nvSpPr>
-          <p:cNvPr id="9" name="文本框 8"/>
+          <p:cNvPr id="2" name="文本框 1"/>
           <p:cNvSpPr txBox="1"/>
           <p:nvPr/>
         </p:nvSpPr>
         <p:spPr>
           <a:xfrm>
-            <a:off x="1251585" y="1290320"/>
-            <a:ext cx="6537325" cy="2832100"/>
+            <a:off x="1081405" y="180340"/>
+            <a:ext cx="4114165" cy="398780"/>
           </a:xfrm>
           <a:prstGeom prst="rect">
             <a:avLst/>
@@ -7222,24 +7640,99 @@
             <a:spAutoFit/>
           </a:bodyPr>
           <a:p>
+            <a:r>
+              <a:rPr lang="en-US" altLang="zh-CN" sz="2000">
+                <a:latin typeface="微软雅黑" panose="020B0503020204020204" pitchFamily="34" charset="-122"/>
+                <a:ea typeface="微软雅黑" panose="020B0503020204020204" pitchFamily="34" charset="-122"/>
+              </a:rPr>
+              <a:t>Leap Motion</a:t>
+            </a:r>
+            <a:r>
+              <a:rPr lang="zh-CN" altLang="en-US" sz="2000">
+                <a:latin typeface="微软雅黑" panose="020B0503020204020204" pitchFamily="34" charset="-122"/>
+                <a:ea typeface="微软雅黑" panose="020B0503020204020204" pitchFamily="34" charset="-122"/>
+              </a:rPr>
+              <a:t>和 融合</a:t>
+            </a:r>
+            <a:r>
+              <a:rPr lang="en-US" altLang="zh-CN" sz="2000">
+                <a:latin typeface="微软雅黑" panose="020B0503020204020204" pitchFamily="34" charset="-122"/>
+                <a:ea typeface="微软雅黑" panose="020B0503020204020204" pitchFamily="34" charset="-122"/>
+              </a:rPr>
+              <a:t>Kinect</a:t>
+            </a:r>
+            <a:r>
+              <a:rPr lang="zh-CN" altLang="en-US" sz="2000">
+                <a:latin typeface="微软雅黑" panose="020B0503020204020204" pitchFamily="34" charset="-122"/>
+                <a:ea typeface="微软雅黑" panose="020B0503020204020204" pitchFamily="34" charset="-122"/>
+              </a:rPr>
+              <a:t>的</a:t>
+            </a:r>
+            <a:r>
+              <a:rPr lang="zh-CN" altLang="en-US" sz="2000">
+                <a:latin typeface="微软雅黑" panose="020B0503020204020204" pitchFamily="34" charset="-122"/>
+                <a:ea typeface="微软雅黑" panose="020B0503020204020204" pitchFamily="34" charset="-122"/>
+              </a:rPr>
+              <a:t>集成</a:t>
+            </a:r>
+            <a:endParaRPr lang="zh-CN" altLang="en-US" sz="2000">
+              <a:latin typeface="微软雅黑" panose="020B0503020204020204" pitchFamily="34" charset="-122"/>
+              <a:ea typeface="微软雅黑" panose="020B0503020204020204" pitchFamily="34" charset="-122"/>
+            </a:endParaRPr>
+          </a:p>
+        </p:txBody>
+      </p:sp>
+      <p:sp>
+        <p:nvSpPr>
+          <p:cNvPr id="4" name="文本框 3"/>
+          <p:cNvSpPr txBox="1"/>
+          <p:nvPr/>
+        </p:nvSpPr>
+        <p:spPr>
+          <a:xfrm>
+            <a:off x="840105" y="810895"/>
+            <a:ext cx="7458075" cy="718185"/>
+          </a:xfrm>
+          <a:prstGeom prst="rect">
+            <a:avLst/>
+          </a:prstGeom>
+          <a:noFill/>
+        </p:spPr>
+        <p:txBody>
+          <a:bodyPr wrap="square" rtlCol="0">
+            <a:spAutoFit/>
+          </a:bodyPr>
+          <a:p>
             <a:pPr>
               <a:lnSpc>
-                <a:spcPct val="110000"/>
+                <a:spcPct val="120000"/>
               </a:lnSpc>
             </a:pPr>
             <a:r>
-              <a:rPr lang="en-US" altLang="zh-CN"/>
-              <a:t>        </a:t>
-            </a:r>
-            <a:r>
-              <a:rPr lang="zh-CN" altLang="en-US">
+              <a:rPr lang="en-US" altLang="zh-CN">
                 <a:latin typeface="微软雅黑" panose="020B0503020204020204" pitchFamily="34" charset="-122"/>
                 <a:ea typeface="微软雅黑" panose="020B0503020204020204" pitchFamily="34" charset="-122"/>
                 <a:cs typeface="微软雅黑" panose="020B0503020204020204" pitchFamily="34" charset="-122"/>
               </a:rPr>
-              <a:t>论文介绍了一种使用多个Kinect的设置，以实现稳健而准确的全身3D骨骼跟踪，以及将Leap Motion集成到用于VR的Vive系统中。提出了一种校准方法，可以使用传统的棋盘格标记轻松地同步异构设备。提出了新的相机加权方法，并将其与以前的方法进行了比较。结果表明，本文提出的改进的自适应权重计算方法可以解决一些跟踪问题。旋转融合测试的结果表明，与Vive跟踪器相比，该系统具有良好的准确性。Leap Motion数据与融合骨架系统集成在一起，该系统现在还允许在VR交互场景中集成手势。</a:t>
-            </a:r>
-            <a:endParaRPr lang="zh-CN" altLang="en-US">
+              <a:t>      </a:t>
+            </a:r>
+            <a:r>
+              <a:rPr lang="en-US" altLang="zh-CN" sz="1600">
+                <a:latin typeface="微软雅黑" panose="020B0503020204020204" pitchFamily="34" charset="-122"/>
+                <a:ea typeface="微软雅黑" panose="020B0503020204020204" pitchFamily="34" charset="-122"/>
+                <a:cs typeface="微软雅黑" panose="020B0503020204020204" pitchFamily="34" charset="-122"/>
+              </a:rPr>
+              <a:t> </a:t>
+            </a:r>
+            <a:r>
+              <a:rPr lang="zh-CN" altLang="en-US" sz="1600">
+                <a:latin typeface="微软雅黑" panose="020B0503020204020204" pitchFamily="34" charset="-122"/>
+                <a:ea typeface="微软雅黑" panose="020B0503020204020204" pitchFamily="34" charset="-122"/>
+                <a:cs typeface="微软雅黑" panose="020B0503020204020204" pitchFamily="34" charset="-122"/>
+              </a:rPr>
+              <a:t>为了提供包括手指运动的关节跟踪系统，我们将Leap Motion手部跟踪器连接到HMD的前端，并将数据与来自多个Kinect的数据融合在一起。</a:t>
+            </a:r>
+            <a:endParaRPr lang="zh-CN" altLang="en-US" sz="1600">
               <a:latin typeface="微软雅黑" panose="020B0503020204020204" pitchFamily="34" charset="-122"/>
               <a:ea typeface="微软雅黑" panose="020B0503020204020204" pitchFamily="34" charset="-122"/>
               <a:cs typeface="微软雅黑" panose="020B0503020204020204" pitchFamily="34" charset="-122"/>
@@ -7247,10 +7740,109 @@
           </a:p>
         </p:txBody>
       </p:sp>
+      <p:pic>
+        <p:nvPicPr>
+          <p:cNvPr id="3" name="图片 2"/>
+          <p:cNvPicPr>
+            <a:picLocks noChangeAspect="1"/>
+          </p:cNvPicPr>
+          <p:nvPr/>
+        </p:nvPicPr>
+        <p:blipFill>
+          <a:blip r:embed="rId1"/>
+          <a:stretch>
+            <a:fillRect/>
+          </a:stretch>
+        </p:blipFill>
+        <p:spPr>
+          <a:xfrm>
+            <a:off x="922020" y="1806575"/>
+            <a:ext cx="4518660" cy="2506980"/>
+          </a:xfrm>
+          <a:prstGeom prst="rect">
+            <a:avLst/>
+          </a:prstGeom>
+        </p:spPr>
+      </p:pic>
+      <p:sp>
+        <p:nvSpPr>
+          <p:cNvPr id="7" name="文本框 6"/>
+          <p:cNvSpPr txBox="1"/>
+          <p:nvPr/>
+        </p:nvSpPr>
+        <p:spPr>
+          <a:xfrm>
+            <a:off x="5761990" y="1760220"/>
+            <a:ext cx="3030855" cy="2745740"/>
+          </a:xfrm>
+          <a:prstGeom prst="rect">
+            <a:avLst/>
+          </a:prstGeom>
+          <a:noFill/>
+        </p:spPr>
+        <p:txBody>
+          <a:bodyPr wrap="square" rtlCol="0">
+            <a:spAutoFit/>
+          </a:bodyPr>
+          <a:p>
+            <a:pPr>
+              <a:lnSpc>
+                <a:spcPct val="120000"/>
+              </a:lnSpc>
+            </a:pPr>
+            <a:r>
+              <a:rPr lang="en-US" altLang="zh-CN" sz="1600">
+                <a:latin typeface="微软雅黑" panose="020B0503020204020204" pitchFamily="34" charset="-122"/>
+                <a:ea typeface="微软雅黑" panose="020B0503020204020204" pitchFamily="34" charset="-122"/>
+                <a:cs typeface="微软雅黑" panose="020B0503020204020204" pitchFamily="34" charset="-122"/>
+              </a:rPr>
+              <a:t>      </a:t>
+            </a:r>
+            <a:r>
+              <a:rPr lang="zh-CN" altLang="en-US" sz="1600">
+                <a:latin typeface="微软雅黑" panose="020B0503020204020204" pitchFamily="34" charset="-122"/>
+                <a:ea typeface="微软雅黑" panose="020B0503020204020204" pitchFamily="34" charset="-122"/>
+                <a:cs typeface="微软雅黑" panose="020B0503020204020204" pitchFamily="34" charset="-122"/>
+              </a:rPr>
+              <a:t>用户必须将他们的手放在HMD的前面才能将它们放置在跟踪区域中。为了使其在融合系统中正常工作，我们会自动替换融合骨架系统中的数据。</a:t>
+            </a:r>
+            <a:endParaRPr lang="zh-CN" altLang="en-US" sz="1600">
+              <a:latin typeface="微软雅黑" panose="020B0503020204020204" pitchFamily="34" charset="-122"/>
+              <a:ea typeface="微软雅黑" panose="020B0503020204020204" pitchFamily="34" charset="-122"/>
+              <a:cs typeface="微软雅黑" panose="020B0503020204020204" pitchFamily="34" charset="-122"/>
+            </a:endParaRPr>
+          </a:p>
+          <a:p>
+            <a:pPr>
+              <a:lnSpc>
+                <a:spcPct val="120000"/>
+              </a:lnSpc>
+            </a:pPr>
+            <a:r>
+              <a:rPr lang="zh-CN" altLang="en-US" sz="1600">
+                <a:latin typeface="微软雅黑" panose="020B0503020204020204" pitchFamily="34" charset="-122"/>
+                <a:ea typeface="微软雅黑" panose="020B0503020204020204" pitchFamily="34" charset="-122"/>
+                <a:cs typeface="微软雅黑" panose="020B0503020204020204" pitchFamily="34" charset="-122"/>
+              </a:rPr>
+              <a:t>      当手处于跟踪区域时，手，手指和手腕的数据来自Leap Motion。否则，将</a:t>
+            </a:r>
+            <a:r>
+              <a:rPr lang="zh-CN" altLang="en-US" sz="1600">
+                <a:latin typeface="微软雅黑" panose="020B0503020204020204" pitchFamily="34" charset="-122"/>
+                <a:ea typeface="微软雅黑" panose="020B0503020204020204" pitchFamily="34" charset="-122"/>
+                <a:cs typeface="微软雅黑" panose="020B0503020204020204" pitchFamily="34" charset="-122"/>
+              </a:rPr>
+              <a:t>使用来自融合Kinect的数据。</a:t>
+            </a:r>
+            <a:endParaRPr lang="zh-CN" altLang="en-US" sz="1600">
+              <a:latin typeface="微软雅黑" panose="020B0503020204020204" pitchFamily="34" charset="-122"/>
+              <a:ea typeface="微软雅黑" panose="020B0503020204020204" pitchFamily="34" charset="-122"/>
+              <a:cs typeface="微软雅黑" panose="020B0503020204020204" pitchFamily="34" charset="-122"/>
+            </a:endParaRPr>
+          </a:p>
+        </p:txBody>
+      </p:sp>
     </p:spTree>
-    <p:custDataLst>
-      <p:tags r:id="rId1"/>
-    </p:custDataLst>
   </p:cSld>
   <p:clrMapOvr>
     <a:masterClrMapping/>
@@ -7263,8 +7855,7 @@
       </p:par>
     </p:tnLst>
     <p:bldLst>
-      <p:bldP spid="25" grpId="0" animBg="1"/>
-      <p:bldP spid="26" grpId="0"/>
+      <p:bldP spid="34" grpId="0" animBg="1"/>
     </p:bldLst>
   </p:timing>
 </p:sld>
@@ -7289,7 +7880,7 @@
       </p:grpSpPr>
       <p:cxnSp>
         <p:nvCxnSpPr>
-          <p:cNvPr id="5" name="直接连接符 4"/>
+          <p:cNvPr id="33" name="直接连接符 32"/>
           <p:cNvCxnSpPr/>
           <p:nvPr/>
         </p:nvCxnSpPr>
@@ -7325,7 +7916,7 @@
       </p:cxnSp>
       <p:sp>
         <p:nvSpPr>
-          <p:cNvPr id="6" name="椭圆 5"/>
+          <p:cNvPr id="34" name="椭圆 33"/>
           <p:cNvSpPr/>
           <p:nvPr/>
         </p:nvSpPr>
@@ -7378,6 +7969,811 @@
       </p:sp>
       <p:sp>
         <p:nvSpPr>
+          <p:cNvPr id="6" name="灯片编号占位符 1"/>
+          <p:cNvSpPr>
+            <a:spLocks noGrp="1"/>
+          </p:cNvSpPr>
+          <p:nvPr/>
+        </p:nvSpPr>
+        <p:spPr>
+          <a:xfrm>
+            <a:off x="6658610" y="4767263"/>
+            <a:ext cx="2133600" cy="273844"/>
+          </a:xfrm>
+          <a:prstGeom prst="rect">
+            <a:avLst/>
+          </a:prstGeom>
+        </p:spPr>
+        <p:txBody>
+          <a:bodyPr vert="horz" lIns="91440" tIns="45720" rIns="91440" bIns="45720" rtlCol="0" anchor="ctr"/>
+          <a:lstStyle>
+            <a:defPPr>
+              <a:defRPr lang="zh-CN"/>
+            </a:defPPr>
+            <a:lvl1pPr marL="0" algn="r" defTabSz="914400" rtl="0" eaLnBrk="1" latinLnBrk="0" hangingPunct="1">
+              <a:defRPr sz="1200" kern="1200">
+                <a:solidFill>
+                  <a:schemeClr val="tx1">
+                    <a:tint val="75000"/>
+                  </a:schemeClr>
+                </a:solidFill>
+                <a:latin typeface="+mn-lt"/>
+                <a:ea typeface="+mn-ea"/>
+                <a:cs typeface="+mn-cs"/>
+              </a:defRPr>
+            </a:lvl1pPr>
+            <a:lvl2pPr marL="457200" algn="l" defTabSz="914400" rtl="0" eaLnBrk="1" latinLnBrk="0" hangingPunct="1">
+              <a:defRPr sz="1800" kern="1200">
+                <a:solidFill>
+                  <a:schemeClr val="tx1"/>
+                </a:solidFill>
+                <a:latin typeface="+mn-lt"/>
+                <a:ea typeface="+mn-ea"/>
+                <a:cs typeface="+mn-cs"/>
+              </a:defRPr>
+            </a:lvl2pPr>
+            <a:lvl3pPr marL="914400" algn="l" defTabSz="914400" rtl="0" eaLnBrk="1" latinLnBrk="0" hangingPunct="1">
+              <a:defRPr sz="1800" kern="1200">
+                <a:solidFill>
+                  <a:schemeClr val="tx1"/>
+                </a:solidFill>
+                <a:latin typeface="+mn-lt"/>
+                <a:ea typeface="+mn-ea"/>
+                <a:cs typeface="+mn-cs"/>
+              </a:defRPr>
+            </a:lvl3pPr>
+            <a:lvl4pPr marL="1371600" algn="l" defTabSz="914400" rtl="0" eaLnBrk="1" latinLnBrk="0" hangingPunct="1">
+              <a:defRPr sz="1800" kern="1200">
+                <a:solidFill>
+                  <a:schemeClr val="tx1"/>
+                </a:solidFill>
+                <a:latin typeface="+mn-lt"/>
+                <a:ea typeface="+mn-ea"/>
+                <a:cs typeface="+mn-cs"/>
+              </a:defRPr>
+            </a:lvl4pPr>
+            <a:lvl5pPr marL="1828800" algn="l" defTabSz="914400" rtl="0" eaLnBrk="1" latinLnBrk="0" hangingPunct="1">
+              <a:defRPr sz="1800" kern="1200">
+                <a:solidFill>
+                  <a:schemeClr val="tx1"/>
+                </a:solidFill>
+                <a:latin typeface="+mn-lt"/>
+                <a:ea typeface="+mn-ea"/>
+                <a:cs typeface="+mn-cs"/>
+              </a:defRPr>
+            </a:lvl5pPr>
+            <a:lvl6pPr marL="2286000" algn="l" defTabSz="914400" rtl="0" eaLnBrk="1" latinLnBrk="0" hangingPunct="1">
+              <a:defRPr sz="1800" kern="1200">
+                <a:solidFill>
+                  <a:schemeClr val="tx1"/>
+                </a:solidFill>
+                <a:latin typeface="+mn-lt"/>
+                <a:ea typeface="+mn-ea"/>
+                <a:cs typeface="+mn-cs"/>
+              </a:defRPr>
+            </a:lvl6pPr>
+            <a:lvl7pPr marL="2743200" algn="l" defTabSz="914400" rtl="0" eaLnBrk="1" latinLnBrk="0" hangingPunct="1">
+              <a:defRPr sz="1800" kern="1200">
+                <a:solidFill>
+                  <a:schemeClr val="tx1"/>
+                </a:solidFill>
+                <a:latin typeface="+mn-lt"/>
+                <a:ea typeface="+mn-ea"/>
+                <a:cs typeface="+mn-cs"/>
+              </a:defRPr>
+            </a:lvl7pPr>
+            <a:lvl8pPr marL="3200400" algn="l" defTabSz="914400" rtl="0" eaLnBrk="1" latinLnBrk="0" hangingPunct="1">
+              <a:defRPr sz="1800" kern="1200">
+                <a:solidFill>
+                  <a:schemeClr val="tx1"/>
+                </a:solidFill>
+                <a:latin typeface="+mn-lt"/>
+                <a:ea typeface="+mn-ea"/>
+                <a:cs typeface="+mn-cs"/>
+              </a:defRPr>
+            </a:lvl8pPr>
+            <a:lvl9pPr marL="3657600" algn="l" defTabSz="914400" rtl="0" eaLnBrk="1" latinLnBrk="0" hangingPunct="1">
+              <a:defRPr sz="1800" kern="1200">
+                <a:solidFill>
+                  <a:schemeClr val="tx1"/>
+                </a:solidFill>
+                <a:latin typeface="+mn-lt"/>
+                <a:ea typeface="+mn-ea"/>
+                <a:cs typeface="+mn-cs"/>
+              </a:defRPr>
+            </a:lvl9pPr>
+          </a:lstStyle>
+          <a:p>
+            <a:fld id="{E1BEBC7A-FD02-486B-81B5-A845787C689C}" type="slidenum">
+              <a:rPr lang="zh-CN" altLang="en-US" sz="1600" b="1" smtClean="0"/>
+            </a:fld>
+            <a:endParaRPr lang="zh-CN" altLang="en-US" sz="1600" b="1" smtClean="0"/>
+          </a:p>
+        </p:txBody>
+      </p:sp>
+      <p:sp>
+        <p:nvSpPr>
+          <p:cNvPr id="2" name="文本框 1"/>
+          <p:cNvSpPr txBox="1"/>
+          <p:nvPr/>
+        </p:nvSpPr>
+        <p:spPr>
+          <a:xfrm>
+            <a:off x="1027430" y="180340"/>
+            <a:ext cx="1454785" cy="398780"/>
+          </a:xfrm>
+          <a:prstGeom prst="rect">
+            <a:avLst/>
+          </a:prstGeom>
+          <a:noFill/>
+        </p:spPr>
+        <p:txBody>
+          <a:bodyPr wrap="square" rtlCol="0">
+            <a:spAutoFit/>
+          </a:bodyPr>
+          <a:p>
+            <a:r>
+              <a:rPr lang="zh-CN" altLang="en-US" sz="2000">
+                <a:latin typeface="微软雅黑" panose="020B0503020204020204" pitchFamily="34" charset="-122"/>
+                <a:ea typeface="微软雅黑" panose="020B0503020204020204" pitchFamily="34" charset="-122"/>
+              </a:rPr>
+              <a:t>应用</a:t>
+            </a:r>
+            <a:endParaRPr lang="zh-CN" altLang="en-US" sz="2000">
+              <a:latin typeface="微软雅黑" panose="020B0503020204020204" pitchFamily="34" charset="-122"/>
+              <a:ea typeface="微软雅黑" panose="020B0503020204020204" pitchFamily="34" charset="-122"/>
+            </a:endParaRPr>
+          </a:p>
+        </p:txBody>
+      </p:sp>
+      <p:sp>
+        <p:nvSpPr>
+          <p:cNvPr id="3" name="文本框 2"/>
+          <p:cNvSpPr txBox="1"/>
+          <p:nvPr/>
+        </p:nvSpPr>
+        <p:spPr>
+          <a:xfrm>
+            <a:off x="833120" y="875030"/>
+            <a:ext cx="7015480" cy="368300"/>
+          </a:xfrm>
+          <a:prstGeom prst="rect">
+            <a:avLst/>
+          </a:prstGeom>
+          <a:noFill/>
+        </p:spPr>
+        <p:txBody>
+          <a:bodyPr wrap="square" rtlCol="0">
+            <a:spAutoFit/>
+          </a:bodyPr>
+          <a:p>
+            <a:r>
+              <a:rPr lang="en-US" altLang="zh-CN"/>
+              <a:t>    </a:t>
+            </a:r>
+            <a:r>
+              <a:rPr lang="zh-CN" altLang="en-US">
+                <a:latin typeface="微软雅黑" panose="020B0503020204020204" pitchFamily="34" charset="-122"/>
+                <a:ea typeface="微软雅黑" panose="020B0503020204020204" pitchFamily="34" charset="-122"/>
+              </a:rPr>
+              <a:t>全身跟踪系统可用于许多领域：</a:t>
+            </a:r>
+            <a:endParaRPr lang="zh-CN" altLang="en-US">
+              <a:latin typeface="微软雅黑" panose="020B0503020204020204" pitchFamily="34" charset="-122"/>
+              <a:ea typeface="微软雅黑" panose="020B0503020204020204" pitchFamily="34" charset="-122"/>
+            </a:endParaRPr>
+          </a:p>
+        </p:txBody>
+      </p:sp>
+      <p:sp>
+        <p:nvSpPr>
+          <p:cNvPr id="4" name="文本框 3"/>
+          <p:cNvSpPr txBox="1"/>
+          <p:nvPr/>
+        </p:nvSpPr>
+        <p:spPr>
+          <a:xfrm>
+            <a:off x="1616075" y="1487805"/>
+            <a:ext cx="4091305" cy="1170305"/>
+          </a:xfrm>
+          <a:prstGeom prst="rect">
+            <a:avLst/>
+          </a:prstGeom>
+          <a:noFill/>
+        </p:spPr>
+        <p:txBody>
+          <a:bodyPr wrap="square" rtlCol="0">
+            <a:spAutoFit/>
+          </a:bodyPr>
+          <a:p>
+            <a:pPr marL="342900" indent="-342900">
+              <a:lnSpc>
+                <a:spcPct val="130000"/>
+              </a:lnSpc>
+              <a:buAutoNum type="arabicPeriod"/>
+            </a:pPr>
+            <a:r>
+              <a:rPr lang="zh-CN" altLang="en-US">
+                <a:latin typeface="微软雅黑" panose="020B0503020204020204" pitchFamily="34" charset="-122"/>
+                <a:ea typeface="微软雅黑" panose="020B0503020204020204" pitchFamily="34" charset="-122"/>
+                <a:cs typeface="微软雅黑" panose="020B0503020204020204" pitchFamily="34" charset="-122"/>
+              </a:rPr>
+              <a:t>运动和医学训练</a:t>
+            </a:r>
+            <a:endParaRPr lang="zh-CN" altLang="en-US">
+              <a:latin typeface="微软雅黑" panose="020B0503020204020204" pitchFamily="34" charset="-122"/>
+              <a:ea typeface="微软雅黑" panose="020B0503020204020204" pitchFamily="34" charset="-122"/>
+              <a:cs typeface="微软雅黑" panose="020B0503020204020204" pitchFamily="34" charset="-122"/>
+            </a:endParaRPr>
+          </a:p>
+          <a:p>
+            <a:pPr marL="342900" indent="-342900">
+              <a:lnSpc>
+                <a:spcPct val="130000"/>
+              </a:lnSpc>
+              <a:buAutoNum type="arabicPeriod"/>
+            </a:pPr>
+            <a:r>
+              <a:rPr lang="en-US" altLang="zh-CN">
+                <a:latin typeface="微软雅黑" panose="020B0503020204020204" pitchFamily="34" charset="-122"/>
+                <a:ea typeface="微软雅黑" panose="020B0503020204020204" pitchFamily="34" charset="-122"/>
+                <a:cs typeface="微软雅黑" panose="020B0503020204020204" pitchFamily="34" charset="-122"/>
+              </a:rPr>
+              <a:t>VR</a:t>
+            </a:r>
+            <a:r>
+              <a:rPr lang="zh-CN" altLang="en-US">
+                <a:latin typeface="微软雅黑" panose="020B0503020204020204" pitchFamily="34" charset="-122"/>
+                <a:ea typeface="微软雅黑" panose="020B0503020204020204" pitchFamily="34" charset="-122"/>
+                <a:cs typeface="微软雅黑" panose="020B0503020204020204" pitchFamily="34" charset="-122"/>
+              </a:rPr>
+              <a:t>教育方面</a:t>
+            </a:r>
+            <a:endParaRPr lang="zh-CN" altLang="en-US">
+              <a:latin typeface="微软雅黑" panose="020B0503020204020204" pitchFamily="34" charset="-122"/>
+              <a:ea typeface="微软雅黑" panose="020B0503020204020204" pitchFamily="34" charset="-122"/>
+              <a:cs typeface="微软雅黑" panose="020B0503020204020204" pitchFamily="34" charset="-122"/>
+            </a:endParaRPr>
+          </a:p>
+          <a:p>
+            <a:pPr marL="342900" indent="-342900">
+              <a:lnSpc>
+                <a:spcPct val="130000"/>
+              </a:lnSpc>
+              <a:buAutoNum type="arabicPeriod"/>
+            </a:pPr>
+            <a:r>
+              <a:rPr lang="zh-CN" altLang="en-US">
+                <a:latin typeface="微软雅黑" panose="020B0503020204020204" pitchFamily="34" charset="-122"/>
+                <a:ea typeface="微软雅黑" panose="020B0503020204020204" pitchFamily="34" charset="-122"/>
+                <a:cs typeface="微软雅黑" panose="020B0503020204020204" pitchFamily="34" charset="-122"/>
+              </a:rPr>
+              <a:t>休闲娱乐，如格斗游戏</a:t>
+            </a:r>
+            <a:endParaRPr lang="zh-CN" altLang="en-US">
+              <a:latin typeface="微软雅黑" panose="020B0503020204020204" pitchFamily="34" charset="-122"/>
+              <a:ea typeface="微软雅黑" panose="020B0503020204020204" pitchFamily="34" charset="-122"/>
+              <a:cs typeface="微软雅黑" panose="020B0503020204020204" pitchFamily="34" charset="-122"/>
+            </a:endParaRPr>
+          </a:p>
+        </p:txBody>
+      </p:sp>
+      <p:sp>
+        <p:nvSpPr>
+          <p:cNvPr id="5" name="文本框 4"/>
+          <p:cNvSpPr txBox="1"/>
+          <p:nvPr/>
+        </p:nvSpPr>
+        <p:spPr>
+          <a:xfrm>
+            <a:off x="1162685" y="3005455"/>
+            <a:ext cx="5606415" cy="1087755"/>
+          </a:xfrm>
+          <a:prstGeom prst="rect">
+            <a:avLst/>
+          </a:prstGeom>
+          <a:noFill/>
+        </p:spPr>
+        <p:txBody>
+          <a:bodyPr wrap="square" rtlCol="0">
+            <a:spAutoFit/>
+          </a:bodyPr>
+          <a:p>
+            <a:pPr>
+              <a:lnSpc>
+                <a:spcPct val="120000"/>
+              </a:lnSpc>
+            </a:pPr>
+            <a:r>
+              <a:rPr lang="en-US" altLang="zh-CN"/>
+              <a:t>        </a:t>
+            </a:r>
+            <a:r>
+              <a:rPr lang="zh-CN" altLang="en-US">
+                <a:latin typeface="微软雅黑" panose="020B0503020204020204" pitchFamily="34" charset="-122"/>
+                <a:ea typeface="微软雅黑" panose="020B0503020204020204" pitchFamily="34" charset="-122"/>
+                <a:cs typeface="微软雅黑" panose="020B0503020204020204" pitchFamily="34" charset="-122"/>
+              </a:rPr>
+              <a:t>来自身体和手部的跟踪数据已准备好支持定制的3D化身模型，该模型可以通过相互交互增强社交VR和协作工作等应用中的身临其境的体验</a:t>
+            </a:r>
+            <a:endParaRPr lang="zh-CN" altLang="en-US">
+              <a:latin typeface="微软雅黑" panose="020B0503020204020204" pitchFamily="34" charset="-122"/>
+              <a:ea typeface="微软雅黑" panose="020B0503020204020204" pitchFamily="34" charset="-122"/>
+              <a:cs typeface="微软雅黑" panose="020B0503020204020204" pitchFamily="34" charset="-122"/>
+            </a:endParaRPr>
+          </a:p>
+        </p:txBody>
+      </p:sp>
+    </p:spTree>
+  </p:cSld>
+  <p:clrMapOvr>
+    <a:masterClrMapping/>
+  </p:clrMapOvr>
+  <p:transition spd="slow"/>
+  <p:timing>
+    <p:tnLst>
+      <p:par>
+        <p:cTn id="1" dur="indefinite" restart="never" nodeType="tmRoot"/>
+      </p:par>
+    </p:tnLst>
+    <p:bldLst>
+      <p:bldP spid="34" grpId="0" animBg="1"/>
+    </p:bldLst>
+  </p:timing>
+</p:sld>
+</file>
+
+<file path=ppt/slides/slide13.xml><?xml version="1.0" encoding="utf-8"?>
+<p:sld xmlns:a="http://schemas.openxmlformats.org/drawingml/2006/main" xmlns:r="http://schemas.openxmlformats.org/officeDocument/2006/relationships" xmlns:p="http://schemas.openxmlformats.org/presentationml/2006/main">
+  <p:cSld>
+    <p:spTree>
+      <p:nvGrpSpPr>
+        <p:cNvPr id="1" name=""/>
+        <p:cNvGrpSpPr/>
+        <p:nvPr/>
+      </p:nvGrpSpPr>
+      <p:grpSpPr>
+        <a:xfrm>
+          <a:off x="0" y="0"/>
+          <a:ext cx="0" cy="0"/>
+          <a:chOff x="0" y="0"/>
+          <a:chExt cx="0" cy="0"/>
+        </a:xfrm>
+      </p:grpSpPr>
+      <p:cxnSp>
+        <p:nvCxnSpPr>
+          <p:cNvPr id="24" name="直接连接符 23"/>
+          <p:cNvCxnSpPr/>
+          <p:nvPr/>
+        </p:nvCxnSpPr>
+        <p:spPr>
+          <a:xfrm>
+            <a:off x="515257" y="624114"/>
+            <a:ext cx="8113486" cy="0"/>
+          </a:xfrm>
+          <a:prstGeom prst="line">
+            <a:avLst/>
+          </a:prstGeom>
+          <a:ln w="12700">
+            <a:solidFill>
+              <a:schemeClr val="tx1"/>
+            </a:solidFill>
+            <a:prstDash val="dash"/>
+          </a:ln>
+        </p:spPr>
+        <p:style>
+          <a:lnRef idx="1">
+            <a:schemeClr val="accent1"/>
+          </a:lnRef>
+          <a:fillRef idx="0">
+            <a:schemeClr val="accent1"/>
+          </a:fillRef>
+          <a:effectRef idx="0">
+            <a:schemeClr val="accent1"/>
+          </a:effectRef>
+          <a:fontRef idx="minor">
+            <a:schemeClr val="tx1"/>
+          </a:fontRef>
+        </p:style>
+      </p:cxnSp>
+      <p:sp>
+        <p:nvSpPr>
+          <p:cNvPr id="25" name="椭圆 24"/>
+          <p:cNvSpPr/>
+          <p:nvPr/>
+        </p:nvSpPr>
+        <p:spPr>
+          <a:xfrm>
+            <a:off x="646880" y="242192"/>
+            <a:ext cx="274777" cy="274777"/>
+          </a:xfrm>
+          <a:prstGeom prst="ellipse">
+            <a:avLst/>
+          </a:prstGeom>
+          <a:solidFill>
+            <a:srgbClr val="5380F7"/>
+          </a:solidFill>
+          <a:ln>
+            <a:noFill/>
+          </a:ln>
+          <a:effectLst>
+            <a:outerShdw blurRad="254000" dist="127000" dir="8100000" algn="tr" rotWithShape="0">
+              <a:prstClr val="black">
+                <a:alpha val="60000"/>
+              </a:prstClr>
+            </a:outerShdw>
+          </a:effectLst>
+        </p:spPr>
+        <p:style>
+          <a:lnRef idx="2">
+            <a:schemeClr val="accent1">
+              <a:shade val="50000"/>
+            </a:schemeClr>
+          </a:lnRef>
+          <a:fillRef idx="1">
+            <a:schemeClr val="accent1"/>
+          </a:fillRef>
+          <a:effectRef idx="0">
+            <a:schemeClr val="accent1"/>
+          </a:effectRef>
+          <a:fontRef idx="minor">
+            <a:schemeClr val="lt1"/>
+          </a:fontRef>
+        </p:style>
+        <p:txBody>
+          <a:bodyPr rtlCol="0" anchor="ctr"/>
+          <a:lstStyle/>
+          <a:p>
+            <a:pPr algn="ctr"/>
+            <a:endParaRPr lang="zh-CN" altLang="en-US"/>
+          </a:p>
+        </p:txBody>
+      </p:sp>
+      <p:sp>
+        <p:nvSpPr>
+          <p:cNvPr id="26" name="TextBox 25"/>
+          <p:cNvSpPr txBox="1"/>
+          <p:nvPr/>
+        </p:nvSpPr>
+        <p:spPr>
+          <a:xfrm>
+            <a:off x="908957" y="206330"/>
+            <a:ext cx="1351280" cy="398780"/>
+          </a:xfrm>
+          <a:prstGeom prst="rect">
+            <a:avLst/>
+          </a:prstGeom>
+          <a:noFill/>
+        </p:spPr>
+        <p:txBody>
+          <a:bodyPr wrap="none" rtlCol="0">
+            <a:spAutoFit/>
+          </a:bodyPr>
+          <a:lstStyle/>
+          <a:p>
+            <a:r>
+              <a:rPr lang="zh-CN" altLang="en-US" sz="2000" spc="300" dirty="0">
+                <a:latin typeface="微软雅黑" panose="020B0503020204020204" pitchFamily="34" charset="-122"/>
+                <a:ea typeface="微软雅黑" panose="020B0503020204020204" pitchFamily="34" charset="-122"/>
+              </a:rPr>
+              <a:t>研究结论</a:t>
+            </a:r>
+            <a:endParaRPr lang="zh-CN" altLang="en-US" sz="2000" spc="300" dirty="0">
+              <a:latin typeface="微软雅黑" panose="020B0503020204020204" pitchFamily="34" charset="-122"/>
+              <a:ea typeface="微软雅黑" panose="020B0503020204020204" pitchFamily="34" charset="-122"/>
+            </a:endParaRPr>
+          </a:p>
+        </p:txBody>
+      </p:sp>
+      <p:sp>
+        <p:nvSpPr>
+          <p:cNvPr id="11" name="灯片编号占位符 1"/>
+          <p:cNvSpPr>
+            <a:spLocks noGrp="1"/>
+          </p:cNvSpPr>
+          <p:nvPr/>
+        </p:nvSpPr>
+        <p:spPr>
+          <a:xfrm>
+            <a:off x="6494780" y="4691063"/>
+            <a:ext cx="2133600" cy="273844"/>
+          </a:xfrm>
+          <a:prstGeom prst="rect">
+            <a:avLst/>
+          </a:prstGeom>
+        </p:spPr>
+        <p:txBody>
+          <a:bodyPr vert="horz" lIns="91440" tIns="45720" rIns="91440" bIns="45720" rtlCol="0" anchor="ctr"/>
+          <a:lstStyle>
+            <a:defPPr>
+              <a:defRPr lang="zh-CN"/>
+            </a:defPPr>
+            <a:lvl1pPr marL="0" algn="r" defTabSz="914400" rtl="0" eaLnBrk="1" latinLnBrk="0" hangingPunct="1">
+              <a:defRPr sz="1200" kern="1200">
+                <a:solidFill>
+                  <a:schemeClr val="tx1">
+                    <a:tint val="75000"/>
+                  </a:schemeClr>
+                </a:solidFill>
+                <a:latin typeface="+mn-lt"/>
+                <a:ea typeface="+mn-ea"/>
+                <a:cs typeface="+mn-cs"/>
+              </a:defRPr>
+            </a:lvl1pPr>
+            <a:lvl2pPr marL="457200" algn="l" defTabSz="914400" rtl="0" eaLnBrk="1" latinLnBrk="0" hangingPunct="1">
+              <a:defRPr sz="1800" kern="1200">
+                <a:solidFill>
+                  <a:schemeClr val="tx1"/>
+                </a:solidFill>
+                <a:latin typeface="+mn-lt"/>
+                <a:ea typeface="+mn-ea"/>
+                <a:cs typeface="+mn-cs"/>
+              </a:defRPr>
+            </a:lvl2pPr>
+            <a:lvl3pPr marL="914400" algn="l" defTabSz="914400" rtl="0" eaLnBrk="1" latinLnBrk="0" hangingPunct="1">
+              <a:defRPr sz="1800" kern="1200">
+                <a:solidFill>
+                  <a:schemeClr val="tx1"/>
+                </a:solidFill>
+                <a:latin typeface="+mn-lt"/>
+                <a:ea typeface="+mn-ea"/>
+                <a:cs typeface="+mn-cs"/>
+              </a:defRPr>
+            </a:lvl3pPr>
+            <a:lvl4pPr marL="1371600" algn="l" defTabSz="914400" rtl="0" eaLnBrk="1" latinLnBrk="0" hangingPunct="1">
+              <a:defRPr sz="1800" kern="1200">
+                <a:solidFill>
+                  <a:schemeClr val="tx1"/>
+                </a:solidFill>
+                <a:latin typeface="+mn-lt"/>
+                <a:ea typeface="+mn-ea"/>
+                <a:cs typeface="+mn-cs"/>
+              </a:defRPr>
+            </a:lvl4pPr>
+            <a:lvl5pPr marL="1828800" algn="l" defTabSz="914400" rtl="0" eaLnBrk="1" latinLnBrk="0" hangingPunct="1">
+              <a:defRPr sz="1800" kern="1200">
+                <a:solidFill>
+                  <a:schemeClr val="tx1"/>
+                </a:solidFill>
+                <a:latin typeface="+mn-lt"/>
+                <a:ea typeface="+mn-ea"/>
+                <a:cs typeface="+mn-cs"/>
+              </a:defRPr>
+            </a:lvl5pPr>
+            <a:lvl6pPr marL="2286000" algn="l" defTabSz="914400" rtl="0" eaLnBrk="1" latinLnBrk="0" hangingPunct="1">
+              <a:defRPr sz="1800" kern="1200">
+                <a:solidFill>
+                  <a:schemeClr val="tx1"/>
+                </a:solidFill>
+                <a:latin typeface="+mn-lt"/>
+                <a:ea typeface="+mn-ea"/>
+                <a:cs typeface="+mn-cs"/>
+              </a:defRPr>
+            </a:lvl6pPr>
+            <a:lvl7pPr marL="2743200" algn="l" defTabSz="914400" rtl="0" eaLnBrk="1" latinLnBrk="0" hangingPunct="1">
+              <a:defRPr sz="1800" kern="1200">
+                <a:solidFill>
+                  <a:schemeClr val="tx1"/>
+                </a:solidFill>
+                <a:latin typeface="+mn-lt"/>
+                <a:ea typeface="+mn-ea"/>
+                <a:cs typeface="+mn-cs"/>
+              </a:defRPr>
+            </a:lvl7pPr>
+            <a:lvl8pPr marL="3200400" algn="l" defTabSz="914400" rtl="0" eaLnBrk="1" latinLnBrk="0" hangingPunct="1">
+              <a:defRPr sz="1800" kern="1200">
+                <a:solidFill>
+                  <a:schemeClr val="tx1"/>
+                </a:solidFill>
+                <a:latin typeface="+mn-lt"/>
+                <a:ea typeface="+mn-ea"/>
+                <a:cs typeface="+mn-cs"/>
+              </a:defRPr>
+            </a:lvl8pPr>
+            <a:lvl9pPr marL="3657600" algn="l" defTabSz="914400" rtl="0" eaLnBrk="1" latinLnBrk="0" hangingPunct="1">
+              <a:defRPr sz="1800" kern="1200">
+                <a:solidFill>
+                  <a:schemeClr val="tx1"/>
+                </a:solidFill>
+                <a:latin typeface="+mn-lt"/>
+                <a:ea typeface="+mn-ea"/>
+                <a:cs typeface="+mn-cs"/>
+              </a:defRPr>
+            </a:lvl9pPr>
+          </a:lstStyle>
+          <a:p>
+            <a:fld id="{E1BEBC7A-FD02-486B-81B5-A845787C689C}" type="slidenum">
+              <a:rPr lang="zh-CN" altLang="en-US" sz="1600" b="1" smtClean="0"/>
+            </a:fld>
+            <a:endParaRPr lang="zh-CN" altLang="en-US" sz="1600" b="1" smtClean="0"/>
+          </a:p>
+        </p:txBody>
+      </p:sp>
+      <p:sp>
+        <p:nvSpPr>
+          <p:cNvPr id="9" name="文本框 8"/>
+          <p:cNvSpPr txBox="1"/>
+          <p:nvPr/>
+        </p:nvSpPr>
+        <p:spPr>
+          <a:xfrm>
+            <a:off x="1199515" y="1189355"/>
+            <a:ext cx="6537325" cy="2999740"/>
+          </a:xfrm>
+          <a:prstGeom prst="rect">
+            <a:avLst/>
+          </a:prstGeom>
+          <a:noFill/>
+        </p:spPr>
+        <p:txBody>
+          <a:bodyPr wrap="square" rtlCol="0">
+            <a:spAutoFit/>
+          </a:bodyPr>
+          <a:p>
+            <a:pPr>
+              <a:lnSpc>
+                <a:spcPct val="150000"/>
+              </a:lnSpc>
+            </a:pPr>
+            <a:r>
+              <a:rPr lang="en-US" altLang="zh-CN"/>
+              <a:t>        </a:t>
+            </a:r>
+            <a:r>
+              <a:rPr lang="zh-CN" altLang="en-US">
+                <a:latin typeface="微软雅黑" panose="020B0503020204020204" pitchFamily="34" charset="-122"/>
+                <a:ea typeface="微软雅黑" panose="020B0503020204020204" pitchFamily="34" charset="-122"/>
+                <a:cs typeface="微软雅黑" panose="020B0503020204020204" pitchFamily="34" charset="-122"/>
+              </a:rPr>
+              <a:t>介绍了一种使用多个Kinect的设置，以实现稳健而准确的全身3D骨骼跟踪，以及将Leap Motion集成到用于VR的Vive系统中。提出了一种校准方法，可以使用传统的棋盘格标记轻松地同步异构设备。提出了新的相机加权方法。从面向方向调整，相机加权方法和旋转融合过程三个方面进行评估，这个系统具有良好的准确性。</a:t>
+            </a:r>
+            <a:r>
+              <a:rPr lang="zh-CN" altLang="en-US">
+                <a:latin typeface="微软雅黑" panose="020B0503020204020204" pitchFamily="34" charset="-122"/>
+                <a:ea typeface="微软雅黑" panose="020B0503020204020204" pitchFamily="34" charset="-122"/>
+                <a:cs typeface="微软雅黑" panose="020B0503020204020204" pitchFamily="34" charset="-122"/>
+              </a:rPr>
+              <a:t>Leap Motion数据与融合骨架系统集成在一起，该系统现在还允许在VR交互场景中集成手势。</a:t>
+            </a:r>
+            <a:endParaRPr lang="zh-CN" altLang="en-US">
+              <a:latin typeface="微软雅黑" panose="020B0503020204020204" pitchFamily="34" charset="-122"/>
+              <a:ea typeface="微软雅黑" panose="020B0503020204020204" pitchFamily="34" charset="-122"/>
+              <a:cs typeface="微软雅黑" panose="020B0503020204020204" pitchFamily="34" charset="-122"/>
+            </a:endParaRPr>
+          </a:p>
+        </p:txBody>
+      </p:sp>
+    </p:spTree>
+    <p:custDataLst>
+      <p:tags r:id="rId1"/>
+    </p:custDataLst>
+  </p:cSld>
+  <p:clrMapOvr>
+    <a:masterClrMapping/>
+  </p:clrMapOvr>
+  <p:transition spd="slow"/>
+  <p:timing>
+    <p:tnLst>
+      <p:par>
+        <p:cTn id="1" dur="indefinite" restart="never" nodeType="tmRoot"/>
+      </p:par>
+    </p:tnLst>
+    <p:bldLst>
+      <p:bldP spid="25" grpId="0" animBg="1"/>
+      <p:bldP spid="26" grpId="0"/>
+    </p:bldLst>
+  </p:timing>
+</p:sld>
+</file>
+
+<file path=ppt/slides/slide14.xml><?xml version="1.0" encoding="utf-8"?>
+<p:sld xmlns:a="http://schemas.openxmlformats.org/drawingml/2006/main" xmlns:r="http://schemas.openxmlformats.org/officeDocument/2006/relationships" xmlns:p="http://schemas.openxmlformats.org/presentationml/2006/main">
+  <p:cSld>
+    <p:spTree>
+      <p:nvGrpSpPr>
+        <p:cNvPr id="1" name=""/>
+        <p:cNvGrpSpPr/>
+        <p:nvPr/>
+      </p:nvGrpSpPr>
+      <p:grpSpPr>
+        <a:xfrm>
+          <a:off x="0" y="0"/>
+          <a:ext cx="0" cy="0"/>
+          <a:chOff x="0" y="0"/>
+          <a:chExt cx="0" cy="0"/>
+        </a:xfrm>
+      </p:grpSpPr>
+      <p:cxnSp>
+        <p:nvCxnSpPr>
+          <p:cNvPr id="5" name="直接连接符 4"/>
+          <p:cNvCxnSpPr/>
+          <p:nvPr/>
+        </p:nvCxnSpPr>
+        <p:spPr>
+          <a:xfrm>
+            <a:off x="515257" y="624114"/>
+            <a:ext cx="8113486" cy="0"/>
+          </a:xfrm>
+          <a:prstGeom prst="line">
+            <a:avLst/>
+          </a:prstGeom>
+          <a:ln w="12700">
+            <a:solidFill>
+              <a:schemeClr val="tx1"/>
+            </a:solidFill>
+            <a:prstDash val="dash"/>
+          </a:ln>
+        </p:spPr>
+        <p:style>
+          <a:lnRef idx="1">
+            <a:schemeClr val="accent1"/>
+          </a:lnRef>
+          <a:fillRef idx="0">
+            <a:schemeClr val="accent1"/>
+          </a:fillRef>
+          <a:effectRef idx="0">
+            <a:schemeClr val="accent1"/>
+          </a:effectRef>
+          <a:fontRef idx="minor">
+            <a:schemeClr val="tx1"/>
+          </a:fontRef>
+        </p:style>
+      </p:cxnSp>
+      <p:sp>
+        <p:nvSpPr>
+          <p:cNvPr id="6" name="椭圆 5"/>
+          <p:cNvSpPr/>
+          <p:nvPr/>
+        </p:nvSpPr>
+        <p:spPr>
+          <a:xfrm>
+            <a:off x="646880" y="242192"/>
+            <a:ext cx="274777" cy="274777"/>
+          </a:xfrm>
+          <a:prstGeom prst="ellipse">
+            <a:avLst/>
+          </a:prstGeom>
+          <a:solidFill>
+            <a:srgbClr val="5380F7"/>
+          </a:solidFill>
+          <a:ln>
+            <a:noFill/>
+          </a:ln>
+          <a:effectLst>
+            <a:outerShdw blurRad="254000" dist="127000" dir="8100000" algn="tr" rotWithShape="0">
+              <a:prstClr val="black">
+                <a:alpha val="60000"/>
+              </a:prstClr>
+            </a:outerShdw>
+          </a:effectLst>
+        </p:spPr>
+        <p:style>
+          <a:lnRef idx="2">
+            <a:schemeClr val="accent1">
+              <a:shade val="50000"/>
+            </a:schemeClr>
+          </a:lnRef>
+          <a:fillRef idx="1">
+            <a:schemeClr val="accent1"/>
+          </a:fillRef>
+          <a:effectRef idx="0">
+            <a:schemeClr val="accent1"/>
+          </a:effectRef>
+          <a:fontRef idx="minor">
+            <a:schemeClr val="lt1"/>
+          </a:fontRef>
+        </p:style>
+        <p:txBody>
+          <a:bodyPr rtlCol="0" anchor="ctr"/>
+          <a:lstStyle/>
+          <a:p>
+            <a:pPr algn="ctr"/>
+            <a:endParaRPr lang="zh-CN" altLang="en-US"/>
+          </a:p>
+        </p:txBody>
+      </p:sp>
+      <p:sp>
+        <p:nvSpPr>
           <p:cNvPr id="3" name="灯片编号占位符 2"/>
           <p:cNvSpPr>
             <a:spLocks noGrp="1"/>
@@ -7425,7 +8821,6 @@
             <a:pPr algn="dist"/>
             <a:r>
               <a:rPr lang="zh-CN" altLang="en-US" sz="4800" b="1">
-                <a:ln/>
                 <a:solidFill>
                   <a:schemeClr val="accent1"/>
                 </a:solidFill>
@@ -7442,7 +8837,6 @@
               <a:t>感谢倾听！</a:t>
             </a:r>
             <a:endParaRPr lang="zh-CN" altLang="en-US" sz="4800" b="1">
-              <a:ln/>
               <a:solidFill>
                 <a:schemeClr val="accent1"/>
               </a:solidFill>
@@ -8884,7 +10278,7 @@
                 <a:latin typeface="微软雅黑" panose="020B0503020204020204" pitchFamily="34" charset="-122"/>
                 <a:ea typeface="微软雅黑" panose="020B0503020204020204" pitchFamily="34" charset="-122"/>
               </a:rPr>
-              <a:t>评估</a:t>
+              <a:t>融合</a:t>
             </a:r>
             <a:endParaRPr lang="zh-CN" altLang="en-US" dirty="0">
               <a:latin typeface="微软雅黑" panose="020B0503020204020204" pitchFamily="34" charset="-122"/>
@@ -8974,8 +10368,8 @@
         </p:nvSpPr>
         <p:spPr>
           <a:xfrm>
-            <a:off x="6848962" y="1127461"/>
-            <a:ext cx="1097280" cy="368300"/>
+            <a:off x="7048987" y="1127461"/>
+            <a:ext cx="640080" cy="368300"/>
           </a:xfrm>
           <a:prstGeom prst="rect">
             <a:avLst/>
@@ -8993,7 +10387,7 @@
                 <a:latin typeface="微软雅黑" panose="020B0503020204020204" pitchFamily="34" charset="-122"/>
                 <a:ea typeface="微软雅黑" panose="020B0503020204020204" pitchFamily="34" charset="-122"/>
               </a:rPr>
-              <a:t>研究结论</a:t>
+              <a:t>结论</a:t>
             </a:r>
             <a:endParaRPr lang="zh-CN" altLang="en-US" dirty="0">
               <a:latin typeface="微软雅黑" panose="020B0503020204020204" pitchFamily="34" charset="-122"/>
@@ -9080,7 +10474,7 @@
         <p:spPr bwMode="auto">
           <a:xfrm>
             <a:off x="1157605" y="1173480"/>
-            <a:ext cx="6828790" cy="3069590"/>
+            <a:ext cx="6828790" cy="2700655"/>
           </a:xfrm>
           <a:prstGeom prst="rect">
             <a:avLst/>
@@ -9146,7 +10540,47 @@
                 <a:ea typeface="微软雅黑" panose="020B0503020204020204" pitchFamily="34" charset="-122"/>
                 <a:sym typeface="微软雅黑" panose="020B0503020204020204" pitchFamily="34" charset="-122"/>
               </a:rPr>
-              <a:t>越来越多的虚拟现实应用程序使用全身化身来代表虚拟环境中的用户。为了完全控制这些虚拟化身，需要运动跟踪技术。然而，大多数全身跟踪解决方案价格昂贵，并且设置和使用起来通常很麻烦且耗时。另一方面，价格适中的深度相机易于安装，但大多数相机都无法完全跟踪用户的身体和手指，并且准确性有限。所以此次所读的论文中提出了一种结合多个深度相机的解决方案，以实现精确的全身运动跟踪，包括精确的手和手指跟踪。这为用户提供了使用自然手势在虚拟环境中进行交互的可能性。</a:t>
+              <a:t>越来越多的虚拟现实应用程序使用全身化身来代表虚拟环境中的用户。为了完全控制这些虚拟化身，需要运动跟踪技术。然而，大多数全身跟踪解决方案价格昂贵，并且设置和使用起来通常很麻烦且耗时。</a:t>
+            </a:r>
+            <a:r>
+              <a:rPr lang="zh-CN" sz="1600" dirty="0">
+                <a:solidFill>
+                  <a:schemeClr val="tx1">
+                    <a:lumMod val="85000"/>
+                    <a:lumOff val="15000"/>
+                  </a:schemeClr>
+                </a:solidFill>
+                <a:latin typeface="微软雅黑" panose="020B0503020204020204" pitchFamily="34" charset="-122"/>
+                <a:ea typeface="微软雅黑" panose="020B0503020204020204" pitchFamily="34" charset="-122"/>
+                <a:sym typeface="微软雅黑" panose="020B0503020204020204" pitchFamily="34" charset="-122"/>
+              </a:rPr>
+              <a:t>比如：</a:t>
+            </a:r>
+            <a:endParaRPr lang="zh-CN" sz="1600" dirty="0">
+              <a:solidFill>
+                <a:schemeClr val="tx1">
+                  <a:lumMod val="85000"/>
+                  <a:lumOff val="15000"/>
+                </a:schemeClr>
+              </a:solidFill>
+              <a:latin typeface="微软雅黑" panose="020B0503020204020204" pitchFamily="34" charset="-122"/>
+              <a:ea typeface="微软雅黑" panose="020B0503020204020204" pitchFamily="34" charset="-122"/>
+              <a:sym typeface="微软雅黑" panose="020B0503020204020204" pitchFamily="34" charset="-122"/>
+            </a:endParaRPr>
+          </a:p>
+          <a:p>
+            <a:pPr fontAlgn="auto">
+              <a:lnSpc>
+                <a:spcPct val="150000"/>
+              </a:lnSpc>
+            </a:pPr>
+            <a:r>
+              <a:rPr lang="zh-CN" altLang="en-US" sz="1600">
+                <a:latin typeface="微软雅黑" panose="020B0503020204020204" pitchFamily="34" charset="-122"/>
+                <a:ea typeface="微软雅黑" panose="020B0503020204020204" pitchFamily="34" charset="-122"/>
+                <a:sym typeface="+mn-ea"/>
+              </a:rPr>
+              <a:t>       头戴式显示（HMD）设备和手持式控制器主要用于头部和手部跟踪，但是仍然需要使用逆向运动学（IK）来计算人体运动。但是，当用户采取复杂的姿势或做出复杂的手势时，此方法没办法精准捕捉到这些动作。</a:t>
             </a:r>
             <a:endParaRPr sz="1600" dirty="0">
               <a:solidFill>
@@ -9734,7 +11168,7 @@
         <p:spPr>
           <a:xfrm>
             <a:off x="1076325" y="1102995"/>
-            <a:ext cx="6991350" cy="2722880"/>
+            <a:ext cx="6991350" cy="2353310"/>
           </a:xfrm>
           <a:prstGeom prst="rect">
             <a:avLst/>
@@ -9767,7 +11201,81 @@
                 <a:latin typeface="微软雅黑" panose="020B0503020204020204" pitchFamily="34" charset="-122"/>
                 <a:ea typeface="微软雅黑" panose="020B0503020204020204" pitchFamily="34" charset="-122"/>
               </a:rPr>
-              <a:t>头戴式显示（HMD）设备和手持式控制器主要用于头部和手部跟踪，但是仍然需要使用逆向运动学（IK）来计算人体运动。但是，当用户采取复杂的姿势或做出复杂的手势时，此方法有时会提供不现实的体验。 Microsoft Kinect v2是基于深度相机的运动捕获设备，可以检测用户的姿势并识别一系列手势。但是，单个Kinect v2存在遮挡问题，并且存在前后歧义错误。管基于Kinect的身体跟踪效果不错，但是手部跟踪还是不准确或不稳定的。因此，论文提出了两种改进跟踪质量的摄像机加权方法。</a:t>
+              <a:t>另一方面，</a:t>
+            </a:r>
+            <a:r>
+              <a:rPr sz="1600" dirty="0">
+                <a:solidFill>
+                  <a:schemeClr val="tx1">
+                    <a:lumMod val="85000"/>
+                    <a:lumOff val="15000"/>
+                  </a:schemeClr>
+                </a:solidFill>
+                <a:latin typeface="微软雅黑" panose="020B0503020204020204" pitchFamily="34" charset="-122"/>
+                <a:ea typeface="微软雅黑" panose="020B0503020204020204" pitchFamily="34" charset="-122"/>
+                <a:sym typeface="微软雅黑" panose="020B0503020204020204" pitchFamily="34" charset="-122"/>
+              </a:rPr>
+              <a:t>价格适中的深度相机易于安装，</a:t>
+            </a:r>
+            <a:r>
+              <a:rPr lang="zh-CN" sz="1600" dirty="0">
+                <a:solidFill>
+                  <a:schemeClr val="tx1">
+                    <a:lumMod val="85000"/>
+                    <a:lumOff val="15000"/>
+                  </a:schemeClr>
+                </a:solidFill>
+                <a:latin typeface="微软雅黑" panose="020B0503020204020204" pitchFamily="34" charset="-122"/>
+                <a:ea typeface="微软雅黑" panose="020B0503020204020204" pitchFamily="34" charset="-122"/>
+                <a:sym typeface="微软雅黑" panose="020B0503020204020204" pitchFamily="34" charset="-122"/>
+              </a:rPr>
+              <a:t>可以作为用于人体姿势或手势识别的昂贵且笨重的基于标记的运动捕捉系统的廉价替代品。</a:t>
+            </a:r>
+            <a:endParaRPr lang="zh-CN" sz="1600" dirty="0">
+              <a:solidFill>
+                <a:schemeClr val="tx1">
+                  <a:lumMod val="85000"/>
+                  <a:lumOff val="15000"/>
+                </a:schemeClr>
+              </a:solidFill>
+              <a:latin typeface="微软雅黑" panose="020B0503020204020204" pitchFamily="34" charset="-122"/>
+              <a:ea typeface="微软雅黑" panose="020B0503020204020204" pitchFamily="34" charset="-122"/>
+              <a:sym typeface="微软雅黑" panose="020B0503020204020204" pitchFamily="34" charset="-122"/>
+            </a:endParaRPr>
+          </a:p>
+          <a:p>
+            <a:pPr fontAlgn="auto">
+              <a:lnSpc>
+                <a:spcPct val="150000"/>
+              </a:lnSpc>
+            </a:pPr>
+            <a:r>
+              <a:rPr lang="zh-CN" sz="1600" dirty="0">
+                <a:solidFill>
+                  <a:schemeClr val="tx1">
+                    <a:lumMod val="85000"/>
+                    <a:lumOff val="15000"/>
+                  </a:schemeClr>
+                </a:solidFill>
+                <a:latin typeface="微软雅黑" panose="020B0503020204020204" pitchFamily="34" charset="-122"/>
+                <a:ea typeface="微软雅黑" panose="020B0503020204020204" pitchFamily="34" charset="-122"/>
+                <a:sym typeface="微软雅黑" panose="020B0503020204020204" pitchFamily="34" charset="-122"/>
+              </a:rPr>
+              <a:t>       </a:t>
+            </a:r>
+            <a:r>
+              <a:rPr sz="1600" dirty="0">
+                <a:solidFill>
+                  <a:schemeClr val="tx1">
+                    <a:lumMod val="85000"/>
+                    <a:lumOff val="15000"/>
+                  </a:schemeClr>
+                </a:solidFill>
+                <a:latin typeface="微软雅黑" panose="020B0503020204020204" pitchFamily="34" charset="-122"/>
+                <a:ea typeface="微软雅黑" panose="020B0503020204020204" pitchFamily="34" charset="-122"/>
+                <a:sym typeface="微软雅黑" panose="020B0503020204020204" pitchFamily="34" charset="-122"/>
+              </a:rPr>
+              <a:t>但大多数相机都无法完全跟踪用户的身体和手指，并且准确性有限。所以提出了一种结合多个深度相机的解决方案，以实现精确的全身运动跟踪，包括精确的手和手指跟踪。这为用户提供了使用自然手势在虚拟环境中进行交互的可能性。</a:t>
             </a:r>
             <a:endParaRPr lang="zh-CN" altLang="en-US" sz="1600">
               <a:latin typeface="微软雅黑" panose="020B0503020204020204" pitchFamily="34" charset="-122"/>
@@ -9899,6 +11407,42 @@
           <a:p>
             <a:pPr algn="ctr"/>
             <a:endParaRPr lang="zh-CN" altLang="en-US"/>
+          </a:p>
+        </p:txBody>
+      </p:sp>
+      <p:sp>
+        <p:nvSpPr>
+          <p:cNvPr id="35" name="TextBox 34"/>
+          <p:cNvSpPr txBox="1"/>
+          <p:nvPr/>
+        </p:nvSpPr>
+        <p:spPr>
+          <a:xfrm>
+            <a:off x="950595" y="180340"/>
+            <a:ext cx="1666240" cy="398780"/>
+          </a:xfrm>
+          <a:prstGeom prst="rect">
+            <a:avLst/>
+          </a:prstGeom>
+          <a:noFill/>
+        </p:spPr>
+        <p:txBody>
+          <a:bodyPr wrap="square" rtlCol="0">
+            <a:spAutoFit/>
+          </a:bodyPr>
+          <a:lstStyle/>
+          <a:p>
+            <a:r>
+              <a:rPr lang="zh-CN" altLang="en-US" sz="2000" spc="300" dirty="0">
+                <a:latin typeface="微软雅黑" panose="020B0503020204020204" pitchFamily="34" charset="-122"/>
+                <a:ea typeface="微软雅黑" panose="020B0503020204020204" pitchFamily="34" charset="-122"/>
+              </a:rPr>
+              <a:t>解决方案</a:t>
+            </a:r>
+            <a:endParaRPr lang="zh-CN" altLang="en-US" sz="2000" spc="300" dirty="0">
+              <a:latin typeface="微软雅黑" panose="020B0503020204020204" pitchFamily="34" charset="-122"/>
+              <a:ea typeface="微软雅黑" panose="020B0503020204020204" pitchFamily="34" charset="-122"/>
+            </a:endParaRPr>
           </a:p>
         </p:txBody>
       </p:sp>
@@ -10028,14 +11572,14 @@
       </p:sp>
       <p:sp>
         <p:nvSpPr>
-          <p:cNvPr id="2" name="TextBox 34"/>
+          <p:cNvPr id="4" name="文本框 3"/>
           <p:cNvSpPr txBox="1"/>
           <p:nvPr/>
         </p:nvSpPr>
         <p:spPr>
           <a:xfrm>
-            <a:off x="950595" y="180340"/>
-            <a:ext cx="4646295" cy="398780"/>
+            <a:off x="5755005" y="865505"/>
+            <a:ext cx="3037205" cy="3969385"/>
           </a:xfrm>
           <a:prstGeom prst="rect">
             <a:avLst/>
@@ -10047,344 +11591,118 @@
             <a:spAutoFit/>
           </a:bodyPr>
           <a:p>
-            <a:r>
-              <a:rPr lang="zh-CN" altLang="en-US" sz="2000" spc="300" dirty="0">
-                <a:latin typeface="微软雅黑" panose="020B0503020204020204" pitchFamily="34" charset="-122"/>
-                <a:ea typeface="微软雅黑" panose="020B0503020204020204" pitchFamily="34" charset="-122"/>
-              </a:rPr>
-              <a:t>改进跟踪质量的解决方案</a:t>
-            </a:r>
-            <a:endParaRPr lang="zh-CN" altLang="en-US" sz="2000" spc="300" dirty="0">
-              <a:latin typeface="微软雅黑" panose="020B0503020204020204" pitchFamily="34" charset="-122"/>
-              <a:ea typeface="微软雅黑" panose="020B0503020204020204" pitchFamily="34" charset="-122"/>
-            </a:endParaRPr>
-          </a:p>
-        </p:txBody>
-      </p:sp>
-      <p:sp>
-        <p:nvSpPr>
-          <p:cNvPr id="100" name="文本框 99"/>
-          <p:cNvSpPr txBox="1"/>
-          <p:nvPr/>
-        </p:nvSpPr>
-        <p:spPr>
-          <a:xfrm>
-            <a:off x="950595" y="732155"/>
-            <a:ext cx="7165975" cy="1814830"/>
-          </a:xfrm>
-          <a:prstGeom prst="rect">
-            <a:avLst/>
-          </a:prstGeom>
-          <a:noFill/>
-          <a:ln w="9525">
-            <a:noFill/>
-          </a:ln>
-        </p:spPr>
-        <p:txBody>
-          <a:bodyPr wrap="square">
-            <a:spAutoFit/>
-          </a:bodyPr>
-          <a:p>
-            <a:pPr indent="0"/>
-            <a:r>
-              <a:rPr lang="en-US" altLang="zh-CN" sz="1600">
-                <a:latin typeface="微软雅黑" panose="020B0503020204020204" pitchFamily="34" charset="-122"/>
-                <a:ea typeface="微软雅黑" panose="020B0503020204020204" pitchFamily="34" charset="-122"/>
-                <a:cs typeface="仿宋" panose="02010609060101010101" charset="-122"/>
-              </a:rPr>
-              <a:t>2.1 </a:t>
+            <a:pPr fontAlgn="auto">
+              <a:lnSpc>
+                <a:spcPct val="150000"/>
+              </a:lnSpc>
+            </a:pPr>
+            <a:r>
+              <a:rPr lang="en-US" altLang="zh-CN" sz="1400">
+                <a:latin typeface="微软雅黑" panose="020B0503020204020204" pitchFamily="34" charset="-122"/>
+                <a:ea typeface="微软雅黑" panose="020B0503020204020204" pitchFamily="34" charset="-122"/>
+                <a:cs typeface="微软雅黑" panose="020B0503020204020204" pitchFamily="34" charset="-122"/>
+              </a:rPr>
+              <a:t>      在身体跟踪方面，使用四个Kinect 来扩大跟踪区域。这四个Kinect安装在一个</a:t>
             </a:r>
             <a:r>
               <a:rPr lang="zh-CN" altLang="en-US" sz="1400">
                 <a:latin typeface="微软雅黑" panose="020B0503020204020204" pitchFamily="34" charset="-122"/>
                 <a:ea typeface="微软雅黑" panose="020B0503020204020204" pitchFamily="34" charset="-122"/>
-                <a:cs typeface="仿宋" panose="02010609060101010101" charset="-122"/>
-              </a:rPr>
-              <a:t>校准</a:t>
+                <a:cs typeface="微软雅黑" panose="020B0503020204020204" pitchFamily="34" charset="-122"/>
+              </a:rPr>
+              <a:t>边长为</a:t>
+            </a:r>
+            <a:r>
+              <a:rPr lang="en-US" altLang="zh-CN" sz="1400">
+                <a:latin typeface="微软雅黑" panose="020B0503020204020204" pitchFamily="34" charset="-122"/>
+                <a:ea typeface="微软雅黑" panose="020B0503020204020204" pitchFamily="34" charset="-122"/>
+                <a:cs typeface="微软雅黑" panose="020B0503020204020204" pitchFamily="34" charset="-122"/>
+              </a:rPr>
+              <a:t>3.2</a:t>
+            </a:r>
+            <a:r>
+              <a:rPr lang="zh-CN" altLang="en-US" sz="1400">
+                <a:latin typeface="微软雅黑" panose="020B0503020204020204" pitchFamily="34" charset="-122"/>
+                <a:ea typeface="微软雅黑" panose="020B0503020204020204" pitchFamily="34" charset="-122"/>
+                <a:cs typeface="微软雅黑" panose="020B0503020204020204" pitchFamily="34" charset="-122"/>
+              </a:rPr>
+              <a:t>米</a:t>
+            </a:r>
+            <a:r>
+              <a:rPr lang="en-US" altLang="zh-CN" sz="1400">
+                <a:latin typeface="微软雅黑" panose="020B0503020204020204" pitchFamily="34" charset="-122"/>
+                <a:ea typeface="微软雅黑" panose="020B0503020204020204" pitchFamily="34" charset="-122"/>
+                <a:cs typeface="微软雅黑" panose="020B0503020204020204" pitchFamily="34" charset="-122"/>
+              </a:rPr>
+              <a:t>的正方形四角的三脚架上。由于HMD和Kinect之间的干扰问题，将每个Kinect的高度从1.7米调整到1.2米，以避免用户环顾四周时HMD直接面对Kinect的问题。在同一跟踪区域安装了HTC Vive Pro系统，旁边放置了两个灯塔</a:t>
+            </a:r>
+            <a:r>
+              <a:rPr lang="zh-CN" altLang="en-US" sz="1400">
+                <a:latin typeface="微软雅黑" panose="020B0503020204020204" pitchFamily="34" charset="-122"/>
+                <a:ea typeface="微软雅黑" panose="020B0503020204020204" pitchFamily="34" charset="-122"/>
+                <a:cs typeface="微软雅黑" panose="020B0503020204020204" pitchFamily="34" charset="-122"/>
+              </a:rPr>
+              <a:t>。</a:t>
+            </a:r>
+            <a:r>
+              <a:rPr lang="en-US" altLang="zh-CN" sz="1400">
+                <a:latin typeface="微软雅黑" panose="020B0503020204020204" pitchFamily="34" charset="-122"/>
+                <a:ea typeface="微软雅黑" panose="020B0503020204020204" pitchFamily="34" charset="-122"/>
+                <a:cs typeface="微软雅黑" panose="020B0503020204020204" pitchFamily="34" charset="-122"/>
+              </a:rPr>
+              <a:t>Leap Motion是附加在HMD的中心，</a:t>
+            </a:r>
+            <a:r>
+              <a:rPr lang="zh-CN" altLang="en-US" sz="1400">
+                <a:latin typeface="微软雅黑" panose="020B0503020204020204" pitchFamily="34" charset="-122"/>
+                <a:ea typeface="微软雅黑" panose="020B0503020204020204" pitchFamily="34" charset="-122"/>
+                <a:cs typeface="微软雅黑" panose="020B0503020204020204" pitchFamily="34" charset="-122"/>
+              </a:rPr>
+              <a:t>用来捕捉</a:t>
+            </a:r>
+            <a:r>
+              <a:rPr lang="en-US" altLang="zh-CN" sz="1400">
+                <a:latin typeface="微软雅黑" panose="020B0503020204020204" pitchFamily="34" charset="-122"/>
+                <a:ea typeface="微软雅黑" panose="020B0503020204020204" pitchFamily="34" charset="-122"/>
+                <a:cs typeface="微软雅黑" panose="020B0503020204020204" pitchFamily="34" charset="-122"/>
+              </a:rPr>
+              <a:t>手指的运动</a:t>
+            </a:r>
+            <a:r>
+              <a:rPr lang="zh-CN" altLang="en-US" sz="1400">
+                <a:latin typeface="微软雅黑" panose="020B0503020204020204" pitchFamily="34" charset="-122"/>
+                <a:ea typeface="微软雅黑" panose="020B0503020204020204" pitchFamily="34" charset="-122"/>
+                <a:cs typeface="微软雅黑" panose="020B0503020204020204" pitchFamily="34" charset="-122"/>
+              </a:rPr>
+              <a:t>。</a:t>
+            </a:r>
+            <a:r>
+              <a:rPr lang="en-US" altLang="zh-CN" sz="1400">
+                <a:latin typeface="微软雅黑" panose="020B0503020204020204" pitchFamily="34" charset="-122"/>
+                <a:ea typeface="微软雅黑" panose="020B0503020204020204" pitchFamily="34" charset="-122"/>
+                <a:cs typeface="微软雅黑" panose="020B0503020204020204" pitchFamily="34" charset="-122"/>
+              </a:rPr>
+              <a:t>    </a:t>
             </a:r>
             <a:endParaRPr lang="zh-CN" altLang="en-US" sz="1400">
               <a:latin typeface="微软雅黑" panose="020B0503020204020204" pitchFamily="34" charset="-122"/>
               <a:ea typeface="微软雅黑" panose="020B0503020204020204" pitchFamily="34" charset="-122"/>
-              <a:cs typeface="仿宋" panose="02010609060101010101" charset="-122"/>
-            </a:endParaRPr>
-          </a:p>
-          <a:p>
-            <a:pPr indent="0"/>
-            <a:r>
-              <a:rPr lang="zh-CN" altLang="en-US" sz="1600" b="0">
-                <a:latin typeface="微软雅黑" panose="020B0503020204020204" pitchFamily="34" charset="-122"/>
-                <a:ea typeface="微软雅黑" panose="020B0503020204020204" pitchFamily="34" charset="-122"/>
-                <a:cs typeface="仿宋" panose="02010609060101010101" charset="-122"/>
-              </a:rPr>
-              <a:t>       为了在四个</a:t>
-            </a:r>
-            <a:r>
-              <a:rPr lang="en-US" altLang="zh-CN" sz="1600" b="0">
-                <a:latin typeface="微软雅黑" panose="020B0503020204020204" pitchFamily="34" charset="-122"/>
-                <a:ea typeface="微软雅黑" panose="020B0503020204020204" pitchFamily="34" charset="-122"/>
-                <a:cs typeface="仿宋" panose="02010609060101010101" charset="-122"/>
-              </a:rPr>
-              <a:t>Kinect</a:t>
-            </a:r>
-            <a:r>
-              <a:rPr lang="zh-CN" altLang="en-US" sz="1600" b="0">
-                <a:latin typeface="微软雅黑" panose="020B0503020204020204" pitchFamily="34" charset="-122"/>
-                <a:ea typeface="微软雅黑" panose="020B0503020204020204" pitchFamily="34" charset="-122"/>
-                <a:cs typeface="仿宋" panose="02010609060101010101" charset="-122"/>
-              </a:rPr>
-              <a:t>和</a:t>
-            </a:r>
-            <a:r>
-              <a:rPr lang="en-US" altLang="zh-CN" sz="1600" b="0">
-                <a:latin typeface="微软雅黑" panose="020B0503020204020204" pitchFamily="34" charset="-122"/>
-                <a:ea typeface="微软雅黑" panose="020B0503020204020204" pitchFamily="34" charset="-122"/>
-                <a:cs typeface="仿宋" panose="02010609060101010101" charset="-122"/>
-              </a:rPr>
-              <a:t>Leap Motion</a:t>
-            </a:r>
-            <a:r>
-              <a:rPr lang="zh-CN" altLang="en-US" sz="1600" b="0">
-                <a:latin typeface="微软雅黑" panose="020B0503020204020204" pitchFamily="34" charset="-122"/>
-                <a:ea typeface="微软雅黑" panose="020B0503020204020204" pitchFamily="34" charset="-122"/>
-                <a:cs typeface="仿宋" panose="02010609060101010101" charset="-122"/>
-              </a:rPr>
-              <a:t>之间融合数据，必须执行校准过程以建立公共坐标系。使用棋盘格作为</a:t>
-            </a:r>
-            <a:r>
-              <a:rPr lang="en-US" altLang="zh-CN" sz="1600" b="0">
-                <a:latin typeface="微软雅黑" panose="020B0503020204020204" pitchFamily="34" charset="-122"/>
-                <a:ea typeface="微软雅黑" panose="020B0503020204020204" pitchFamily="34" charset="-122"/>
-                <a:cs typeface="仿宋" panose="02010609060101010101" charset="-122"/>
-              </a:rPr>
-              <a:t>Kinects</a:t>
-            </a:r>
-            <a:r>
-              <a:rPr lang="zh-CN" altLang="en-US" sz="1600" b="0">
-                <a:latin typeface="微软雅黑" panose="020B0503020204020204" pitchFamily="34" charset="-122"/>
-                <a:ea typeface="微软雅黑" panose="020B0503020204020204" pitchFamily="34" charset="-122"/>
-                <a:cs typeface="仿宋" panose="02010609060101010101" charset="-122"/>
-              </a:rPr>
-              <a:t>的世界坐标原点，将</a:t>
-            </a:r>
-            <a:r>
-              <a:rPr lang="en-US" altLang="zh-CN" sz="1600" b="0">
-                <a:latin typeface="微软雅黑" panose="020B0503020204020204" pitchFamily="34" charset="-122"/>
-                <a:ea typeface="微软雅黑" panose="020B0503020204020204" pitchFamily="34" charset="-122"/>
-                <a:cs typeface="仿宋" panose="02010609060101010101" charset="-122"/>
-              </a:rPr>
-              <a:t>Leap Motion</a:t>
-            </a:r>
-            <a:r>
-              <a:rPr lang="zh-CN" altLang="en-US" sz="1600" b="0">
-                <a:latin typeface="微软雅黑" panose="020B0503020204020204" pitchFamily="34" charset="-122"/>
-                <a:ea typeface="微软雅黑" panose="020B0503020204020204" pitchFamily="34" charset="-122"/>
-                <a:cs typeface="仿宋" panose="02010609060101010101" charset="-122"/>
-              </a:rPr>
-              <a:t>和</a:t>
-            </a:r>
-            <a:r>
-              <a:rPr lang="en-US" altLang="zh-CN" sz="1600" b="0">
-                <a:latin typeface="微软雅黑" panose="020B0503020204020204" pitchFamily="34" charset="-122"/>
-                <a:ea typeface="微软雅黑" panose="020B0503020204020204" pitchFamily="34" charset="-122"/>
-                <a:cs typeface="仿宋" panose="02010609060101010101" charset="-122"/>
-              </a:rPr>
-              <a:t>HTC Vive</a:t>
-            </a:r>
-            <a:r>
-              <a:rPr lang="zh-CN" altLang="en-US" sz="1600" b="0">
-                <a:latin typeface="微软雅黑" panose="020B0503020204020204" pitchFamily="34" charset="-122"/>
-                <a:ea typeface="微软雅黑" panose="020B0503020204020204" pitchFamily="34" charset="-122"/>
-                <a:cs typeface="仿宋" panose="02010609060101010101" charset="-122"/>
-              </a:rPr>
-              <a:t>系统之间的校准设置为</a:t>
-            </a:r>
-            <a:r>
-              <a:rPr lang="en-US" altLang="zh-CN" sz="1600" b="0">
-                <a:latin typeface="微软雅黑" panose="020B0503020204020204" pitchFamily="34" charset="-122"/>
-                <a:ea typeface="微软雅黑" panose="020B0503020204020204" pitchFamily="34" charset="-122"/>
-                <a:cs typeface="仿宋" panose="02010609060101010101" charset="-122"/>
-              </a:rPr>
-              <a:t>HMD</a:t>
-            </a:r>
-            <a:r>
-              <a:rPr lang="zh-CN" altLang="en-US" sz="1600" b="0">
-                <a:latin typeface="微软雅黑" panose="020B0503020204020204" pitchFamily="34" charset="-122"/>
-                <a:ea typeface="微软雅黑" panose="020B0503020204020204" pitchFamily="34" charset="-122"/>
-                <a:cs typeface="仿宋" panose="02010609060101010101" charset="-122"/>
-              </a:rPr>
-              <a:t>上的一个基准，并且按照官方指南的建议，将</a:t>
-            </a:r>
-            <a:r>
-              <a:rPr lang="en-US" altLang="zh-CN" sz="1600" b="0">
-                <a:latin typeface="微软雅黑" panose="020B0503020204020204" pitchFamily="34" charset="-122"/>
-                <a:ea typeface="微软雅黑" panose="020B0503020204020204" pitchFamily="34" charset="-122"/>
-                <a:cs typeface="仿宋" panose="02010609060101010101" charset="-122"/>
-              </a:rPr>
-              <a:t>Leap Motion</a:t>
-            </a:r>
-            <a:r>
-              <a:rPr lang="zh-CN" altLang="en-US" sz="1600" b="0">
-                <a:latin typeface="微软雅黑" panose="020B0503020204020204" pitchFamily="34" charset="-122"/>
-                <a:ea typeface="微软雅黑" panose="020B0503020204020204" pitchFamily="34" charset="-122"/>
-                <a:cs typeface="仿宋" panose="02010609060101010101" charset="-122"/>
-              </a:rPr>
-              <a:t>连接到</a:t>
-            </a:r>
-            <a:r>
-              <a:rPr lang="en-US" altLang="zh-CN" sz="1600" b="0">
-                <a:latin typeface="微软雅黑" panose="020B0503020204020204" pitchFamily="34" charset="-122"/>
-                <a:ea typeface="微软雅黑" panose="020B0503020204020204" pitchFamily="34" charset="-122"/>
-                <a:cs typeface="仿宋" panose="02010609060101010101" charset="-122"/>
-              </a:rPr>
-              <a:t>HMD</a:t>
-            </a:r>
-            <a:r>
-              <a:rPr lang="zh-CN" altLang="en-US" sz="1600" b="0">
-                <a:latin typeface="微软雅黑" panose="020B0503020204020204" pitchFamily="34" charset="-122"/>
-                <a:ea typeface="微软雅黑" panose="020B0503020204020204" pitchFamily="34" charset="-122"/>
-                <a:cs typeface="仿宋" panose="02010609060101010101" charset="-122"/>
-              </a:rPr>
-              <a:t>的中心。 首先使用棋盘格将每个</a:t>
-            </a:r>
-            <a:r>
-              <a:rPr lang="en-US" altLang="zh-CN" sz="1600" b="0">
-                <a:latin typeface="微软雅黑" panose="020B0503020204020204" pitchFamily="34" charset="-122"/>
-                <a:ea typeface="微软雅黑" panose="020B0503020204020204" pitchFamily="34" charset="-122"/>
-                <a:cs typeface="仿宋" panose="02010609060101010101" charset="-122"/>
-              </a:rPr>
-              <a:t>Kinect</a:t>
-            </a:r>
-            <a:r>
-              <a:rPr lang="zh-CN" altLang="en-US" sz="1600" b="0">
-                <a:latin typeface="微软雅黑" panose="020B0503020204020204" pitchFamily="34" charset="-122"/>
-                <a:ea typeface="微软雅黑" panose="020B0503020204020204" pitchFamily="34" charset="-122"/>
-                <a:cs typeface="仿宋" panose="02010609060101010101" charset="-122"/>
-              </a:rPr>
-              <a:t>的局部坐标转换为世界坐标，然后将计算的世界转换矩阵转换为</a:t>
-            </a:r>
-            <a:r>
-              <a:rPr lang="en-US" altLang="zh-CN" sz="1600" b="0">
-                <a:latin typeface="微软雅黑" panose="020B0503020204020204" pitchFamily="34" charset="-122"/>
-                <a:ea typeface="微软雅黑" panose="020B0503020204020204" pitchFamily="34" charset="-122"/>
-                <a:cs typeface="仿宋" panose="02010609060101010101" charset="-122"/>
-              </a:rPr>
-              <a:t>HMD</a:t>
-            </a:r>
-            <a:r>
-              <a:rPr lang="zh-CN" altLang="en-US" sz="1600" b="0">
-                <a:latin typeface="微软雅黑" panose="020B0503020204020204" pitchFamily="34" charset="-122"/>
-                <a:ea typeface="微软雅黑" panose="020B0503020204020204" pitchFamily="34" charset="-122"/>
-                <a:cs typeface="仿宋" panose="02010609060101010101" charset="-122"/>
-              </a:rPr>
-              <a:t>的</a:t>
-            </a:r>
-            <a:r>
-              <a:rPr lang="en-US" altLang="zh-CN" sz="1600" b="0">
-                <a:latin typeface="微软雅黑" panose="020B0503020204020204" pitchFamily="34" charset="-122"/>
-                <a:ea typeface="微软雅黑" panose="020B0503020204020204" pitchFamily="34" charset="-122"/>
-                <a:cs typeface="仿宋" panose="02010609060101010101" charset="-122"/>
-              </a:rPr>
-              <a:t>Vive</a:t>
-            </a:r>
-            <a:r>
-              <a:rPr lang="zh-CN" altLang="en-US" sz="1600" b="0">
-                <a:latin typeface="微软雅黑" panose="020B0503020204020204" pitchFamily="34" charset="-122"/>
-                <a:ea typeface="微软雅黑" panose="020B0503020204020204" pitchFamily="34" charset="-122"/>
-                <a:cs typeface="仿宋" panose="02010609060101010101" charset="-122"/>
-              </a:rPr>
-              <a:t>系统。坐标系转换管线按以下顺序进行：</a:t>
-            </a:r>
-            <a:r>
-              <a:rPr lang="en-US" altLang="zh-CN" sz="1600" b="0">
-                <a:latin typeface="微软雅黑" panose="020B0503020204020204" pitchFamily="34" charset="-122"/>
-                <a:ea typeface="微软雅黑" panose="020B0503020204020204" pitchFamily="34" charset="-122"/>
-                <a:cs typeface="仿宋" panose="02010609060101010101" charset="-122"/>
-              </a:rPr>
-              <a:t>Kinect</a:t>
-            </a:r>
-            <a:r>
-              <a:rPr lang="zh-CN" altLang="en-US" sz="1600" b="0">
-                <a:latin typeface="微软雅黑" panose="020B0503020204020204" pitchFamily="34" charset="-122"/>
-                <a:ea typeface="微软雅黑" panose="020B0503020204020204" pitchFamily="34" charset="-122"/>
-                <a:cs typeface="仿宋" panose="02010609060101010101" charset="-122"/>
-              </a:rPr>
-              <a:t>、棋盘格、</a:t>
-            </a:r>
-            <a:r>
-              <a:rPr lang="en-US" altLang="zh-CN" sz="1600" b="0">
-                <a:latin typeface="微软雅黑" panose="020B0503020204020204" pitchFamily="34" charset="-122"/>
-                <a:ea typeface="微软雅黑" panose="020B0503020204020204" pitchFamily="34" charset="-122"/>
-                <a:cs typeface="仿宋" panose="02010609060101010101" charset="-122"/>
-              </a:rPr>
-              <a:t>HTCVive</a:t>
-            </a:r>
-            <a:r>
-              <a:rPr lang="zh-CN" altLang="en-US" sz="1600" b="0">
-                <a:latin typeface="微软雅黑" panose="020B0503020204020204" pitchFamily="34" charset="-122"/>
-                <a:ea typeface="微软雅黑" panose="020B0503020204020204" pitchFamily="34" charset="-122"/>
-                <a:cs typeface="仿宋" panose="02010609060101010101" charset="-122"/>
-              </a:rPr>
-              <a:t>系统、</a:t>
-            </a:r>
-            <a:r>
-              <a:rPr lang="en-US" altLang="zh-CN" sz="1600" b="0">
-                <a:latin typeface="微软雅黑" panose="020B0503020204020204" pitchFamily="34" charset="-122"/>
-                <a:ea typeface="微软雅黑" panose="020B0503020204020204" pitchFamily="34" charset="-122"/>
-                <a:cs typeface="仿宋" panose="02010609060101010101" charset="-122"/>
-              </a:rPr>
-              <a:t>HMD</a:t>
-            </a:r>
-            <a:r>
-              <a:rPr lang="zh-CN" altLang="en-US" sz="1600" b="0">
-                <a:latin typeface="微软雅黑" panose="020B0503020204020204" pitchFamily="34" charset="-122"/>
-                <a:ea typeface="微软雅黑" panose="020B0503020204020204" pitchFamily="34" charset="-122"/>
-                <a:cs typeface="仿宋" panose="02010609060101010101" charset="-122"/>
-              </a:rPr>
-              <a:t>。</a:t>
-            </a:r>
-            <a:endParaRPr lang="zh-CN" altLang="en-US" sz="1600" b="0">
-              <a:latin typeface="微软雅黑" panose="020B0503020204020204" pitchFamily="34" charset="-122"/>
-              <a:ea typeface="微软雅黑" panose="020B0503020204020204" pitchFamily="34" charset="-122"/>
-              <a:cs typeface="仿宋" panose="02010609060101010101" charset="-122"/>
+              <a:cs typeface="微软雅黑" panose="020B0503020204020204" pitchFamily="34" charset="-122"/>
             </a:endParaRPr>
           </a:p>
         </p:txBody>
       </p:sp>
       <p:pic>
         <p:nvPicPr>
-          <p:cNvPr id="3" name="图片 -2147482623" descr="IMG_256"/>
+          <p:cNvPr id="2" name="图片 1"/>
           <p:cNvPicPr>
             <a:picLocks noChangeAspect="1"/>
           </p:cNvPicPr>
-          <p:nvPr/>
-        </p:nvPicPr>
-        <p:blipFill>
-          <a:blip r:embed="rId1"/>
-          <a:stretch>
-            <a:fillRect/>
-          </a:stretch>
-        </p:blipFill>
-        <p:spPr>
-          <a:xfrm>
-            <a:off x="1624013" y="2883853"/>
-            <a:ext cx="1971675" cy="1514475"/>
-          </a:xfrm>
-          <a:prstGeom prst="rect">
-            <a:avLst/>
-          </a:prstGeom>
-          <a:noFill/>
-          <a:ln w="9525">
-            <a:noFill/>
-          </a:ln>
-        </p:spPr>
-      </p:pic>
-      <p:pic>
-        <p:nvPicPr>
-          <p:cNvPr id="4" name="图片 -2147482622" descr="IMG_256"/>
-          <p:cNvPicPr>
-            <a:picLocks noChangeAspect="1"/>
-          </p:cNvPicPr>
-          <p:nvPr/>
+          <p:nvPr>
+            <p:custDataLst>
+              <p:tags r:id="rId1"/>
+            </p:custDataLst>
+          </p:nvPr>
         </p:nvPicPr>
         <p:blipFill>
           <a:blip r:embed="rId2"/>
@@ -10394,137 +11712,45 @@
         </p:blipFill>
         <p:spPr>
           <a:xfrm>
-            <a:off x="5237163" y="2883853"/>
-            <a:ext cx="1958975" cy="1519555"/>
+            <a:off x="647065" y="936625"/>
+            <a:ext cx="4671060" cy="3505200"/>
+          </a:xfrm>
+          <a:prstGeom prst="rect">
+            <a:avLst/>
+          </a:prstGeom>
+        </p:spPr>
+      </p:pic>
+      <p:sp>
+        <p:nvSpPr>
+          <p:cNvPr id="3" name="文本框 2"/>
+          <p:cNvSpPr txBox="1"/>
+          <p:nvPr/>
+        </p:nvSpPr>
+        <p:spPr>
+          <a:xfrm>
+            <a:off x="1367155" y="4528185"/>
+            <a:ext cx="3230880" cy="306705"/>
           </a:xfrm>
           <a:prstGeom prst="rect">
             <a:avLst/>
           </a:prstGeom>
           <a:noFill/>
-          <a:ln w="9525">
-            <a:noFill/>
-          </a:ln>
         </p:spPr>
-      </p:pic>
-      <p:sp>
-        <p:nvSpPr>
-          <p:cNvPr id="5" name="文本框 4"/>
-          <p:cNvSpPr txBox="1"/>
-          <p:nvPr/>
-        </p:nvSpPr>
-        <p:spPr>
-          <a:xfrm>
-            <a:off x="1590675" y="2546985"/>
-            <a:ext cx="2038985" cy="337185"/>
-          </a:xfrm>
-          <a:prstGeom prst="rect">
-            <a:avLst/>
-          </a:prstGeom>
-          <a:noFill/>
-          <a:ln w="9525">
-            <a:noFill/>
-          </a:ln>
-        </p:spPr>
-        <p:txBody>
-          <a:bodyPr wrap="square">
+        <p:txBody>
+          <a:bodyPr wrap="square" rtlCol="0">
             <a:spAutoFit/>
           </a:bodyPr>
           <a:p>
-            <a:pPr indent="0"/>
-            <a:r>
-              <a:rPr lang="en-US" altLang="zh-CN" sz="1600" b="0">
-                <a:latin typeface="微软雅黑" panose="020B0503020204020204" pitchFamily="34" charset="-122"/>
-                <a:ea typeface="微软雅黑" panose="020B0503020204020204" pitchFamily="34" charset="-122"/>
-                <a:cs typeface="仿宋_GB2312" charset="0"/>
-              </a:rPr>
-              <a:t> </a:t>
-            </a:r>
-            <a:r>
-              <a:rPr lang="zh-CN" altLang="en-US" sz="1600" b="0">
-                <a:latin typeface="微软雅黑" panose="020B0503020204020204" pitchFamily="34" charset="-122"/>
-                <a:ea typeface="微软雅黑" panose="020B0503020204020204" pitchFamily="34" charset="-122"/>
-                <a:cs typeface="仿宋_GB2312" charset="0"/>
-              </a:rPr>
-              <a:t>从</a:t>
-            </a:r>
-            <a:r>
-              <a:rPr lang="en-US" altLang="zh-CN" sz="1600" b="0">
-                <a:latin typeface="微软雅黑" panose="020B0503020204020204" pitchFamily="34" charset="-122"/>
-                <a:ea typeface="微软雅黑" panose="020B0503020204020204" pitchFamily="34" charset="-122"/>
-                <a:cs typeface="Times New Roman" panose="02020603050405020304" charset="0"/>
-              </a:rPr>
-              <a:t>Kinect</a:t>
-            </a:r>
-            <a:r>
-              <a:rPr lang="zh-CN" altLang="en-US" sz="1600" b="0">
-                <a:latin typeface="微软雅黑" panose="020B0503020204020204" pitchFamily="34" charset="-122"/>
-                <a:ea typeface="微软雅黑" panose="020B0503020204020204" pitchFamily="34" charset="-122"/>
-                <a:cs typeface="仿宋_GB2312" charset="0"/>
-              </a:rPr>
-              <a:t>到棋盘格</a:t>
-            </a:r>
-            <a:endParaRPr lang="zh-CN" altLang="en-US" sz="1600" b="0">
-              <a:latin typeface="微软雅黑" panose="020B0503020204020204" pitchFamily="34" charset="-122"/>
-              <a:ea typeface="微软雅黑" panose="020B0503020204020204" pitchFamily="34" charset="-122"/>
-              <a:cs typeface="仿宋_GB2312" charset="0"/>
-            </a:endParaRPr>
-          </a:p>
-        </p:txBody>
-      </p:sp>
-      <p:sp>
-        <p:nvSpPr>
-          <p:cNvPr id="9" name="文本框 8"/>
-          <p:cNvSpPr txBox="1"/>
-          <p:nvPr/>
-        </p:nvSpPr>
-        <p:spPr>
-          <a:xfrm>
-            <a:off x="5237480" y="2546985"/>
-            <a:ext cx="2079625" cy="337185"/>
-          </a:xfrm>
-          <a:prstGeom prst="rect">
-            <a:avLst/>
-          </a:prstGeom>
-          <a:noFill/>
-          <a:ln w="9525">
-            <a:noFill/>
-          </a:ln>
-        </p:spPr>
-        <p:txBody>
-          <a:bodyPr wrap="square">
-            <a:spAutoFit/>
-          </a:bodyPr>
-          <a:p>
-            <a:pPr indent="0"/>
-            <a:r>
-              <a:rPr lang="zh-CN" altLang="en-US" sz="1600" b="0">
-                <a:latin typeface="微软雅黑" panose="020B0503020204020204" pitchFamily="34" charset="-122"/>
-                <a:ea typeface="微软雅黑" panose="020B0503020204020204" pitchFamily="34" charset="-122"/>
-                <a:cs typeface="仿宋" panose="02010609060101010101" charset="-122"/>
-              </a:rPr>
-              <a:t>从棋盘到</a:t>
-            </a:r>
-            <a:r>
-              <a:rPr lang="en-US" altLang="zh-CN" sz="1600" b="0">
-                <a:latin typeface="微软雅黑" panose="020B0503020204020204" pitchFamily="34" charset="-122"/>
-                <a:ea typeface="微软雅黑" panose="020B0503020204020204" pitchFamily="34" charset="-122"/>
-                <a:cs typeface="仿宋" panose="02010609060101010101" charset="-122"/>
-              </a:rPr>
-              <a:t>Vive</a:t>
-            </a:r>
-            <a:r>
-              <a:rPr lang="zh-CN" altLang="en-US" sz="1600" b="0">
-                <a:latin typeface="微软雅黑" panose="020B0503020204020204" pitchFamily="34" charset="-122"/>
-                <a:ea typeface="微软雅黑" panose="020B0503020204020204" pitchFamily="34" charset="-122"/>
-                <a:cs typeface="仿宋" panose="02010609060101010101" charset="-122"/>
-              </a:rPr>
-              <a:t>系统</a:t>
-            </a:r>
-            <a:endParaRPr lang="zh-CN" altLang="en-US" sz="1600" b="0">
-              <a:latin typeface="微软雅黑" panose="020B0503020204020204" pitchFamily="34" charset="-122"/>
-              <a:ea typeface="微软雅黑" panose="020B0503020204020204" pitchFamily="34" charset="-122"/>
-              <a:cs typeface="仿宋" panose="02010609060101010101" charset="-122"/>
-            </a:endParaRPr>
+            <a:r>
+              <a:rPr lang="en-US" altLang="zh-CN" sz="1400">
+                <a:latin typeface="微软雅黑" panose="020B0503020204020204" pitchFamily="34" charset="-122"/>
+                <a:ea typeface="微软雅黑" panose="020B0503020204020204" pitchFamily="34" charset="-122"/>
+                <a:cs typeface="微软雅黑" panose="020B0503020204020204" pitchFamily="34" charset="-122"/>
+                <a:sym typeface="+mn-ea"/>
+              </a:rPr>
+              <a:t>用于VR用户的关节式全身跟踪系统</a:t>
+            </a:r>
+            <a:endParaRPr lang="zh-CN" altLang="en-US" sz="1400"/>
           </a:p>
         </p:txBody>
       </p:sp>
@@ -10542,6 +11768,7 @@
     </p:tnLst>
     <p:bldLst>
       <p:bldP spid="34" grpId="0" animBg="1"/>
+      <p:bldP spid="35" grpId="0"/>
     </p:bldLst>
   </p:timing>
 </p:sld>
@@ -10779,14 +12006,49 @@
       </p:sp>
       <p:sp>
         <p:nvSpPr>
+          <p:cNvPr id="2" name="TextBox 34"/>
+          <p:cNvSpPr txBox="1"/>
+          <p:nvPr/>
+        </p:nvSpPr>
+        <p:spPr>
+          <a:xfrm>
+            <a:off x="950595" y="180340"/>
+            <a:ext cx="4646295" cy="398780"/>
+          </a:xfrm>
+          <a:prstGeom prst="rect">
+            <a:avLst/>
+          </a:prstGeom>
+          <a:noFill/>
+        </p:spPr>
+        <p:txBody>
+          <a:bodyPr wrap="square" rtlCol="0">
+            <a:spAutoFit/>
+          </a:bodyPr>
+          <a:p>
+            <a:r>
+              <a:rPr lang="zh-CN" altLang="en-US" sz="2000" spc="300" dirty="0">
+                <a:latin typeface="微软雅黑" panose="020B0503020204020204" pitchFamily="34" charset="-122"/>
+                <a:ea typeface="微软雅黑" panose="020B0503020204020204" pitchFamily="34" charset="-122"/>
+              </a:rPr>
+              <a:t>解决方案</a:t>
+            </a:r>
+            <a:endParaRPr lang="zh-CN" altLang="en-US" sz="2000" spc="300" dirty="0">
+              <a:latin typeface="微软雅黑" panose="020B0503020204020204" pitchFamily="34" charset="-122"/>
+              <a:ea typeface="微软雅黑" panose="020B0503020204020204" pitchFamily="34" charset="-122"/>
+            </a:endParaRPr>
+          </a:p>
+        </p:txBody>
+      </p:sp>
+      <p:sp>
+        <p:nvSpPr>
           <p:cNvPr id="100" name="文本框 99"/>
           <p:cNvSpPr txBox="1"/>
           <p:nvPr/>
         </p:nvSpPr>
         <p:spPr>
           <a:xfrm>
-            <a:off x="1163955" y="2338070"/>
-            <a:ext cx="3348355" cy="337185"/>
+            <a:off x="950595" y="732155"/>
+            <a:ext cx="7165975" cy="1814830"/>
           </a:xfrm>
           <a:prstGeom prst="rect">
             <a:avLst/>
@@ -10803,69 +12065,280 @@
           <a:p>
             <a:pPr indent="0"/>
             <a:r>
-              <a:rPr sz="1600">
-                <a:latin typeface="微软雅黑" panose="020B0503020204020204" pitchFamily="34" charset="-122"/>
-                <a:ea typeface="微软雅黑" panose="020B0503020204020204" pitchFamily="34" charset="-122"/>
-                <a:sym typeface="+mn-ea"/>
-              </a:rPr>
-              <a:t>相机偏移校正</a:t>
-            </a:r>
-            <a:r>
-              <a:rPr lang="zh-CN" sz="1600">
-                <a:latin typeface="微软雅黑" panose="020B0503020204020204" pitchFamily="34" charset="-122"/>
-                <a:ea typeface="微软雅黑" panose="020B0503020204020204" pitchFamily="34" charset="-122"/>
-                <a:sym typeface="+mn-ea"/>
-              </a:rPr>
-              <a:t>前后对比</a:t>
-            </a:r>
-            <a:endParaRPr lang="zh-CN" sz="1600">
+              <a:rPr lang="en-US" altLang="zh-CN" sz="1600">
+                <a:latin typeface="微软雅黑" panose="020B0503020204020204" pitchFamily="34" charset="-122"/>
+                <a:ea typeface="微软雅黑" panose="020B0503020204020204" pitchFamily="34" charset="-122"/>
+                <a:cs typeface="仿宋" panose="02010609060101010101" charset="-122"/>
+              </a:rPr>
+              <a:t>2.1 </a:t>
+            </a:r>
+            <a:r>
+              <a:rPr lang="zh-CN" altLang="en-US" sz="1400">
+                <a:latin typeface="微软雅黑" panose="020B0503020204020204" pitchFamily="34" charset="-122"/>
+                <a:ea typeface="微软雅黑" panose="020B0503020204020204" pitchFamily="34" charset="-122"/>
+                <a:cs typeface="仿宋" panose="02010609060101010101" charset="-122"/>
+              </a:rPr>
+              <a:t>校准</a:t>
+            </a:r>
+            <a:endParaRPr lang="zh-CN" altLang="en-US" sz="1400">
               <a:latin typeface="微软雅黑" panose="020B0503020204020204" pitchFamily="34" charset="-122"/>
               <a:ea typeface="微软雅黑" panose="020B0503020204020204" pitchFamily="34" charset="-122"/>
-              <a:sym typeface="+mn-ea"/>
+              <a:cs typeface="仿宋" panose="02010609060101010101" charset="-122"/>
             </a:endParaRPr>
           </a:p>
-        </p:txBody>
-      </p:sp>
-      <p:sp>
-        <p:nvSpPr>
-          <p:cNvPr id="2" name="文本框 1"/>
-          <p:cNvSpPr txBox="1"/>
-          <p:nvPr/>
-        </p:nvSpPr>
-        <p:spPr>
-          <a:xfrm>
-            <a:off x="922020" y="179705"/>
-            <a:ext cx="3590290" cy="398780"/>
-          </a:xfrm>
-          <a:prstGeom prst="rect">
-            <a:avLst/>
-          </a:prstGeom>
-          <a:noFill/>
-        </p:spPr>
-        <p:txBody>
-          <a:bodyPr wrap="square" rtlCol="0" anchor="t">
-            <a:spAutoFit/>
-          </a:bodyPr>
-          <a:p>
-            <a:r>
-              <a:rPr lang="zh-CN" altLang="en-US" sz="2000" spc="300" dirty="0">
-                <a:latin typeface="微软雅黑" panose="020B0503020204020204" pitchFamily="34" charset="-122"/>
-                <a:ea typeface="微软雅黑" panose="020B0503020204020204" pitchFamily="34" charset="-122"/>
-                <a:sym typeface="+mn-ea"/>
-              </a:rPr>
-              <a:t>改进跟踪质量的解决方案</a:t>
-            </a:r>
-            <a:endParaRPr lang="zh-CN" altLang="en-US" sz="2000" spc="300" dirty="0">
+          <a:p>
+            <a:pPr indent="0"/>
+            <a:r>
+              <a:rPr lang="zh-CN" altLang="en-US" sz="1600" b="0">
+                <a:latin typeface="微软雅黑" panose="020B0503020204020204" pitchFamily="34" charset="-122"/>
+                <a:ea typeface="微软雅黑" panose="020B0503020204020204" pitchFamily="34" charset="-122"/>
+                <a:cs typeface="仿宋" panose="02010609060101010101" charset="-122"/>
+              </a:rPr>
+              <a:t>       为了在四个</a:t>
+            </a:r>
+            <a:r>
+              <a:rPr lang="en-US" altLang="zh-CN" sz="1600" b="0">
+                <a:latin typeface="微软雅黑" panose="020B0503020204020204" pitchFamily="34" charset="-122"/>
+                <a:ea typeface="微软雅黑" panose="020B0503020204020204" pitchFamily="34" charset="-122"/>
+                <a:cs typeface="仿宋" panose="02010609060101010101" charset="-122"/>
+              </a:rPr>
+              <a:t>Kinect</a:t>
+            </a:r>
+            <a:r>
+              <a:rPr lang="zh-CN" altLang="en-US" sz="1600" b="0">
+                <a:latin typeface="微软雅黑" panose="020B0503020204020204" pitchFamily="34" charset="-122"/>
+                <a:ea typeface="微软雅黑" panose="020B0503020204020204" pitchFamily="34" charset="-122"/>
+                <a:cs typeface="仿宋" panose="02010609060101010101" charset="-122"/>
+              </a:rPr>
+              <a:t>和</a:t>
+            </a:r>
+            <a:r>
+              <a:rPr lang="en-US" altLang="zh-CN" sz="1600" b="0">
+                <a:latin typeface="微软雅黑" panose="020B0503020204020204" pitchFamily="34" charset="-122"/>
+                <a:ea typeface="微软雅黑" panose="020B0503020204020204" pitchFamily="34" charset="-122"/>
+                <a:cs typeface="仿宋" panose="02010609060101010101" charset="-122"/>
+              </a:rPr>
+              <a:t>Leap Motion</a:t>
+            </a:r>
+            <a:r>
+              <a:rPr lang="zh-CN" altLang="en-US" sz="1600" b="0">
+                <a:latin typeface="微软雅黑" panose="020B0503020204020204" pitchFamily="34" charset="-122"/>
+                <a:ea typeface="微软雅黑" panose="020B0503020204020204" pitchFamily="34" charset="-122"/>
+                <a:cs typeface="仿宋" panose="02010609060101010101" charset="-122"/>
+              </a:rPr>
+              <a:t>之间融合数据，必须执行校准过程以建立公共坐标系。使用棋盘格作为</a:t>
+            </a:r>
+            <a:r>
+              <a:rPr lang="en-US" altLang="zh-CN" sz="1600" b="0">
+                <a:latin typeface="微软雅黑" panose="020B0503020204020204" pitchFamily="34" charset="-122"/>
+                <a:ea typeface="微软雅黑" panose="020B0503020204020204" pitchFamily="34" charset="-122"/>
+                <a:cs typeface="仿宋" panose="02010609060101010101" charset="-122"/>
+              </a:rPr>
+              <a:t>Kinects</a:t>
+            </a:r>
+            <a:r>
+              <a:rPr lang="zh-CN" altLang="en-US" sz="1600" b="0">
+                <a:latin typeface="微软雅黑" panose="020B0503020204020204" pitchFamily="34" charset="-122"/>
+                <a:ea typeface="微软雅黑" panose="020B0503020204020204" pitchFamily="34" charset="-122"/>
+                <a:cs typeface="仿宋" panose="02010609060101010101" charset="-122"/>
+              </a:rPr>
+              <a:t>的世界坐标原点，将</a:t>
+            </a:r>
+            <a:r>
+              <a:rPr lang="en-US" altLang="zh-CN" sz="1600" b="0">
+                <a:latin typeface="微软雅黑" panose="020B0503020204020204" pitchFamily="34" charset="-122"/>
+                <a:ea typeface="微软雅黑" panose="020B0503020204020204" pitchFamily="34" charset="-122"/>
+                <a:cs typeface="仿宋" panose="02010609060101010101" charset="-122"/>
+              </a:rPr>
+              <a:t>Leap Motion</a:t>
+            </a:r>
+            <a:r>
+              <a:rPr lang="zh-CN" altLang="en-US" sz="1600" b="0">
+                <a:latin typeface="微软雅黑" panose="020B0503020204020204" pitchFamily="34" charset="-122"/>
+                <a:ea typeface="微软雅黑" panose="020B0503020204020204" pitchFamily="34" charset="-122"/>
+                <a:cs typeface="仿宋" panose="02010609060101010101" charset="-122"/>
+              </a:rPr>
+              <a:t>和</a:t>
+            </a:r>
+            <a:r>
+              <a:rPr lang="en-US" altLang="zh-CN" sz="1600" b="0">
+                <a:latin typeface="微软雅黑" panose="020B0503020204020204" pitchFamily="34" charset="-122"/>
+                <a:ea typeface="微软雅黑" panose="020B0503020204020204" pitchFamily="34" charset="-122"/>
+                <a:cs typeface="仿宋" panose="02010609060101010101" charset="-122"/>
+              </a:rPr>
+              <a:t>HTC Vive</a:t>
+            </a:r>
+            <a:r>
+              <a:rPr lang="zh-CN" altLang="en-US" sz="1600" b="0">
+                <a:latin typeface="微软雅黑" panose="020B0503020204020204" pitchFamily="34" charset="-122"/>
+                <a:ea typeface="微软雅黑" panose="020B0503020204020204" pitchFamily="34" charset="-122"/>
+                <a:cs typeface="仿宋" panose="02010609060101010101" charset="-122"/>
+              </a:rPr>
+              <a:t>系统之间的校准设置为</a:t>
+            </a:r>
+            <a:r>
+              <a:rPr lang="en-US" altLang="zh-CN" sz="1600" b="0">
+                <a:latin typeface="微软雅黑" panose="020B0503020204020204" pitchFamily="34" charset="-122"/>
+                <a:ea typeface="微软雅黑" panose="020B0503020204020204" pitchFamily="34" charset="-122"/>
+                <a:cs typeface="仿宋" panose="02010609060101010101" charset="-122"/>
+              </a:rPr>
+              <a:t>HMD</a:t>
+            </a:r>
+            <a:r>
+              <a:rPr lang="zh-CN" altLang="en-US" sz="1600" b="0">
+                <a:latin typeface="微软雅黑" panose="020B0503020204020204" pitchFamily="34" charset="-122"/>
+                <a:ea typeface="微软雅黑" panose="020B0503020204020204" pitchFamily="34" charset="-122"/>
+                <a:cs typeface="仿宋" panose="02010609060101010101" charset="-122"/>
+              </a:rPr>
+              <a:t>上的一个基准，并且将</a:t>
+            </a:r>
+            <a:r>
+              <a:rPr lang="en-US" altLang="zh-CN" sz="1600" b="0">
+                <a:latin typeface="微软雅黑" panose="020B0503020204020204" pitchFamily="34" charset="-122"/>
+                <a:ea typeface="微软雅黑" panose="020B0503020204020204" pitchFamily="34" charset="-122"/>
+                <a:cs typeface="仿宋" panose="02010609060101010101" charset="-122"/>
+              </a:rPr>
+              <a:t>Leap Motion</a:t>
+            </a:r>
+            <a:r>
+              <a:rPr lang="zh-CN" altLang="en-US" sz="1600" b="0">
+                <a:latin typeface="微软雅黑" panose="020B0503020204020204" pitchFamily="34" charset="-122"/>
+                <a:ea typeface="微软雅黑" panose="020B0503020204020204" pitchFamily="34" charset="-122"/>
+                <a:cs typeface="仿宋" panose="02010609060101010101" charset="-122"/>
+              </a:rPr>
+              <a:t>连接到</a:t>
+            </a:r>
+            <a:r>
+              <a:rPr lang="en-US" altLang="zh-CN" sz="1600" b="0">
+                <a:latin typeface="微软雅黑" panose="020B0503020204020204" pitchFamily="34" charset="-122"/>
+                <a:ea typeface="微软雅黑" panose="020B0503020204020204" pitchFamily="34" charset="-122"/>
+                <a:cs typeface="仿宋" panose="02010609060101010101" charset="-122"/>
+              </a:rPr>
+              <a:t>HMD</a:t>
+            </a:r>
+            <a:r>
+              <a:rPr lang="zh-CN" altLang="en-US" sz="1600" b="0">
+                <a:latin typeface="微软雅黑" panose="020B0503020204020204" pitchFamily="34" charset="-122"/>
+                <a:ea typeface="微软雅黑" panose="020B0503020204020204" pitchFamily="34" charset="-122"/>
+                <a:cs typeface="仿宋" panose="02010609060101010101" charset="-122"/>
+              </a:rPr>
+              <a:t>的中心。首先使用棋盘格将每个</a:t>
+            </a:r>
+            <a:r>
+              <a:rPr lang="en-US" altLang="zh-CN" sz="1600" b="0">
+                <a:latin typeface="微软雅黑" panose="020B0503020204020204" pitchFamily="34" charset="-122"/>
+                <a:ea typeface="微软雅黑" panose="020B0503020204020204" pitchFamily="34" charset="-122"/>
+                <a:cs typeface="仿宋" panose="02010609060101010101" charset="-122"/>
+              </a:rPr>
+              <a:t>Kinect</a:t>
+            </a:r>
+            <a:r>
+              <a:rPr lang="zh-CN" altLang="en-US" sz="1600" b="0">
+                <a:latin typeface="微软雅黑" panose="020B0503020204020204" pitchFamily="34" charset="-122"/>
+                <a:ea typeface="微软雅黑" panose="020B0503020204020204" pitchFamily="34" charset="-122"/>
+                <a:cs typeface="仿宋" panose="02010609060101010101" charset="-122"/>
+              </a:rPr>
+              <a:t>的局部坐标转换为世界坐标，然后将计算的世界转换矩阵转换为</a:t>
+            </a:r>
+            <a:r>
+              <a:rPr lang="en-US" altLang="zh-CN" sz="1600" b="0">
+                <a:latin typeface="微软雅黑" panose="020B0503020204020204" pitchFamily="34" charset="-122"/>
+                <a:ea typeface="微软雅黑" panose="020B0503020204020204" pitchFamily="34" charset="-122"/>
+                <a:cs typeface="仿宋" panose="02010609060101010101" charset="-122"/>
+              </a:rPr>
+              <a:t>HMD</a:t>
+            </a:r>
+            <a:r>
+              <a:rPr lang="zh-CN" altLang="en-US" sz="1600" b="0">
+                <a:latin typeface="微软雅黑" panose="020B0503020204020204" pitchFamily="34" charset="-122"/>
+                <a:ea typeface="微软雅黑" panose="020B0503020204020204" pitchFamily="34" charset="-122"/>
+                <a:cs typeface="仿宋" panose="02010609060101010101" charset="-122"/>
+              </a:rPr>
+              <a:t>的</a:t>
+            </a:r>
+            <a:r>
+              <a:rPr lang="en-US" altLang="zh-CN" sz="1600" b="0">
+                <a:latin typeface="微软雅黑" panose="020B0503020204020204" pitchFamily="34" charset="-122"/>
+                <a:ea typeface="微软雅黑" panose="020B0503020204020204" pitchFamily="34" charset="-122"/>
+                <a:cs typeface="仿宋" panose="02010609060101010101" charset="-122"/>
+              </a:rPr>
+              <a:t>Vive</a:t>
+            </a:r>
+            <a:r>
+              <a:rPr lang="zh-CN" altLang="en-US" sz="1600" b="0">
+                <a:latin typeface="微软雅黑" panose="020B0503020204020204" pitchFamily="34" charset="-122"/>
+                <a:ea typeface="微软雅黑" panose="020B0503020204020204" pitchFamily="34" charset="-122"/>
+                <a:cs typeface="仿宋" panose="02010609060101010101" charset="-122"/>
+              </a:rPr>
+              <a:t>系统。坐标系转换管线按以下顺序进行：</a:t>
+            </a:r>
+            <a:r>
+              <a:rPr lang="en-US" altLang="zh-CN" sz="1600" b="0">
+                <a:latin typeface="微软雅黑" panose="020B0503020204020204" pitchFamily="34" charset="-122"/>
+                <a:ea typeface="微软雅黑" panose="020B0503020204020204" pitchFamily="34" charset="-122"/>
+                <a:cs typeface="仿宋" panose="02010609060101010101" charset="-122"/>
+              </a:rPr>
+              <a:t>Kinect -&gt; </a:t>
+            </a:r>
+            <a:r>
+              <a:rPr lang="zh-CN" altLang="en-US" sz="1600" b="0">
+                <a:latin typeface="微软雅黑" panose="020B0503020204020204" pitchFamily="34" charset="-122"/>
+                <a:ea typeface="微软雅黑" panose="020B0503020204020204" pitchFamily="34" charset="-122"/>
+                <a:cs typeface="仿宋" panose="02010609060101010101" charset="-122"/>
+              </a:rPr>
+              <a:t>棋盘格 </a:t>
+            </a:r>
+            <a:r>
+              <a:rPr lang="en-US" altLang="zh-CN" sz="1600" b="0">
+                <a:latin typeface="微软雅黑" panose="020B0503020204020204" pitchFamily="34" charset="-122"/>
+                <a:ea typeface="微软雅黑" panose="020B0503020204020204" pitchFamily="34" charset="-122"/>
+                <a:cs typeface="仿宋" panose="02010609060101010101" charset="-122"/>
+              </a:rPr>
+              <a:t>-&gt; HTCVive</a:t>
+            </a:r>
+            <a:r>
+              <a:rPr lang="zh-CN" altLang="en-US" sz="1600" b="0">
+                <a:latin typeface="微软雅黑" panose="020B0503020204020204" pitchFamily="34" charset="-122"/>
+                <a:ea typeface="微软雅黑" panose="020B0503020204020204" pitchFamily="34" charset="-122"/>
+                <a:cs typeface="仿宋" panose="02010609060101010101" charset="-122"/>
+              </a:rPr>
+              <a:t>系统 </a:t>
+            </a:r>
+            <a:r>
+              <a:rPr lang="en-US" altLang="zh-CN" sz="1600" b="0">
+                <a:latin typeface="微软雅黑" panose="020B0503020204020204" pitchFamily="34" charset="-122"/>
+                <a:ea typeface="微软雅黑" panose="020B0503020204020204" pitchFamily="34" charset="-122"/>
+                <a:cs typeface="仿宋" panose="02010609060101010101" charset="-122"/>
+              </a:rPr>
+              <a:t>-&gt; </a:t>
+            </a:r>
+            <a:r>
+              <a:rPr lang="en-US" altLang="zh-CN" sz="1600" b="0">
+                <a:latin typeface="微软雅黑" panose="020B0503020204020204" pitchFamily="34" charset="-122"/>
+                <a:ea typeface="微软雅黑" panose="020B0503020204020204" pitchFamily="34" charset="-122"/>
+                <a:cs typeface="仿宋" panose="02010609060101010101" charset="-122"/>
+              </a:rPr>
+              <a:t>HMD</a:t>
+            </a:r>
+            <a:r>
+              <a:rPr lang="zh-CN" altLang="en-US" sz="1600" b="0">
+                <a:latin typeface="微软雅黑" panose="020B0503020204020204" pitchFamily="34" charset="-122"/>
+                <a:ea typeface="微软雅黑" panose="020B0503020204020204" pitchFamily="34" charset="-122"/>
+                <a:cs typeface="仿宋" panose="02010609060101010101" charset="-122"/>
+              </a:rPr>
+              <a:t>。</a:t>
+            </a:r>
+            <a:endParaRPr lang="zh-CN" altLang="en-US" sz="1600" b="0">
               <a:latin typeface="微软雅黑" panose="020B0503020204020204" pitchFamily="34" charset="-122"/>
               <a:ea typeface="微软雅黑" panose="020B0503020204020204" pitchFamily="34" charset="-122"/>
-              <a:sym typeface="+mn-ea"/>
+              <a:cs typeface="仿宋" panose="02010609060101010101" charset="-122"/>
             </a:endParaRPr>
           </a:p>
         </p:txBody>
       </p:sp>
       <p:pic>
         <p:nvPicPr>
-          <p:cNvPr id="3" name="图片 -2147482621" descr="IMG_256"/>
+          <p:cNvPr id="3" name="图片 -2147482623" descr="IMG_256"/>
           <p:cNvPicPr>
             <a:picLocks noChangeAspect="1"/>
           </p:cNvPicPr>
@@ -10879,8 +12352,8 @@
         </p:blipFill>
         <p:spPr>
           <a:xfrm>
-            <a:off x="1644650" y="2675255"/>
-            <a:ext cx="2145030" cy="1828800"/>
+            <a:off x="1436370" y="2884170"/>
+            <a:ext cx="2571115" cy="1975485"/>
           </a:xfrm>
           <a:prstGeom prst="rect">
             <a:avLst/>
@@ -10893,7 +12366,7 @@
       </p:pic>
       <p:pic>
         <p:nvPicPr>
-          <p:cNvPr id="4" name="图片 -2147482620" descr="IMG_256"/>
+          <p:cNvPr id="4" name="图片 -2147482622" descr="IMG_256"/>
           <p:cNvPicPr>
             <a:picLocks noChangeAspect="1"/>
           </p:cNvPicPr>
@@ -10907,8 +12380,8 @@
         </p:blipFill>
         <p:spPr>
           <a:xfrm>
-            <a:off x="5319395" y="2679700"/>
-            <a:ext cx="2125345" cy="1820545"/>
+            <a:off x="5192395" y="2891155"/>
+            <a:ext cx="2426970" cy="1883410"/>
           </a:xfrm>
           <a:prstGeom prst="rect">
             <a:avLst/>
@@ -10927,8 +12400,8 @@
         </p:nvSpPr>
         <p:spPr>
           <a:xfrm>
-            <a:off x="886460" y="769620"/>
-            <a:ext cx="7370445" cy="1568450"/>
+            <a:off x="1590675" y="2546985"/>
+            <a:ext cx="2038985" cy="337185"/>
           </a:xfrm>
           <a:prstGeom prst="rect">
             <a:avLst/>
@@ -10948,9 +12421,82 @@
               <a:rPr lang="en-US" altLang="zh-CN" sz="1600" b="0">
                 <a:latin typeface="微软雅黑" panose="020B0503020204020204" pitchFamily="34" charset="-122"/>
                 <a:ea typeface="微软雅黑" panose="020B0503020204020204" pitchFamily="34" charset="-122"/>
+                <a:cs typeface="仿宋_GB2312" charset="0"/>
+              </a:rPr>
+              <a:t> </a:t>
+            </a:r>
+            <a:r>
+              <a:rPr lang="zh-CN" altLang="en-US" sz="1600" b="0">
+                <a:latin typeface="微软雅黑" panose="020B0503020204020204" pitchFamily="34" charset="-122"/>
+                <a:ea typeface="微软雅黑" panose="020B0503020204020204" pitchFamily="34" charset="-122"/>
+                <a:cs typeface="仿宋_GB2312" charset="0"/>
+              </a:rPr>
+              <a:t>从</a:t>
+            </a:r>
+            <a:r>
+              <a:rPr lang="en-US" altLang="zh-CN" sz="1600" b="0">
+                <a:latin typeface="微软雅黑" panose="020B0503020204020204" pitchFamily="34" charset="-122"/>
+                <a:ea typeface="微软雅黑" panose="020B0503020204020204" pitchFamily="34" charset="-122"/>
+                <a:cs typeface="Times New Roman" panose="02020603050405020304" charset="0"/>
+              </a:rPr>
+              <a:t>Kinect</a:t>
+            </a:r>
+            <a:r>
+              <a:rPr lang="zh-CN" altLang="en-US" sz="1600" b="0">
+                <a:latin typeface="微软雅黑" panose="020B0503020204020204" pitchFamily="34" charset="-122"/>
+                <a:ea typeface="微软雅黑" panose="020B0503020204020204" pitchFamily="34" charset="-122"/>
+                <a:cs typeface="仿宋_GB2312" charset="0"/>
+              </a:rPr>
+              <a:t>到棋盘格</a:t>
+            </a:r>
+            <a:endParaRPr lang="zh-CN" altLang="en-US" sz="1600" b="0">
+              <a:latin typeface="微软雅黑" panose="020B0503020204020204" pitchFamily="34" charset="-122"/>
+              <a:ea typeface="微软雅黑" panose="020B0503020204020204" pitchFamily="34" charset="-122"/>
+              <a:cs typeface="仿宋_GB2312" charset="0"/>
+            </a:endParaRPr>
+          </a:p>
+        </p:txBody>
+      </p:sp>
+      <p:sp>
+        <p:nvSpPr>
+          <p:cNvPr id="9" name="文本框 8"/>
+          <p:cNvSpPr txBox="1"/>
+          <p:nvPr/>
+        </p:nvSpPr>
+        <p:spPr>
+          <a:xfrm>
+            <a:off x="5237480" y="2546985"/>
+            <a:ext cx="2079625" cy="337185"/>
+          </a:xfrm>
+          <a:prstGeom prst="rect">
+            <a:avLst/>
+          </a:prstGeom>
+          <a:noFill/>
+          <a:ln w="9525">
+            <a:noFill/>
+          </a:ln>
+        </p:spPr>
+        <p:txBody>
+          <a:bodyPr wrap="square">
+            <a:spAutoFit/>
+          </a:bodyPr>
+          <a:p>
+            <a:pPr indent="0"/>
+            <a:r>
+              <a:rPr lang="zh-CN" altLang="en-US" sz="1600" b="0">
+                <a:latin typeface="微软雅黑" panose="020B0503020204020204" pitchFamily="34" charset="-122"/>
+                <a:ea typeface="微软雅黑" panose="020B0503020204020204" pitchFamily="34" charset="-122"/>
                 <a:cs typeface="仿宋" panose="02010609060101010101" charset="-122"/>
               </a:rPr>
-              <a:t>       </a:t>
+              <a:t>从棋盘到</a:t>
+            </a:r>
+            <a:r>
+              <a:rPr lang="en-US" altLang="zh-CN" sz="1600" b="0">
+                <a:latin typeface="微软雅黑" panose="020B0503020204020204" pitchFamily="34" charset="-122"/>
+                <a:ea typeface="微软雅黑" panose="020B0503020204020204" pitchFamily="34" charset="-122"/>
+                <a:cs typeface="仿宋" panose="02010609060101010101" charset="-122"/>
+              </a:rPr>
+              <a:t>Vive</a:t>
             </a:r>
             <a:r>
               <a:rPr lang="zh-CN" altLang="en-US" sz="1600" b="0">
@@ -10958,39 +12504,7 @@
                 <a:ea typeface="微软雅黑" panose="020B0503020204020204" pitchFamily="34" charset="-122"/>
                 <a:cs typeface="仿宋" panose="02010609060101010101" charset="-122"/>
               </a:rPr>
-              <a:t>由于</a:t>
-            </a:r>
-            <a:r>
-              <a:rPr lang="en-US" altLang="zh-CN" sz="1600" b="0">
-                <a:latin typeface="微软雅黑" panose="020B0503020204020204" pitchFamily="34" charset="-122"/>
-                <a:ea typeface="微软雅黑" panose="020B0503020204020204" pitchFamily="34" charset="-122"/>
-                <a:cs typeface="仿宋" panose="02010609060101010101" charset="-122"/>
-              </a:rPr>
-              <a:t>Kinect</a:t>
-            </a:r>
-            <a:r>
-              <a:rPr lang="zh-CN" altLang="en-US" sz="1600" b="0">
-                <a:latin typeface="微软雅黑" panose="020B0503020204020204" pitchFamily="34" charset="-122"/>
-                <a:ea typeface="微软雅黑" panose="020B0503020204020204" pitchFamily="34" charset="-122"/>
-                <a:cs typeface="仿宋" panose="02010609060101010101" charset="-122"/>
-              </a:rPr>
-              <a:t>中的内置</a:t>
-            </a:r>
-            <a:r>
-              <a:rPr lang="en-US" altLang="zh-CN" sz="1600" b="0">
-                <a:latin typeface="微软雅黑" panose="020B0503020204020204" pitchFamily="34" charset="-122"/>
-                <a:ea typeface="微软雅黑" panose="020B0503020204020204" pitchFamily="34" charset="-122"/>
-                <a:cs typeface="仿宋" panose="02010609060101010101" charset="-122"/>
-              </a:rPr>
-              <a:t>RGB</a:t>
-            </a:r>
-            <a:r>
-              <a:rPr lang="zh-CN" altLang="en-US" sz="1600" b="0">
-                <a:latin typeface="微软雅黑" panose="020B0503020204020204" pitchFamily="34" charset="-122"/>
-                <a:ea typeface="微软雅黑" panose="020B0503020204020204" pitchFamily="34" charset="-122"/>
-                <a:cs typeface="仿宋" panose="02010609060101010101" charset="-122"/>
-              </a:rPr>
-              <a:t>和深度相机之间存在一定的物理距离，因此在校准其他设备之前，需要进行附加的校准以避免最终结果中的视差误差。否则，在扭曲点之间会有清晰可见的偏移。针对不同类型的坐标系保留了基于棋盘格的校准方法。为消除其他偏移量可能产生的影响，实施了附加的校准程序。为稳定每个Kinect的骨架数据，在将数据发送到服务器之前，使用了Microsoft推荐的双指数平滑来减少抖动和平滑。</a:t>
+              <a:t>系统</a:t>
             </a:r>
             <a:endParaRPr lang="zh-CN" altLang="en-US" sz="1600" b="0">
               <a:latin typeface="微软雅黑" panose="020B0503020204020204" pitchFamily="34" charset="-122"/>
@@ -11257,8 +12771,8 @@
         </p:nvSpPr>
         <p:spPr>
           <a:xfrm>
-            <a:off x="810260" y="1005205"/>
-            <a:ext cx="7371080" cy="1814830"/>
+            <a:off x="1163955" y="2338070"/>
+            <a:ext cx="3348355" cy="337185"/>
           </a:xfrm>
           <a:prstGeom prst="rect">
             <a:avLst/>
@@ -11273,139 +12787,27 @@
             <a:spAutoFit/>
           </a:bodyPr>
           <a:p>
-            <a:pPr indent="266700"/>
-            <a:r>
-              <a:rPr lang="en-US" altLang="zh-CN" sz="1600" b="0">
-                <a:latin typeface="微软雅黑" panose="020B0503020204020204" pitchFamily="34" charset="-122"/>
-                <a:ea typeface="微软雅黑" panose="020B0503020204020204" pitchFamily="34" charset="-122"/>
-                <a:cs typeface="宋体" panose="02010600030101010101" pitchFamily="2" charset="-122"/>
-              </a:rPr>
-              <a:t>  必须有稳定的朝向，才能为用户提供正确的视角。</a:t>
-            </a:r>
-            <a:r>
-              <a:rPr lang="zh-CN" altLang="en-US" sz="1600" b="0">
-                <a:latin typeface="微软雅黑" panose="020B0503020204020204" pitchFamily="34" charset="-122"/>
-                <a:ea typeface="微软雅黑" panose="020B0503020204020204" pitchFamily="34" charset="-122"/>
-                <a:cs typeface="宋体" panose="02010600030101010101" pitchFamily="2" charset="-122"/>
-              </a:rPr>
-              <a:t>在以前的工作中，当用户在跟踪区域中快速旋转时，面对的方向有时会突然翻转为相反的方向，如图所示。 这种交换可能会影响数据融合，因为它确定了调用</a:t>
-            </a:r>
-            <a:r>
-              <a:rPr lang="en-US" altLang="zh-CN" sz="1600" b="0">
-                <a:latin typeface="微软雅黑" panose="020B0503020204020204" pitchFamily="34" charset="-122"/>
-                <a:ea typeface="微软雅黑" panose="020B0503020204020204" pitchFamily="34" charset="-122"/>
-                <a:cs typeface="Calibri" panose="020F0502020204030204" charset="0"/>
-              </a:rPr>
-              <a:t>LRS</a:t>
-            </a:r>
-            <a:r>
-              <a:rPr lang="zh-CN" altLang="en-US" sz="1600" b="0">
-                <a:latin typeface="微软雅黑" panose="020B0503020204020204" pitchFamily="34" charset="-122"/>
-                <a:ea typeface="微软雅黑" panose="020B0503020204020204" pitchFamily="34" charset="-122"/>
-                <a:cs typeface="宋体" panose="02010600030101010101" pitchFamily="2" charset="-122"/>
-              </a:rPr>
-              <a:t>功能的时间，并且由于躯干方向与头部和四肢相反，因此控制化身可能会成为问题。为了解决这个问题，我们以</a:t>
-            </a:r>
-            <a:r>
-              <a:rPr lang="en-US" altLang="zh-CN" sz="1600" b="0">
-                <a:latin typeface="微软雅黑" panose="020B0503020204020204" pitchFamily="34" charset="-122"/>
-                <a:ea typeface="微软雅黑" panose="020B0503020204020204" pitchFamily="34" charset="-122"/>
-                <a:cs typeface="Calibri" panose="020F0502020204030204" charset="0"/>
-              </a:rPr>
-              <a:t>HMD</a:t>
-            </a:r>
-            <a:r>
-              <a:rPr lang="zh-CN" altLang="en-US" sz="1600" b="0">
-                <a:latin typeface="微软雅黑" panose="020B0503020204020204" pitchFamily="34" charset="-122"/>
-                <a:ea typeface="微软雅黑" panose="020B0503020204020204" pitchFamily="34" charset="-122"/>
-                <a:cs typeface="宋体" panose="02010600030101010101" pitchFamily="2" charset="-122"/>
-              </a:rPr>
-              <a:t>的方向为参考。 由于来自异类设备（</a:t>
-            </a:r>
-            <a:r>
-              <a:rPr lang="en-US" altLang="zh-CN" sz="1600" b="0">
-                <a:latin typeface="微软雅黑" panose="020B0503020204020204" pitchFamily="34" charset="-122"/>
-                <a:ea typeface="微软雅黑" panose="020B0503020204020204" pitchFamily="34" charset="-122"/>
-                <a:cs typeface="Calibri" panose="020F0502020204030204" charset="0"/>
-              </a:rPr>
-              <a:t>Kinect</a:t>
-            </a:r>
-            <a:r>
-              <a:rPr lang="zh-CN" altLang="en-US" sz="1600" b="0">
-                <a:latin typeface="微软雅黑" panose="020B0503020204020204" pitchFamily="34" charset="-122"/>
-                <a:ea typeface="微软雅黑" panose="020B0503020204020204" pitchFamily="34" charset="-122"/>
-                <a:cs typeface="宋体" panose="02010600030101010101" pitchFamily="2" charset="-122"/>
-              </a:rPr>
-              <a:t>，</a:t>
-            </a:r>
-            <a:r>
-              <a:rPr lang="en-US" altLang="zh-CN" sz="1600" b="0">
-                <a:latin typeface="微软雅黑" panose="020B0503020204020204" pitchFamily="34" charset="-122"/>
-                <a:ea typeface="微软雅黑" panose="020B0503020204020204" pitchFamily="34" charset="-122"/>
-                <a:cs typeface="Calibri" panose="020F0502020204030204" charset="0"/>
-              </a:rPr>
-              <a:t>Leap Motion</a:t>
-            </a:r>
-            <a:r>
-              <a:rPr lang="zh-CN" altLang="en-US" sz="1600" b="0">
-                <a:latin typeface="微软雅黑" panose="020B0503020204020204" pitchFamily="34" charset="-122"/>
-                <a:ea typeface="微软雅黑" panose="020B0503020204020204" pitchFamily="34" charset="-122"/>
-                <a:cs typeface="宋体" panose="02010600030101010101" pitchFamily="2" charset="-122"/>
-              </a:rPr>
-              <a:t>，</a:t>
-            </a:r>
-            <a:r>
-              <a:rPr lang="en-US" altLang="zh-CN" sz="1600" b="0">
-                <a:latin typeface="微软雅黑" panose="020B0503020204020204" pitchFamily="34" charset="-122"/>
-                <a:ea typeface="微软雅黑" panose="020B0503020204020204" pitchFamily="34" charset="-122"/>
-                <a:cs typeface="Calibri" panose="020F0502020204030204" charset="0"/>
-              </a:rPr>
-              <a:t>Vive</a:t>
-            </a:r>
-            <a:r>
-              <a:rPr lang="zh-CN" altLang="en-US" sz="1600" b="0">
-                <a:latin typeface="微软雅黑" panose="020B0503020204020204" pitchFamily="34" charset="-122"/>
-                <a:ea typeface="微软雅黑" panose="020B0503020204020204" pitchFamily="34" charset="-122"/>
-                <a:cs typeface="宋体" panose="02010600030101010101" pitchFamily="2" charset="-122"/>
-              </a:rPr>
-              <a:t>）的所有局部坐标系都使用相同的世界坐标系进行了校准，因此我们可以通过组合</a:t>
-            </a:r>
-            <a:r>
-              <a:rPr lang="en-US" altLang="zh-CN" sz="1600" b="0">
-                <a:latin typeface="微软雅黑" panose="020B0503020204020204" pitchFamily="34" charset="-122"/>
-                <a:ea typeface="微软雅黑" panose="020B0503020204020204" pitchFamily="34" charset="-122"/>
-                <a:cs typeface="Calibri" panose="020F0502020204030204" charset="0"/>
-              </a:rPr>
-              <a:t>HMD</a:t>
-            </a:r>
-            <a:r>
-              <a:rPr lang="zh-CN" altLang="en-US" sz="1600" b="0">
-                <a:latin typeface="微软雅黑" panose="020B0503020204020204" pitchFamily="34" charset="-122"/>
-                <a:ea typeface="微软雅黑" panose="020B0503020204020204" pitchFamily="34" charset="-122"/>
-                <a:cs typeface="宋体" panose="02010600030101010101" pitchFamily="2" charset="-122"/>
-              </a:rPr>
-              <a:t>和多个</a:t>
-            </a:r>
-            <a:r>
-              <a:rPr lang="en-US" altLang="zh-CN" sz="1600" b="0">
-                <a:latin typeface="微软雅黑" panose="020B0503020204020204" pitchFamily="34" charset="-122"/>
-                <a:ea typeface="微软雅黑" panose="020B0503020204020204" pitchFamily="34" charset="-122"/>
-                <a:cs typeface="Calibri" panose="020F0502020204030204" charset="0"/>
-              </a:rPr>
-              <a:t>Kinect</a:t>
-            </a:r>
-            <a:r>
-              <a:rPr lang="zh-CN" altLang="en-US" sz="1600" b="0">
-                <a:latin typeface="微软雅黑" panose="020B0503020204020204" pitchFamily="34" charset="-122"/>
-                <a:ea typeface="微软雅黑" panose="020B0503020204020204" pitchFamily="34" charset="-122"/>
-                <a:cs typeface="宋体" panose="02010600030101010101" pitchFamily="2" charset="-122"/>
-              </a:rPr>
-              <a:t>的方向值来调整朝向。</a:t>
-            </a:r>
-            <a:endParaRPr lang="zh-CN" altLang="en-US" sz="1600" b="0">
+            <a:pPr indent="0"/>
+            <a:r>
+              <a:rPr sz="1600">
+                <a:latin typeface="微软雅黑" panose="020B0503020204020204" pitchFamily="34" charset="-122"/>
+                <a:ea typeface="微软雅黑" panose="020B0503020204020204" pitchFamily="34" charset="-122"/>
+                <a:sym typeface="+mn-ea"/>
+              </a:rPr>
+              <a:t>相机偏移校正</a:t>
+            </a:r>
+            <a:r>
+              <a:rPr lang="zh-CN" sz="1600">
+                <a:latin typeface="微软雅黑" panose="020B0503020204020204" pitchFamily="34" charset="-122"/>
+                <a:ea typeface="微软雅黑" panose="020B0503020204020204" pitchFamily="34" charset="-122"/>
+                <a:sym typeface="+mn-ea"/>
+              </a:rPr>
+              <a:t>前后对比</a:t>
+            </a:r>
+            <a:endParaRPr lang="zh-CN" sz="1600">
               <a:latin typeface="微软雅黑" panose="020B0503020204020204" pitchFamily="34" charset="-122"/>
               <a:ea typeface="微软雅黑" panose="020B0503020204020204" pitchFamily="34" charset="-122"/>
-              <a:cs typeface="宋体" panose="02010600030101010101" pitchFamily="2" charset="-122"/>
+              <a:sym typeface="+mn-ea"/>
             </a:endParaRPr>
           </a:p>
         </p:txBody>
@@ -11418,50 +12820,38 @@
         </p:nvSpPr>
         <p:spPr>
           <a:xfrm>
-            <a:off x="922020" y="737235"/>
-            <a:ext cx="5080000" cy="337185"/>
+            <a:off x="922020" y="179705"/>
+            <a:ext cx="3590290" cy="398780"/>
           </a:xfrm>
           <a:prstGeom prst="rect">
             <a:avLst/>
           </a:prstGeom>
           <a:noFill/>
-          <a:ln w="9525">
-            <a:noFill/>
-          </a:ln>
         </p:spPr>
         <p:txBody>
-          <a:bodyPr>
+          <a:bodyPr wrap="square" rtlCol="0" anchor="t">
             <a:spAutoFit/>
           </a:bodyPr>
           <a:p>
-            <a:pPr indent="0"/>
-            <a:r>
-              <a:rPr lang="en-US" altLang="zh-CN" sz="1600" b="0">
-                <a:latin typeface="微软雅黑" panose="020B0503020204020204" pitchFamily="34" charset="-122"/>
-                <a:ea typeface="微软雅黑" panose="020B0503020204020204" pitchFamily="34" charset="-122"/>
-                <a:cs typeface="宋体" panose="02010600030101010101" pitchFamily="2" charset="-122"/>
-              </a:rPr>
-              <a:t>2.2 </a:t>
-            </a:r>
-            <a:r>
-              <a:rPr lang="zh-CN" altLang="en-US" sz="1600" b="0">
-                <a:latin typeface="微软雅黑" panose="020B0503020204020204" pitchFamily="34" charset="-122"/>
-                <a:ea typeface="微软雅黑" panose="020B0503020204020204" pitchFamily="34" charset="-122"/>
-                <a:cs typeface="宋体" panose="02010600030101010101" pitchFamily="2" charset="-122"/>
-              </a:rPr>
-              <a:t>精炼方向</a:t>
-            </a:r>
-            <a:endParaRPr lang="zh-CN" altLang="en-US" sz="1600" b="0">
+            <a:r>
+              <a:rPr lang="zh-CN" altLang="en-US" sz="2000" spc="300" dirty="0">
+                <a:latin typeface="微软雅黑" panose="020B0503020204020204" pitchFamily="34" charset="-122"/>
+                <a:ea typeface="微软雅黑" panose="020B0503020204020204" pitchFamily="34" charset="-122"/>
+                <a:sym typeface="+mn-ea"/>
+              </a:rPr>
+              <a:t>解决方案</a:t>
+            </a:r>
+            <a:endParaRPr lang="zh-CN" altLang="en-US" sz="2000" spc="300" dirty="0">
               <a:latin typeface="微软雅黑" panose="020B0503020204020204" pitchFamily="34" charset="-122"/>
               <a:ea typeface="微软雅黑" panose="020B0503020204020204" pitchFamily="34" charset="-122"/>
-              <a:cs typeface="宋体" panose="02010600030101010101" pitchFamily="2" charset="-122"/>
+              <a:sym typeface="+mn-ea"/>
             </a:endParaRPr>
           </a:p>
         </p:txBody>
       </p:sp>
       <p:pic>
         <p:nvPicPr>
-          <p:cNvPr id="3" name="图片 2"/>
+          <p:cNvPr id="3" name="图片 -2147482621" descr="IMG_256"/>
           <p:cNvPicPr>
             <a:picLocks noChangeAspect="1"/>
           </p:cNvPicPr>
@@ -11475,69 +12865,132 @@
         </p:blipFill>
         <p:spPr>
           <a:xfrm>
-            <a:off x="2429510" y="3033395"/>
-            <a:ext cx="3820795" cy="1529715"/>
-          </a:xfrm>
-          <a:prstGeom prst="rect">
-            <a:avLst/>
-          </a:prstGeom>
-        </p:spPr>
-      </p:pic>
-      <p:sp>
-        <p:nvSpPr>
-          <p:cNvPr id="5" name="文本框 4"/>
-          <p:cNvSpPr txBox="1"/>
-          <p:nvPr/>
-        </p:nvSpPr>
-        <p:spPr>
-          <a:xfrm>
-            <a:off x="6250305" y="3200400"/>
-            <a:ext cx="459740" cy="1005840"/>
+            <a:off x="1683385" y="2797810"/>
+            <a:ext cx="2310130" cy="1969770"/>
           </a:xfrm>
           <a:prstGeom prst="rect">
             <a:avLst/>
           </a:prstGeom>
           <a:noFill/>
+          <a:ln w="9525">
+            <a:noFill/>
+          </a:ln>
         </p:spPr>
-        <p:txBody>
-          <a:bodyPr vert="eaVert" wrap="none" rtlCol="0">
-            <a:spAutoFit/>
-          </a:bodyPr>
-          <a:p>
-            <a:r>
-              <a:rPr lang="zh-CN" altLang="en-US"/>
-              <a:t>反转方向</a:t>
-            </a:r>
-            <a:endParaRPr lang="zh-CN" altLang="en-US"/>
-          </a:p>
-        </p:txBody>
-      </p:sp>
-      <p:sp>
-        <p:nvSpPr>
-          <p:cNvPr id="7" name="文本框 6"/>
-          <p:cNvSpPr txBox="1"/>
+      </p:pic>
+      <p:pic>
+        <p:nvPicPr>
+          <p:cNvPr id="4" name="图片 -2147482620" descr="IMG_256"/>
+          <p:cNvPicPr>
+            <a:picLocks noChangeAspect="1"/>
+          </p:cNvPicPr>
           <p:nvPr/>
-        </p:nvSpPr>
+        </p:nvPicPr>
+        <p:blipFill>
+          <a:blip r:embed="rId2"/>
+          <a:stretch>
+            <a:fillRect/>
+          </a:stretch>
+        </p:blipFill>
         <p:spPr>
           <a:xfrm>
-            <a:off x="1969770" y="3200400"/>
-            <a:ext cx="459740" cy="1005840"/>
+            <a:off x="5244465" y="2824480"/>
+            <a:ext cx="2296160" cy="1967230"/>
           </a:xfrm>
           <a:prstGeom prst="rect">
             <a:avLst/>
           </a:prstGeom>
           <a:noFill/>
+          <a:ln w="9525">
+            <a:noFill/>
+          </a:ln>
         </p:spPr>
-        <p:txBody>
-          <a:bodyPr vert="eaVert" wrap="none" rtlCol="0">
+      </p:pic>
+      <p:sp>
+        <p:nvSpPr>
+          <p:cNvPr id="5" name="文本框 4"/>
+          <p:cNvSpPr txBox="1"/>
+          <p:nvPr/>
+        </p:nvSpPr>
+        <p:spPr>
+          <a:xfrm>
+            <a:off x="886460" y="769620"/>
+            <a:ext cx="7370445" cy="1568450"/>
+          </a:xfrm>
+          <a:prstGeom prst="rect">
+            <a:avLst/>
+          </a:prstGeom>
+          <a:noFill/>
+          <a:ln w="9525">
+            <a:noFill/>
+          </a:ln>
+        </p:spPr>
+        <p:txBody>
+          <a:bodyPr wrap="square">
             <a:spAutoFit/>
           </a:bodyPr>
           <a:p>
-            <a:r>
-              <a:rPr lang="zh-CN" altLang="en-US"/>
-              <a:t>正确方向</a:t>
-            </a:r>
-            <a:endParaRPr lang="zh-CN" altLang="en-US"/>
+            <a:pPr indent="0"/>
+            <a:r>
+              <a:rPr lang="en-US" altLang="zh-CN" sz="1600" b="0">
+                <a:latin typeface="微软雅黑" panose="020B0503020204020204" pitchFamily="34" charset="-122"/>
+                <a:ea typeface="微软雅黑" panose="020B0503020204020204" pitchFamily="34" charset="-122"/>
+                <a:cs typeface="仿宋" panose="02010609060101010101" charset="-122"/>
+              </a:rPr>
+              <a:t>       </a:t>
+            </a:r>
+            <a:r>
+              <a:rPr lang="zh-CN" altLang="en-US" sz="1600" b="0">
+                <a:latin typeface="微软雅黑" panose="020B0503020204020204" pitchFamily="34" charset="-122"/>
+                <a:ea typeface="微软雅黑" panose="020B0503020204020204" pitchFamily="34" charset="-122"/>
+                <a:cs typeface="仿宋" panose="02010609060101010101" charset="-122"/>
+              </a:rPr>
+              <a:t>由于</a:t>
+            </a:r>
+            <a:r>
+              <a:rPr lang="en-US" altLang="zh-CN" sz="1600" b="0">
+                <a:latin typeface="微软雅黑" panose="020B0503020204020204" pitchFamily="34" charset="-122"/>
+                <a:ea typeface="微软雅黑" panose="020B0503020204020204" pitchFamily="34" charset="-122"/>
+                <a:cs typeface="仿宋" panose="02010609060101010101" charset="-122"/>
+              </a:rPr>
+              <a:t>Kinect</a:t>
+            </a:r>
+            <a:r>
+              <a:rPr lang="zh-CN" altLang="en-US" sz="1600" b="0">
+                <a:latin typeface="微软雅黑" panose="020B0503020204020204" pitchFamily="34" charset="-122"/>
+                <a:ea typeface="微软雅黑" panose="020B0503020204020204" pitchFamily="34" charset="-122"/>
+                <a:cs typeface="仿宋" panose="02010609060101010101" charset="-122"/>
+              </a:rPr>
+              <a:t>中的内置</a:t>
+            </a:r>
+            <a:r>
+              <a:rPr lang="en-US" altLang="zh-CN" sz="1600" b="0">
+                <a:latin typeface="微软雅黑" panose="020B0503020204020204" pitchFamily="34" charset="-122"/>
+                <a:ea typeface="微软雅黑" panose="020B0503020204020204" pitchFamily="34" charset="-122"/>
+                <a:cs typeface="仿宋" panose="02010609060101010101" charset="-122"/>
+              </a:rPr>
+              <a:t>RGB</a:t>
+            </a:r>
+            <a:r>
+              <a:rPr lang="zh-CN" altLang="en-US" sz="1600" b="0">
+                <a:latin typeface="微软雅黑" panose="020B0503020204020204" pitchFamily="34" charset="-122"/>
+                <a:ea typeface="微软雅黑" panose="020B0503020204020204" pitchFamily="34" charset="-122"/>
+                <a:cs typeface="仿宋" panose="02010609060101010101" charset="-122"/>
+              </a:rPr>
+              <a:t>和深度相机之间存在一定的物理距离，因此在校准其他设备之前，需要进行附加的校准以避免最终结果中的视差误差。让</a:t>
+            </a:r>
+            <a:r>
+              <a:rPr lang="zh-CN" altLang="en-US" sz="1600" b="0">
+                <a:latin typeface="微软雅黑" panose="020B0503020204020204" pitchFamily="34" charset="-122"/>
+                <a:ea typeface="微软雅黑" panose="020B0503020204020204" pitchFamily="34" charset="-122"/>
+                <a:cs typeface="仿宋" panose="02010609060101010101" charset="-122"/>
+              </a:rPr>
+              <a:t>参与者面对Kinect 1时站在跟踪区域的中心。然后使用用户躯干上的三个垂直关节位置，根据Kinect 1计算Kinect 2、3和4的校准矩阵之后，将关节对齐。一旦骨架数据被校准，融合后的骨架和Vive坐标系之间的转换矩阵就可以使用棋盘以相同的方式进行计算，以使多个Kinect的头部转换与HMD一致。</a:t>
+            </a:r>
+            <a:endParaRPr lang="zh-CN" altLang="en-US" sz="1600" b="0">
+              <a:latin typeface="微软雅黑" panose="020B0503020204020204" pitchFamily="34" charset="-122"/>
+              <a:ea typeface="微软雅黑" panose="020B0503020204020204" pitchFamily="34" charset="-122"/>
+              <a:cs typeface="仿宋" panose="02010609060101010101" charset="-122"/>
+            </a:endParaRPr>
           </a:p>
         </p:txBody>
       </p:sp>
@@ -11792,14 +13245,14 @@
       </p:sp>
       <p:sp>
         <p:nvSpPr>
-          <p:cNvPr id="2" name="文本框 1"/>
+          <p:cNvPr id="100" name="文本框 99"/>
           <p:cNvSpPr txBox="1"/>
           <p:nvPr/>
         </p:nvSpPr>
         <p:spPr>
           <a:xfrm>
-            <a:off x="922020" y="737235"/>
-            <a:ext cx="5080000" cy="337185"/>
+            <a:off x="810260" y="1005205"/>
+            <a:ext cx="7371080" cy="1814830"/>
           </a:xfrm>
           <a:prstGeom prst="rect">
             <a:avLst/>
@@ -11810,18 +13263,18 @@
           </a:ln>
         </p:spPr>
         <p:txBody>
-          <a:bodyPr>
+          <a:bodyPr wrap="square">
             <a:spAutoFit/>
           </a:bodyPr>
           <a:p>
-            <a:pPr indent="0"/>
+            <a:pPr indent="266700"/>
             <a:r>
               <a:rPr lang="en-US" altLang="zh-CN" sz="1600" b="0">
                 <a:latin typeface="微软雅黑" panose="020B0503020204020204" pitchFamily="34" charset="-122"/>
                 <a:ea typeface="微软雅黑" panose="020B0503020204020204" pitchFamily="34" charset="-122"/>
                 <a:cs typeface="宋体" panose="02010600030101010101" pitchFamily="2" charset="-122"/>
               </a:rPr>
-              <a:t>2.3 </a:t>
+              <a:t>  必须有稳定的朝向，才能为用户提供正确的视角。</a:t>
             </a:r>
             <a:r>
               <a:rPr lang="zh-CN" altLang="en-US" sz="1600" b="0">
@@ -11829,7 +13282,127 @@
                 <a:ea typeface="微软雅黑" panose="020B0503020204020204" pitchFamily="34" charset="-122"/>
                 <a:cs typeface="宋体" panose="02010600030101010101" pitchFamily="2" charset="-122"/>
               </a:rPr>
-              <a:t>数据融合  </a:t>
+              <a:t>在以前的工作中，当用户在跟踪区域中快速旋转时，面对的方向有时会突然翻转为相反的方向，如图所示。 这种交换可能会影响数据融合，因为它确定了调用左右交换方法（</a:t>
+            </a:r>
+            <a:r>
+              <a:rPr lang="en-US" altLang="zh-CN" sz="1600" b="0">
+                <a:latin typeface="微软雅黑" panose="020B0503020204020204" pitchFamily="34" charset="-122"/>
+                <a:ea typeface="微软雅黑" panose="020B0503020204020204" pitchFamily="34" charset="-122"/>
+                <a:cs typeface="Calibri" panose="020F0502020204030204" charset="0"/>
+              </a:rPr>
+              <a:t>LRS</a:t>
+            </a:r>
+            <a:r>
+              <a:rPr lang="zh-CN" altLang="en-US" sz="1600" b="0">
+                <a:latin typeface="微软雅黑" panose="020B0503020204020204" pitchFamily="34" charset="-122"/>
+                <a:ea typeface="微软雅黑" panose="020B0503020204020204" pitchFamily="34" charset="-122"/>
+                <a:cs typeface="Calibri" panose="020F0502020204030204" charset="0"/>
+              </a:rPr>
+              <a:t>）</a:t>
+            </a:r>
+            <a:r>
+              <a:rPr lang="zh-CN" altLang="en-US" sz="1600" b="0">
+                <a:latin typeface="微软雅黑" panose="020B0503020204020204" pitchFamily="34" charset="-122"/>
+                <a:ea typeface="微软雅黑" panose="020B0503020204020204" pitchFamily="34" charset="-122"/>
+                <a:cs typeface="宋体" panose="02010600030101010101" pitchFamily="2" charset="-122"/>
+              </a:rPr>
+              <a:t>的时间，并且由于躯干方向与头部和四肢相反，因此控制化身可能会成为问题。为了解决这个问题，以</a:t>
+            </a:r>
+            <a:r>
+              <a:rPr lang="en-US" altLang="zh-CN" sz="1600" b="0">
+                <a:latin typeface="微软雅黑" panose="020B0503020204020204" pitchFamily="34" charset="-122"/>
+                <a:ea typeface="微软雅黑" panose="020B0503020204020204" pitchFamily="34" charset="-122"/>
+                <a:cs typeface="Calibri" panose="020F0502020204030204" charset="0"/>
+              </a:rPr>
+              <a:t>HMD</a:t>
+            </a:r>
+            <a:r>
+              <a:rPr lang="zh-CN" altLang="en-US" sz="1600" b="0">
+                <a:latin typeface="微软雅黑" panose="020B0503020204020204" pitchFamily="34" charset="-122"/>
+                <a:ea typeface="微软雅黑" panose="020B0503020204020204" pitchFamily="34" charset="-122"/>
+                <a:cs typeface="宋体" panose="02010600030101010101" pitchFamily="2" charset="-122"/>
+              </a:rPr>
+              <a:t>的方向为参考，由于来自异类设备（</a:t>
+            </a:r>
+            <a:r>
+              <a:rPr lang="en-US" altLang="zh-CN" sz="1600" b="0">
+                <a:latin typeface="微软雅黑" panose="020B0503020204020204" pitchFamily="34" charset="-122"/>
+                <a:ea typeface="微软雅黑" panose="020B0503020204020204" pitchFamily="34" charset="-122"/>
+                <a:cs typeface="Calibri" panose="020F0502020204030204" charset="0"/>
+              </a:rPr>
+              <a:t>Kinect</a:t>
+            </a:r>
+            <a:r>
+              <a:rPr lang="zh-CN" altLang="en-US" sz="1600" b="0">
+                <a:latin typeface="微软雅黑" panose="020B0503020204020204" pitchFamily="34" charset="-122"/>
+                <a:ea typeface="微软雅黑" panose="020B0503020204020204" pitchFamily="34" charset="-122"/>
+                <a:cs typeface="宋体" panose="02010600030101010101" pitchFamily="2" charset="-122"/>
+              </a:rPr>
+              <a:t>，</a:t>
+            </a:r>
+            <a:r>
+              <a:rPr lang="en-US" altLang="zh-CN" sz="1600" b="0">
+                <a:latin typeface="微软雅黑" panose="020B0503020204020204" pitchFamily="34" charset="-122"/>
+                <a:ea typeface="微软雅黑" panose="020B0503020204020204" pitchFamily="34" charset="-122"/>
+                <a:cs typeface="Calibri" panose="020F0502020204030204" charset="0"/>
+              </a:rPr>
+              <a:t>Leap Motion</a:t>
+            </a:r>
+            <a:r>
+              <a:rPr lang="zh-CN" altLang="en-US" sz="1600" b="0">
+                <a:latin typeface="微软雅黑" panose="020B0503020204020204" pitchFamily="34" charset="-122"/>
+                <a:ea typeface="微软雅黑" panose="020B0503020204020204" pitchFamily="34" charset="-122"/>
+                <a:cs typeface="宋体" panose="02010600030101010101" pitchFamily="2" charset="-122"/>
+              </a:rPr>
+              <a:t>，</a:t>
+            </a:r>
+            <a:r>
+              <a:rPr lang="en-US" altLang="zh-CN" sz="1600" b="0">
+                <a:latin typeface="微软雅黑" panose="020B0503020204020204" pitchFamily="34" charset="-122"/>
+                <a:ea typeface="微软雅黑" panose="020B0503020204020204" pitchFamily="34" charset="-122"/>
+                <a:cs typeface="Calibri" panose="020F0502020204030204" charset="0"/>
+              </a:rPr>
+              <a:t>Vive</a:t>
+            </a:r>
+            <a:r>
+              <a:rPr lang="zh-CN" altLang="en-US" sz="1600" b="0">
+                <a:latin typeface="微软雅黑" panose="020B0503020204020204" pitchFamily="34" charset="-122"/>
+                <a:ea typeface="微软雅黑" panose="020B0503020204020204" pitchFamily="34" charset="-122"/>
+                <a:cs typeface="宋体" panose="02010600030101010101" pitchFamily="2" charset="-122"/>
+              </a:rPr>
+              <a:t>）的所有局部坐标系都使用相同的世界坐标系进行了校准，因此我们可以通过组合</a:t>
+            </a:r>
+            <a:r>
+              <a:rPr lang="en-US" altLang="zh-CN" sz="1600" b="0">
+                <a:latin typeface="微软雅黑" panose="020B0503020204020204" pitchFamily="34" charset="-122"/>
+                <a:ea typeface="微软雅黑" panose="020B0503020204020204" pitchFamily="34" charset="-122"/>
+                <a:cs typeface="Calibri" panose="020F0502020204030204" charset="0"/>
+              </a:rPr>
+              <a:t>HMD</a:t>
+            </a:r>
+            <a:r>
+              <a:rPr lang="zh-CN" altLang="en-US" sz="1600" b="0">
+                <a:latin typeface="微软雅黑" panose="020B0503020204020204" pitchFamily="34" charset="-122"/>
+                <a:ea typeface="微软雅黑" panose="020B0503020204020204" pitchFamily="34" charset="-122"/>
+                <a:cs typeface="宋体" panose="02010600030101010101" pitchFamily="2" charset="-122"/>
+              </a:rPr>
+              <a:t>和多个</a:t>
+            </a:r>
+            <a:r>
+              <a:rPr lang="en-US" altLang="zh-CN" sz="1600" b="0">
+                <a:latin typeface="微软雅黑" panose="020B0503020204020204" pitchFamily="34" charset="-122"/>
+                <a:ea typeface="微软雅黑" panose="020B0503020204020204" pitchFamily="34" charset="-122"/>
+                <a:cs typeface="Calibri" panose="020F0502020204030204" charset="0"/>
+              </a:rPr>
+              <a:t>Kinect</a:t>
+            </a:r>
+            <a:r>
+              <a:rPr lang="zh-CN" altLang="en-US" sz="1600" b="0">
+                <a:latin typeface="微软雅黑" panose="020B0503020204020204" pitchFamily="34" charset="-122"/>
+                <a:ea typeface="微软雅黑" panose="020B0503020204020204" pitchFamily="34" charset="-122"/>
+                <a:cs typeface="宋体" panose="02010600030101010101" pitchFamily="2" charset="-122"/>
+              </a:rPr>
+              <a:t>的方向值来调整朝向。</a:t>
             </a:r>
             <a:endParaRPr lang="zh-CN" altLang="en-US" sz="1600" b="0">
               <a:latin typeface="微软雅黑" panose="020B0503020204020204" pitchFamily="34" charset="-122"/>
@@ -11841,14 +13414,14 @@
       </p:sp>
       <p:sp>
         <p:nvSpPr>
-          <p:cNvPr id="100" name="文本框 99"/>
+          <p:cNvPr id="2" name="文本框 1"/>
           <p:cNvSpPr txBox="1"/>
           <p:nvPr/>
         </p:nvSpPr>
         <p:spPr>
           <a:xfrm>
-            <a:off x="757555" y="1174750"/>
-            <a:ext cx="7628890" cy="583565"/>
+            <a:off x="922020" y="737235"/>
+            <a:ext cx="5080000" cy="337185"/>
           </a:xfrm>
           <a:prstGeom prst="rect">
             <a:avLst/>
@@ -11859,225 +13432,38 @@
           </a:ln>
         </p:spPr>
         <p:txBody>
-          <a:bodyPr wrap="square">
+          <a:bodyPr>
             <a:spAutoFit/>
           </a:bodyPr>
           <a:p>
             <a:pPr indent="0"/>
             <a:r>
               <a:rPr lang="en-US" altLang="zh-CN" sz="1600" b="0">
-                <a:latin typeface="仿宋" panose="02010609060101010101" charset="-122"/>
-                <a:ea typeface="仿宋" panose="02010609060101010101" charset="-122"/>
-                <a:cs typeface="仿宋" panose="02010609060101010101" charset="-122"/>
-              </a:rPr>
-              <a:t>    </a:t>
+                <a:latin typeface="微软雅黑" panose="020B0503020204020204" pitchFamily="34" charset="-122"/>
+                <a:ea typeface="微软雅黑" panose="020B0503020204020204" pitchFamily="34" charset="-122"/>
+                <a:cs typeface="宋体" panose="02010600030101010101" pitchFamily="2" charset="-122"/>
+              </a:rPr>
+              <a:t>2.2 </a:t>
             </a:r>
             <a:r>
               <a:rPr lang="zh-CN" altLang="en-US" sz="1600" b="0">
                 <a:latin typeface="微软雅黑" panose="020B0503020204020204" pitchFamily="34" charset="-122"/>
                 <a:ea typeface="微软雅黑" panose="020B0503020204020204" pitchFamily="34" charset="-122"/>
-                <a:cs typeface="仿宋" panose="02010609060101010101" charset="-122"/>
-              </a:rPr>
-              <a:t>改进数据融合的加权因子：1、根据所跟踪的不同身体部位来计算摄像机重量分布；2、减轻用户后置摄像机的重量，以使好的跟踪装置（正视图）有较大的贡献</a:t>
+                <a:cs typeface="宋体" panose="02010600030101010101" pitchFamily="2" charset="-122"/>
+              </a:rPr>
+              <a:t>精炼方向</a:t>
             </a:r>
             <a:endParaRPr lang="zh-CN" altLang="en-US" sz="1600" b="0">
               <a:latin typeface="微软雅黑" panose="020B0503020204020204" pitchFamily="34" charset="-122"/>
               <a:ea typeface="微软雅黑" panose="020B0503020204020204" pitchFamily="34" charset="-122"/>
-              <a:cs typeface="仿宋" panose="02010609060101010101" charset="-122"/>
-            </a:endParaRPr>
-          </a:p>
-        </p:txBody>
-      </p:sp>
-      <p:sp>
-        <p:nvSpPr>
-          <p:cNvPr id="3" name="文本框 2"/>
-          <p:cNvSpPr txBox="1"/>
-          <p:nvPr/>
-        </p:nvSpPr>
-        <p:spPr>
-          <a:xfrm>
-            <a:off x="922020" y="1758315"/>
-            <a:ext cx="5080000" cy="306705"/>
-          </a:xfrm>
-          <a:prstGeom prst="rect">
-            <a:avLst/>
-          </a:prstGeom>
-          <a:noFill/>
-          <a:ln w="9525">
-            <a:noFill/>
-          </a:ln>
-        </p:spPr>
-        <p:txBody>
-          <a:bodyPr>
-            <a:spAutoFit/>
-          </a:bodyPr>
-          <a:p>
-            <a:pPr indent="0"/>
-            <a:r>
-              <a:rPr lang="zh-CN" altLang="en-US" sz="1400" b="0">
-                <a:latin typeface="微软雅黑" panose="020B0503020204020204" pitchFamily="34" charset="-122"/>
-                <a:ea typeface="微软雅黑" panose="020B0503020204020204" pitchFamily="34" charset="-122"/>
-                <a:cs typeface="仿宋" panose="02010609060101010101" charset="-122"/>
-              </a:rPr>
-              <a:t>方法</a:t>
-            </a:r>
-            <a:r>
-              <a:rPr lang="en-US" altLang="zh-CN" sz="1400" b="0">
-                <a:latin typeface="微软雅黑" panose="020B0503020204020204" pitchFamily="34" charset="-122"/>
-                <a:ea typeface="微软雅黑" panose="020B0503020204020204" pitchFamily="34" charset="-122"/>
-                <a:cs typeface="仿宋" panose="02010609060101010101" charset="-122"/>
-              </a:rPr>
-              <a:t>1</a:t>
-            </a:r>
-            <a:r>
-              <a:rPr lang="zh-CN" altLang="en-US" sz="1400" b="0">
-                <a:latin typeface="微软雅黑" panose="020B0503020204020204" pitchFamily="34" charset="-122"/>
-                <a:ea typeface="微软雅黑" panose="020B0503020204020204" pitchFamily="34" charset="-122"/>
-                <a:cs typeface="仿宋" panose="02010609060101010101" charset="-122"/>
-              </a:rPr>
-              <a:t>：子区域权重计算（</a:t>
-            </a:r>
-            <a:r>
-              <a:rPr lang="en-US" altLang="zh-CN" sz="1400" b="0">
-                <a:latin typeface="微软雅黑" panose="020B0503020204020204" pitchFamily="34" charset="-122"/>
-                <a:ea typeface="微软雅黑" panose="020B0503020204020204" pitchFamily="34" charset="-122"/>
-                <a:cs typeface="仿宋" panose="02010609060101010101" charset="-122"/>
-              </a:rPr>
-              <a:t>SWC</a:t>
-            </a:r>
-            <a:r>
-              <a:rPr lang="zh-CN" altLang="en-US" sz="1400" b="0">
-                <a:latin typeface="微软雅黑" panose="020B0503020204020204" pitchFamily="34" charset="-122"/>
-                <a:ea typeface="微软雅黑" panose="020B0503020204020204" pitchFamily="34" charset="-122"/>
-                <a:cs typeface="仿宋" panose="02010609060101010101" charset="-122"/>
-              </a:rPr>
-              <a:t>）</a:t>
-            </a:r>
-            <a:endParaRPr lang="zh-CN" altLang="en-US" sz="1400" b="0">
-              <a:latin typeface="微软雅黑" panose="020B0503020204020204" pitchFamily="34" charset="-122"/>
-              <a:ea typeface="微软雅黑" panose="020B0503020204020204" pitchFamily="34" charset="-122"/>
-              <a:cs typeface="仿宋" panose="02010609060101010101" charset="-122"/>
-            </a:endParaRPr>
-          </a:p>
-        </p:txBody>
-      </p:sp>
-      <p:sp>
-        <p:nvSpPr>
-          <p:cNvPr id="4" name="文本框 3"/>
-          <p:cNvSpPr txBox="1"/>
-          <p:nvPr/>
-        </p:nvSpPr>
-        <p:spPr>
-          <a:xfrm>
-            <a:off x="922020" y="2065020"/>
-            <a:ext cx="5080000" cy="306705"/>
-          </a:xfrm>
-          <a:prstGeom prst="rect">
-            <a:avLst/>
-          </a:prstGeom>
-          <a:noFill/>
-          <a:ln w="9525">
-            <a:noFill/>
-          </a:ln>
-        </p:spPr>
-        <p:txBody>
-          <a:bodyPr>
-            <a:spAutoFit/>
-          </a:bodyPr>
-          <a:p>
-            <a:pPr indent="0"/>
-            <a:r>
-              <a:rPr lang="zh-CN" altLang="en-US" sz="1400" b="0">
-                <a:latin typeface="微软雅黑" panose="020B0503020204020204" pitchFamily="34" charset="-122"/>
-                <a:ea typeface="微软雅黑" panose="020B0503020204020204" pitchFamily="34" charset="-122"/>
-                <a:cs typeface="仿宋" panose="02010609060101010101" charset="-122"/>
-              </a:rPr>
-              <a:t>方法</a:t>
-            </a:r>
-            <a:r>
-              <a:rPr lang="en-US" altLang="zh-CN" sz="1400" b="0">
-                <a:latin typeface="微软雅黑" panose="020B0503020204020204" pitchFamily="34" charset="-122"/>
-                <a:ea typeface="微软雅黑" panose="020B0503020204020204" pitchFamily="34" charset="-122"/>
-                <a:cs typeface="仿宋" panose="02010609060101010101" charset="-122"/>
-              </a:rPr>
-              <a:t>2</a:t>
-            </a:r>
-            <a:r>
-              <a:rPr lang="zh-CN" altLang="en-US" sz="1400" b="0">
-                <a:latin typeface="微软雅黑" panose="020B0503020204020204" pitchFamily="34" charset="-122"/>
-                <a:ea typeface="微软雅黑" panose="020B0503020204020204" pitchFamily="34" charset="-122"/>
-                <a:cs typeface="仿宋" panose="02010609060101010101" charset="-122"/>
-              </a:rPr>
-              <a:t>：改进的自适应权重计算（改进的</a:t>
-            </a:r>
-            <a:r>
-              <a:rPr lang="en-US" altLang="zh-CN" sz="1400" b="0">
-                <a:latin typeface="微软雅黑" panose="020B0503020204020204" pitchFamily="34" charset="-122"/>
-                <a:ea typeface="微软雅黑" panose="020B0503020204020204" pitchFamily="34" charset="-122"/>
-                <a:cs typeface="仿宋" panose="02010609060101010101" charset="-122"/>
-              </a:rPr>
-              <a:t>AWC</a:t>
-            </a:r>
-            <a:r>
-              <a:rPr lang="zh-CN" altLang="en-US" sz="1400" b="0">
-                <a:latin typeface="微软雅黑" panose="020B0503020204020204" pitchFamily="34" charset="-122"/>
-                <a:ea typeface="微软雅黑" panose="020B0503020204020204" pitchFamily="34" charset="-122"/>
-                <a:cs typeface="仿宋" panose="02010609060101010101" charset="-122"/>
-              </a:rPr>
-              <a:t>）</a:t>
-            </a:r>
-            <a:endParaRPr lang="zh-CN" altLang="en-US" sz="1400" b="0">
-              <a:latin typeface="微软雅黑" panose="020B0503020204020204" pitchFamily="34" charset="-122"/>
-              <a:ea typeface="微软雅黑" panose="020B0503020204020204" pitchFamily="34" charset="-122"/>
-              <a:cs typeface="仿宋" panose="02010609060101010101" charset="-122"/>
-            </a:endParaRPr>
-          </a:p>
-        </p:txBody>
-      </p:sp>
-      <p:sp>
-        <p:nvSpPr>
-          <p:cNvPr id="5" name="文本框 4"/>
-          <p:cNvSpPr txBox="1"/>
-          <p:nvPr/>
-        </p:nvSpPr>
-        <p:spPr>
-          <a:xfrm>
-            <a:off x="1268730" y="2371408"/>
-            <a:ext cx="5080000" cy="306705"/>
-          </a:xfrm>
-          <a:prstGeom prst="rect">
-            <a:avLst/>
-          </a:prstGeom>
-          <a:noFill/>
-          <a:ln w="9525">
-            <a:noFill/>
-          </a:ln>
-        </p:spPr>
-        <p:txBody>
-          <a:bodyPr>
-            <a:spAutoFit/>
-          </a:bodyPr>
-          <a:p>
-            <a:pPr indent="0"/>
-            <a:r>
-              <a:rPr lang="zh-CN" altLang="en-US" sz="1400" b="0">
-                <a:latin typeface="微软雅黑" panose="020B0503020204020204" pitchFamily="34" charset="-122"/>
-                <a:ea typeface="微软雅黑" panose="020B0503020204020204" pitchFamily="34" charset="-122"/>
-                <a:cs typeface="仿宋" panose="02010609060101010101" charset="-122"/>
-              </a:rPr>
-              <a:t>位置数据融合，我们由方程定义的这种方法：</a:t>
-            </a:r>
-            <a:endParaRPr lang="zh-CN" altLang="en-US" sz="1400" b="0">
-              <a:latin typeface="微软雅黑" panose="020B0503020204020204" pitchFamily="34" charset="-122"/>
-              <a:ea typeface="微软雅黑" panose="020B0503020204020204" pitchFamily="34" charset="-122"/>
-              <a:cs typeface="仿宋" panose="02010609060101010101" charset="-122"/>
+              <a:cs typeface="宋体" panose="02010600030101010101" pitchFamily="2" charset="-122"/>
             </a:endParaRPr>
           </a:p>
         </p:txBody>
       </p:sp>
       <p:pic>
         <p:nvPicPr>
-          <p:cNvPr id="7" name="图片 -2147482619" descr="IMG_256"/>
+          <p:cNvPr id="3" name="图片 2"/>
           <p:cNvPicPr>
             <a:picLocks noChangeAspect="1"/>
           </p:cNvPicPr>
@@ -12091,105 +13477,105 @@
         </p:blipFill>
         <p:spPr>
           <a:xfrm>
-            <a:off x="5361940" y="1894205"/>
-            <a:ext cx="2931795" cy="1355090"/>
+            <a:off x="2365375" y="3033395"/>
+            <a:ext cx="4024630" cy="1611630"/>
+          </a:xfrm>
+          <a:prstGeom prst="rect">
+            <a:avLst/>
+          </a:prstGeom>
+        </p:spPr>
+      </p:pic>
+      <p:sp>
+        <p:nvSpPr>
+          <p:cNvPr id="5" name="文本框 4"/>
+          <p:cNvSpPr txBox="1"/>
+          <p:nvPr/>
+        </p:nvSpPr>
+        <p:spPr>
+          <a:xfrm>
+            <a:off x="6460490" y="3245485"/>
+            <a:ext cx="459740" cy="1005840"/>
           </a:xfrm>
           <a:prstGeom prst="rect">
             <a:avLst/>
           </a:prstGeom>
           <a:noFill/>
-          <a:ln w="9525">
-            <a:noFill/>
-          </a:ln>
         </p:spPr>
-      </p:pic>
-      <p:sp>
-        <p:nvSpPr>
-          <p:cNvPr id="8" name="文本框 7"/>
+        <p:txBody>
+          <a:bodyPr vert="eaVert" wrap="none" rtlCol="0">
+            <a:spAutoFit/>
+          </a:bodyPr>
+          <a:p>
+            <a:r>
+              <a:rPr lang="zh-CN" altLang="en-US"/>
+              <a:t>反转方向</a:t>
+            </a:r>
+            <a:endParaRPr lang="zh-CN" altLang="en-US"/>
+          </a:p>
+        </p:txBody>
+      </p:sp>
+      <p:sp>
+        <p:nvSpPr>
+          <p:cNvPr id="7" name="文本框 6"/>
           <p:cNvSpPr txBox="1"/>
           <p:nvPr/>
         </p:nvSpPr>
         <p:spPr>
           <a:xfrm>
-            <a:off x="928370" y="3249295"/>
-            <a:ext cx="7365365" cy="1383665"/>
+            <a:off x="1834515" y="3200400"/>
+            <a:ext cx="459740" cy="1005840"/>
           </a:xfrm>
           <a:prstGeom prst="rect">
             <a:avLst/>
           </a:prstGeom>
           <a:noFill/>
-          <a:ln w="9525">
-            <a:noFill/>
-          </a:ln>
         </p:spPr>
         <p:txBody>
-          <a:bodyPr wrap="square">
+          <a:bodyPr vert="eaVert" wrap="none" rtlCol="0">
             <a:spAutoFit/>
           </a:bodyPr>
           <a:p>
-            <a:pPr indent="0"/>
-            <a:r>
-              <a:rPr lang="en-US" altLang="zh-CN" sz="1400" b="0">
-                <a:latin typeface="微软雅黑" panose="020B0503020204020204" pitchFamily="34" charset="-122"/>
-                <a:ea typeface="微软雅黑" panose="020B0503020204020204" pitchFamily="34" charset="-122"/>
-                <a:cs typeface="仿宋" panose="02010609060101010101" charset="-122"/>
-              </a:rPr>
-              <a:t>       </a:t>
-            </a:r>
-            <a:r>
-              <a:rPr lang="zh-CN" altLang="en-US" sz="1400" b="0">
-                <a:latin typeface="微软雅黑" panose="020B0503020204020204" pitchFamily="34" charset="-122"/>
-                <a:ea typeface="微软雅黑" panose="020B0503020204020204" pitchFamily="34" charset="-122"/>
-                <a:cs typeface="仿宋" panose="02010609060101010101" charset="-122"/>
-              </a:rPr>
-              <a:t>旋转数据融合：一种是基于位置来计算两个关节之间的骨骼旋转。另一个使用来自Kinect设备的旋转数据。因此，仍然需要考虑来自多个Kinect的旋转数据进行化身控制。 融合过程如下：</a:t>
-            </a:r>
-            <a:endParaRPr lang="zh-CN" altLang="en-US" sz="1400" b="0">
+            <a:r>
+              <a:rPr lang="zh-CN" altLang="en-US"/>
+              <a:t>正确方向</a:t>
+            </a:r>
+            <a:endParaRPr lang="zh-CN" altLang="en-US"/>
+          </a:p>
+        </p:txBody>
+      </p:sp>
+      <p:sp>
+        <p:nvSpPr>
+          <p:cNvPr id="4" name="文本框 3"/>
+          <p:cNvSpPr txBox="1"/>
+          <p:nvPr/>
+        </p:nvSpPr>
+        <p:spPr>
+          <a:xfrm>
+            <a:off x="922020" y="179705"/>
+            <a:ext cx="3590290" cy="398780"/>
+          </a:xfrm>
+          <a:prstGeom prst="rect">
+            <a:avLst/>
+          </a:prstGeom>
+          <a:noFill/>
+        </p:spPr>
+        <p:txBody>
+          <a:bodyPr wrap="square" rtlCol="0" anchor="t">
+            <a:spAutoFit/>
+          </a:bodyPr>
+          <a:p>
+            <a:r>
+              <a:rPr lang="zh-CN" altLang="en-US" sz="2000" spc="300" dirty="0">
+                <a:latin typeface="微软雅黑" panose="020B0503020204020204" pitchFamily="34" charset="-122"/>
+                <a:ea typeface="微软雅黑" panose="020B0503020204020204" pitchFamily="34" charset="-122"/>
+                <a:sym typeface="+mn-ea"/>
+              </a:rPr>
+              <a:t>解决方案</a:t>
+            </a:r>
+            <a:endParaRPr lang="zh-CN" altLang="en-US" sz="2000" spc="300" dirty="0">
               <a:latin typeface="微软雅黑" panose="020B0503020204020204" pitchFamily="34" charset="-122"/>
               <a:ea typeface="微软雅黑" panose="020B0503020204020204" pitchFamily="34" charset="-122"/>
-              <a:cs typeface="仿宋" panose="02010609060101010101" charset="-122"/>
-            </a:endParaRPr>
-          </a:p>
-          <a:p>
-            <a:pPr indent="0"/>
-            <a:r>
-              <a:rPr lang="zh-CN" altLang="en-US" sz="1400">
-                <a:latin typeface="微软雅黑" panose="020B0503020204020204" pitchFamily="34" charset="-122"/>
-                <a:ea typeface="微软雅黑" panose="020B0503020204020204" pitchFamily="34" charset="-122"/>
-              </a:rPr>
-              <a:t>（1）从相关Kinect计算每个四元数的权重。</a:t>
-            </a:r>
-            <a:endParaRPr lang="zh-CN" altLang="en-US" sz="1400">
-              <a:latin typeface="微软雅黑" panose="020B0503020204020204" pitchFamily="34" charset="-122"/>
-              <a:ea typeface="微软雅黑" panose="020B0503020204020204" pitchFamily="34" charset="-122"/>
-            </a:endParaRPr>
-          </a:p>
-          <a:p>
-            <a:pPr indent="0"/>
-            <a:r>
-              <a:rPr lang="zh-CN" altLang="en-US" sz="1400">
-                <a:latin typeface="微软雅黑" panose="020B0503020204020204" pitchFamily="34" charset="-122"/>
-                <a:ea typeface="微软雅黑" panose="020B0503020204020204" pitchFamily="34" charset="-122"/>
-              </a:rPr>
-              <a:t>（2）由权值计算插值项。</a:t>
-            </a:r>
-            <a:endParaRPr lang="zh-CN" altLang="en-US" sz="1400">
-              <a:latin typeface="微软雅黑" panose="020B0503020204020204" pitchFamily="34" charset="-122"/>
-              <a:ea typeface="微软雅黑" panose="020B0503020204020204" pitchFamily="34" charset="-122"/>
-            </a:endParaRPr>
-          </a:p>
-          <a:p>
-            <a:pPr indent="0"/>
-            <a:r>
-              <a:rPr lang="zh-CN" altLang="en-US" sz="1400">
-                <a:latin typeface="微软雅黑" panose="020B0503020204020204" pitchFamily="34" charset="-122"/>
-                <a:ea typeface="微软雅黑" panose="020B0503020204020204" pitchFamily="34" charset="-122"/>
-              </a:rPr>
-              <a:t>（3）四元数融合。</a:t>
-            </a:r>
-            <a:endParaRPr lang="zh-CN" altLang="en-US" sz="1400">
-              <a:latin typeface="微软雅黑" panose="020B0503020204020204" pitchFamily="34" charset="-122"/>
-              <a:ea typeface="微软雅黑" panose="020B0503020204020204" pitchFamily="34" charset="-122"/>
+              <a:sym typeface="+mn-ea"/>
             </a:endParaRPr>
           </a:p>
         </p:txBody>
@@ -12451,8 +13837,122 @@
         </p:nvSpPr>
         <p:spPr>
           <a:xfrm>
-            <a:off x="1081405" y="180340"/>
-            <a:ext cx="2042160" cy="398780"/>
+            <a:off x="922020" y="737235"/>
+            <a:ext cx="5080000" cy="337185"/>
+          </a:xfrm>
+          <a:prstGeom prst="rect">
+            <a:avLst/>
+          </a:prstGeom>
+          <a:noFill/>
+          <a:ln w="9525">
+            <a:noFill/>
+          </a:ln>
+        </p:spPr>
+        <p:txBody>
+          <a:bodyPr>
+            <a:spAutoFit/>
+          </a:bodyPr>
+          <a:p>
+            <a:pPr indent="0"/>
+            <a:r>
+              <a:rPr lang="en-US" altLang="zh-CN" sz="1600" b="0">
+                <a:latin typeface="微软雅黑" panose="020B0503020204020204" pitchFamily="34" charset="-122"/>
+                <a:ea typeface="微软雅黑" panose="020B0503020204020204" pitchFamily="34" charset="-122"/>
+                <a:cs typeface="宋体" panose="02010600030101010101" pitchFamily="2" charset="-122"/>
+              </a:rPr>
+              <a:t>2.3 </a:t>
+            </a:r>
+            <a:r>
+              <a:rPr lang="zh-CN" altLang="en-US" sz="1600" b="0">
+                <a:latin typeface="微软雅黑" panose="020B0503020204020204" pitchFamily="34" charset="-122"/>
+                <a:ea typeface="微软雅黑" panose="020B0503020204020204" pitchFamily="34" charset="-122"/>
+                <a:cs typeface="宋体" panose="02010600030101010101" pitchFamily="2" charset="-122"/>
+              </a:rPr>
+              <a:t>数据融合  </a:t>
+            </a:r>
+            <a:endParaRPr lang="zh-CN" altLang="en-US" sz="1600" b="0">
+              <a:latin typeface="微软雅黑" panose="020B0503020204020204" pitchFamily="34" charset="-122"/>
+              <a:ea typeface="微软雅黑" panose="020B0503020204020204" pitchFamily="34" charset="-122"/>
+              <a:cs typeface="宋体" panose="02010600030101010101" pitchFamily="2" charset="-122"/>
+            </a:endParaRPr>
+          </a:p>
+        </p:txBody>
+      </p:sp>
+      <p:sp>
+        <p:nvSpPr>
+          <p:cNvPr id="100" name="文本框 99"/>
+          <p:cNvSpPr txBox="1"/>
+          <p:nvPr/>
+        </p:nvSpPr>
+        <p:spPr>
+          <a:xfrm>
+            <a:off x="836295" y="1074420"/>
+            <a:ext cx="7628890" cy="681355"/>
+          </a:xfrm>
+          <a:prstGeom prst="rect">
+            <a:avLst/>
+          </a:prstGeom>
+          <a:noFill/>
+          <a:ln w="9525">
+            <a:noFill/>
+          </a:ln>
+        </p:spPr>
+        <p:txBody>
+          <a:bodyPr wrap="square">
+            <a:spAutoFit/>
+          </a:bodyPr>
+          <a:p>
+            <a:pPr indent="0">
+              <a:lnSpc>
+                <a:spcPct val="120000"/>
+              </a:lnSpc>
+            </a:pPr>
+            <a:r>
+              <a:rPr lang="en-US" altLang="zh-CN" sz="1600" b="0">
+                <a:latin typeface="仿宋" panose="02010609060101010101" charset="-122"/>
+                <a:ea typeface="仿宋" panose="02010609060101010101" charset="-122"/>
+                <a:cs typeface="仿宋" panose="02010609060101010101" charset="-122"/>
+              </a:rPr>
+              <a:t>   </a:t>
+            </a:r>
+            <a:r>
+              <a:rPr lang="zh-CN" altLang="en-US" sz="1600" b="0">
+                <a:latin typeface="微软雅黑" panose="020B0503020204020204" pitchFamily="34" charset="-122"/>
+                <a:ea typeface="微软雅黑" panose="020B0503020204020204" pitchFamily="34" charset="-122"/>
+                <a:cs typeface="仿宋" panose="02010609060101010101" charset="-122"/>
+              </a:rPr>
+              <a:t>改进数据融合的加权因子：</a:t>
+            </a:r>
+            <a:endParaRPr lang="zh-CN" altLang="en-US" sz="1600" b="0">
+              <a:latin typeface="微软雅黑" panose="020B0503020204020204" pitchFamily="34" charset="-122"/>
+              <a:ea typeface="微软雅黑" panose="020B0503020204020204" pitchFamily="34" charset="-122"/>
+              <a:cs typeface="仿宋" panose="02010609060101010101" charset="-122"/>
+            </a:endParaRPr>
+          </a:p>
+          <a:p>
+            <a:pPr indent="0">
+              <a:lnSpc>
+                <a:spcPct val="120000"/>
+              </a:lnSpc>
+            </a:pPr>
+            <a:endParaRPr lang="zh-CN" altLang="en-US" sz="1600" b="0">
+              <a:latin typeface="微软雅黑" panose="020B0503020204020204" pitchFamily="34" charset="-122"/>
+              <a:ea typeface="微软雅黑" panose="020B0503020204020204" pitchFamily="34" charset="-122"/>
+              <a:cs typeface="仿宋" panose="02010609060101010101" charset="-122"/>
+            </a:endParaRPr>
+          </a:p>
+        </p:txBody>
+      </p:sp>
+      <p:sp>
+        <p:nvSpPr>
+          <p:cNvPr id="9" name="文本框 8"/>
+          <p:cNvSpPr txBox="1"/>
+          <p:nvPr/>
+        </p:nvSpPr>
+        <p:spPr>
+          <a:xfrm>
+            <a:off x="922020" y="179705"/>
+            <a:ext cx="3590290" cy="398780"/>
           </a:xfrm>
           <a:prstGeom prst="rect">
             <a:avLst/>
@@ -12460,34 +13960,36 @@
           <a:noFill/>
         </p:spPr>
         <p:txBody>
-          <a:bodyPr wrap="square" rtlCol="0">
+          <a:bodyPr wrap="square" rtlCol="0" anchor="t">
             <a:spAutoFit/>
           </a:bodyPr>
           <a:p>
             <a:r>
-              <a:rPr lang="zh-CN" altLang="en-US" sz="2000">
-                <a:latin typeface="微软雅黑" panose="020B0503020204020204" pitchFamily="34" charset="-122"/>
-                <a:ea typeface="微软雅黑" panose="020B0503020204020204" pitchFamily="34" charset="-122"/>
-              </a:rPr>
-              <a:t>评估</a:t>
-            </a:r>
-            <a:endParaRPr lang="zh-CN" altLang="en-US" sz="2000">
+              <a:rPr lang="zh-CN" altLang="en-US" sz="2000" spc="300" dirty="0">
+                <a:latin typeface="微软雅黑" panose="020B0503020204020204" pitchFamily="34" charset="-122"/>
+                <a:ea typeface="微软雅黑" panose="020B0503020204020204" pitchFamily="34" charset="-122"/>
+                <a:sym typeface="+mn-ea"/>
+              </a:rPr>
+              <a:t>解决方案</a:t>
+            </a:r>
+            <a:endParaRPr lang="zh-CN" altLang="en-US" sz="2000" spc="300" dirty="0">
               <a:latin typeface="微软雅黑" panose="020B0503020204020204" pitchFamily="34" charset="-122"/>
               <a:ea typeface="微软雅黑" panose="020B0503020204020204" pitchFamily="34" charset="-122"/>
+              <a:sym typeface="+mn-ea"/>
             </a:endParaRPr>
           </a:p>
         </p:txBody>
       </p:sp>
       <p:sp>
         <p:nvSpPr>
-          <p:cNvPr id="4" name="文本框 3"/>
+          <p:cNvPr id="11" name="文本框 10"/>
           <p:cNvSpPr txBox="1"/>
           <p:nvPr/>
         </p:nvSpPr>
         <p:spPr>
           <a:xfrm>
-            <a:off x="1734185" y="1283970"/>
-            <a:ext cx="5573395" cy="2416175"/>
+            <a:off x="719455" y="1513840"/>
+            <a:ext cx="7745730" cy="337185"/>
           </a:xfrm>
           <a:prstGeom prst="rect">
             <a:avLst/>
@@ -12499,55 +14001,197 @@
             <a:spAutoFit/>
           </a:bodyPr>
           <a:p>
-            <a:pPr>
-              <a:lnSpc>
-                <a:spcPct val="120000"/>
-              </a:lnSpc>
-            </a:pPr>
-            <a:r>
-              <a:rPr lang="en-US" altLang="zh-CN">
+            <a:r>
+              <a:rPr lang="zh-CN" altLang="en-US" sz="1600">
+                <a:latin typeface="微软雅黑" panose="020B0503020204020204" pitchFamily="34" charset="-122"/>
+                <a:ea typeface="微软雅黑" panose="020B0503020204020204" pitchFamily="34" charset="-122"/>
+                <a:cs typeface="仿宋" panose="02010609060101010101" charset="-122"/>
+                <a:sym typeface="+mn-ea"/>
+              </a:rPr>
+              <a:t>方法</a:t>
+            </a:r>
+            <a:r>
+              <a:rPr lang="en-US" altLang="zh-CN" sz="1600">
+                <a:latin typeface="微软雅黑" panose="020B0503020204020204" pitchFamily="34" charset="-122"/>
+                <a:ea typeface="微软雅黑" panose="020B0503020204020204" pitchFamily="34" charset="-122"/>
+                <a:cs typeface="仿宋" panose="02010609060101010101" charset="-122"/>
+                <a:sym typeface="+mn-ea"/>
+              </a:rPr>
+              <a:t>1</a:t>
+            </a:r>
+            <a:r>
+              <a:rPr lang="zh-CN" altLang="en-US" sz="1600">
+                <a:latin typeface="微软雅黑" panose="020B0503020204020204" pitchFamily="34" charset="-122"/>
+                <a:ea typeface="微软雅黑" panose="020B0503020204020204" pitchFamily="34" charset="-122"/>
+                <a:cs typeface="仿宋" panose="02010609060101010101" charset="-122"/>
+                <a:sym typeface="+mn-ea"/>
+              </a:rPr>
+              <a:t>：根据所跟踪的不同身体部位来计算相机权重分布，即子区域权重计算</a:t>
+            </a:r>
+            <a:r>
+              <a:rPr lang="en-US" altLang="zh-CN" sz="1600">
+                <a:latin typeface="微软雅黑" panose="020B0503020204020204" pitchFamily="34" charset="-122"/>
+                <a:ea typeface="微软雅黑" panose="020B0503020204020204" pitchFamily="34" charset="-122"/>
+                <a:cs typeface="仿宋" panose="02010609060101010101" charset="-122"/>
+                <a:sym typeface="+mn-ea"/>
+              </a:rPr>
+              <a:t>(SWC)</a:t>
+            </a:r>
+            <a:endParaRPr lang="zh-CN" altLang="en-US" sz="1600"/>
+          </a:p>
+        </p:txBody>
+      </p:sp>
+      <p:sp>
+        <p:nvSpPr>
+          <p:cNvPr id="12" name="文本框 11"/>
+          <p:cNvSpPr txBox="1"/>
+          <p:nvPr/>
+        </p:nvSpPr>
+        <p:spPr>
+          <a:xfrm>
+            <a:off x="719455" y="1851025"/>
+            <a:ext cx="4615815" cy="829945"/>
+          </a:xfrm>
+          <a:prstGeom prst="rect">
+            <a:avLst/>
+          </a:prstGeom>
+          <a:noFill/>
+        </p:spPr>
+        <p:txBody>
+          <a:bodyPr wrap="square" rtlCol="0">
+            <a:spAutoFit/>
+          </a:bodyPr>
+          <a:p>
+            <a:r>
+              <a:rPr lang="en-US" altLang="zh-CN" sz="1600">
+                <a:latin typeface="微软雅黑" panose="020B0503020204020204" pitchFamily="34" charset="-122"/>
+                <a:ea typeface="微软雅黑" panose="020B0503020204020204" pitchFamily="34" charset="-122"/>
+              </a:rPr>
+              <a:t>       </a:t>
+            </a:r>
+            <a:r>
+              <a:rPr lang="zh-CN" altLang="en-US" sz="1600">
+                <a:latin typeface="微软雅黑" panose="020B0503020204020204" pitchFamily="34" charset="-122"/>
+                <a:ea typeface="微软雅黑" panose="020B0503020204020204" pitchFamily="34" charset="-122"/>
+              </a:rPr>
+              <a:t>用户的身体可以分为三个部分：左，右和躯干，并且当用户在跟踪区域中四处移动时，手臂和腿的权重不同。以右臂为例计算权重：</a:t>
+            </a:r>
+            <a:endParaRPr lang="zh-CN" altLang="en-US" sz="1600">
+              <a:latin typeface="微软雅黑" panose="020B0503020204020204" pitchFamily="34" charset="-122"/>
+              <a:ea typeface="微软雅黑" panose="020B0503020204020204" pitchFamily="34" charset="-122"/>
+            </a:endParaRPr>
+          </a:p>
+        </p:txBody>
+      </p:sp>
+      <p:pic>
+        <p:nvPicPr>
+          <p:cNvPr id="13" name="图片 12"/>
+          <p:cNvPicPr>
+            <a:picLocks noChangeAspect="1"/>
+          </p:cNvPicPr>
+          <p:nvPr/>
+        </p:nvPicPr>
+        <p:blipFill>
+          <a:blip r:embed="rId1"/>
+          <a:stretch>
+            <a:fillRect/>
+          </a:stretch>
+        </p:blipFill>
+        <p:spPr>
+          <a:xfrm>
+            <a:off x="5696585" y="2018665"/>
+            <a:ext cx="2768600" cy="2500630"/>
+          </a:xfrm>
+          <a:prstGeom prst="rect">
+            <a:avLst/>
+          </a:prstGeom>
+        </p:spPr>
+      </p:pic>
+      <p:sp>
+        <p:nvSpPr>
+          <p:cNvPr id="14" name="文本框 13"/>
+          <p:cNvSpPr txBox="1"/>
+          <p:nvPr/>
+        </p:nvSpPr>
+        <p:spPr>
+          <a:xfrm>
+            <a:off x="719455" y="2650490"/>
+            <a:ext cx="4220210" cy="1076325"/>
+          </a:xfrm>
+          <a:prstGeom prst="rect">
+            <a:avLst/>
+          </a:prstGeom>
+          <a:noFill/>
+        </p:spPr>
+        <p:txBody>
+          <a:bodyPr wrap="square" rtlCol="0">
+            <a:spAutoFit/>
+          </a:bodyPr>
+          <a:p>
+            <a:r>
+              <a:rPr lang="en-US" altLang="zh-CN" sz="1600">
                 <a:latin typeface="微软雅黑" panose="020B0503020204020204" pitchFamily="34" charset="-122"/>
                 <a:ea typeface="微软雅黑" panose="020B0503020204020204" pitchFamily="34" charset="-122"/>
                 <a:cs typeface="微软雅黑" panose="020B0503020204020204" pitchFamily="34" charset="-122"/>
               </a:rPr>
-              <a:t>       </a:t>
-            </a:r>
-            <a:r>
-              <a:rPr lang="zh-CN" altLang="en-US">
+              <a:t>      </a:t>
+            </a:r>
+            <a:r>
+              <a:rPr lang="zh-CN" altLang="en-US" sz="1600">
                 <a:latin typeface="微软雅黑" panose="020B0503020204020204" pitchFamily="34" charset="-122"/>
                 <a:ea typeface="微软雅黑" panose="020B0503020204020204" pitchFamily="34" charset="-122"/>
                 <a:cs typeface="微软雅黑" panose="020B0503020204020204" pitchFamily="34" charset="-122"/>
               </a:rPr>
-              <a:t>对跟踪质量以及从用于VR中的化身骨架装配的多个跟踪设备中检索到的数据的错误（通过标准偏差测量）进行评估。评估的目标包括以下三个部分：面向方向调整，相机加权方法和旋转融合过程。</a:t>
-            </a:r>
-            <a:endParaRPr lang="zh-CN" altLang="en-US">
+              <a:t>身体右侧面向Kinect 2，右臂融合的Kinects 1,2,3的相机权重</a:t>
+            </a:r>
+            <a:r>
+              <a:rPr lang="zh-CN" altLang="en-US" sz="1600">
+                <a:latin typeface="微软雅黑" panose="020B0503020204020204" pitchFamily="34" charset="-122"/>
+                <a:ea typeface="微软雅黑" panose="020B0503020204020204" pitchFamily="34" charset="-122"/>
+                <a:cs typeface="微软雅黑" panose="020B0503020204020204" pitchFamily="34" charset="-122"/>
+              </a:rPr>
+              <a:t>应该是主要的数据来源，因为它是清晰可见的。权重</a:t>
+            </a:r>
+            <a:r>
+              <a:rPr lang="zh-CN" altLang="en-US" sz="1600">
+                <a:latin typeface="微软雅黑" panose="020B0503020204020204" pitchFamily="34" charset="-122"/>
+                <a:ea typeface="微软雅黑" panose="020B0503020204020204" pitchFamily="34" charset="-122"/>
+                <a:cs typeface="微软雅黑" panose="020B0503020204020204" pitchFamily="34" charset="-122"/>
+              </a:rPr>
+              <a:t>计算公式如下：</a:t>
+            </a:r>
+            <a:endParaRPr lang="zh-CN" altLang="en-US" sz="1600">
               <a:latin typeface="微软雅黑" panose="020B0503020204020204" pitchFamily="34" charset="-122"/>
               <a:ea typeface="微软雅黑" panose="020B0503020204020204" pitchFamily="34" charset="-122"/>
               <a:cs typeface="微软雅黑" panose="020B0503020204020204" pitchFamily="34" charset="-122"/>
             </a:endParaRPr>
           </a:p>
-          <a:p>
-            <a:pPr>
-              <a:lnSpc>
-                <a:spcPct val="120000"/>
-              </a:lnSpc>
-            </a:pPr>
-            <a:r>
-              <a:rPr lang="zh-CN" altLang="en-US">
-                <a:latin typeface="微软雅黑" panose="020B0503020204020204" pitchFamily="34" charset="-122"/>
-                <a:ea typeface="微软雅黑" panose="020B0503020204020204" pitchFamily="34" charset="-122"/>
-                <a:cs typeface="微软雅黑" panose="020B0503020204020204" pitchFamily="34" charset="-122"/>
-              </a:rPr>
-              <a:t>       通过实验数据分析可得，改进得计算方法与之前的方法相比，准确度有很大提高，提高了数据融合质量。</a:t>
-            </a:r>
-            <a:endParaRPr lang="zh-CN" altLang="en-US">
-              <a:latin typeface="微软雅黑" panose="020B0503020204020204" pitchFamily="34" charset="-122"/>
-              <a:ea typeface="微软雅黑" panose="020B0503020204020204" pitchFamily="34" charset="-122"/>
-              <a:cs typeface="微软雅黑" panose="020B0503020204020204" pitchFamily="34" charset="-122"/>
-            </a:endParaRPr>
-          </a:p>
-        </p:txBody>
-      </p:sp>
+        </p:txBody>
+      </p:sp>
+      <p:pic>
+        <p:nvPicPr>
+          <p:cNvPr id="15" name="图片 14"/>
+          <p:cNvPicPr>
+            <a:picLocks noChangeAspect="1"/>
+          </p:cNvPicPr>
+          <p:nvPr/>
+        </p:nvPicPr>
+        <p:blipFill>
+          <a:blip r:embed="rId2"/>
+          <a:stretch>
+            <a:fillRect/>
+          </a:stretch>
+        </p:blipFill>
+        <p:spPr>
+          <a:xfrm>
+            <a:off x="1390015" y="3726815"/>
+            <a:ext cx="3670300" cy="844550"/>
+          </a:xfrm>
+          <a:prstGeom prst="rect">
+            <a:avLst/>
+          </a:prstGeom>
+        </p:spPr>
+      </p:pic>
     </p:spTree>
   </p:cSld>
   <p:clrMapOvr>
@@ -12574,6 +14218,13 @@
 </file>
 
 <file path=ppt/tags/tag2.xml><?xml version="1.0" encoding="utf-8"?>
+<p:tagLst xmlns:p="http://schemas.openxmlformats.org/presentationml/2006/main">
+  <p:tag name="REFSHAPE" val="465369724"/>
+  <p:tag name="KSO_WM_UNIT_PLACING_PICTURE_USER_VIEWPORT" val="{&quot;height&quot;:5520,&quot;width&quot;:7356}"/>
+</p:tagLst>
+</file>
+
+<file path=ppt/tags/tag3.xml><?xml version="1.0" encoding="utf-8"?>
 <p:tagLst xmlns:p="http://schemas.openxmlformats.org/presentationml/2006/main">
   <p:tag name="SELECTED" val="True"/>
 </p:tagLst>
